--- a/Game Theory in Adversarial Search.pptx
+++ b/Game Theory in Adversarial Search.pptx
@@ -2,21 +2,25 @@
 <file path=ppt/presentation.xml><?xml version="1.0" encoding="utf-8"?>
 <p:presentation xmlns:a="http://schemas.openxmlformats.org/drawingml/2006/main" xmlns:r="http://schemas.openxmlformats.org/officeDocument/2006/relationships" xmlns:p="http://schemas.openxmlformats.org/presentationml/2006/main" saveSubsetFonts="1">
   <p:sldMasterIdLst>
-    <p:sldMasterId id="2147483648" r:id="rId1"/>
+    <p:sldMasterId id="2147483684" r:id="rId1"/>
   </p:sldMasterIdLst>
   <p:notesMasterIdLst>
-    <p:notesMasterId r:id="rId11"/>
+    <p:notesMasterId r:id="rId15"/>
   </p:notesMasterIdLst>
   <p:sldIdLst>
     <p:sldId id="256" r:id="rId2"/>
-    <p:sldId id="257" r:id="rId3"/>
-    <p:sldId id="258" r:id="rId4"/>
-    <p:sldId id="259" r:id="rId5"/>
-    <p:sldId id="260" r:id="rId6"/>
-    <p:sldId id="261" r:id="rId7"/>
-    <p:sldId id="262" r:id="rId8"/>
-    <p:sldId id="263" r:id="rId9"/>
-    <p:sldId id="264" r:id="rId10"/>
+    <p:sldId id="265" r:id="rId3"/>
+    <p:sldId id="257" r:id="rId4"/>
+    <p:sldId id="258" r:id="rId5"/>
+    <p:sldId id="259" r:id="rId6"/>
+    <p:sldId id="260" r:id="rId7"/>
+    <p:sldId id="261" r:id="rId8"/>
+    <p:sldId id="262" r:id="rId9"/>
+    <p:sldId id="263" r:id="rId10"/>
+    <p:sldId id="266" r:id="rId11"/>
+    <p:sldId id="267" r:id="rId12"/>
+    <p:sldId id="264" r:id="rId13"/>
+    <p:sldId id="268" r:id="rId14"/>
   </p:sldIdLst>
   <p:sldSz cx="9144000" cy="6858000" type="screen4x3"/>
   <p:notesSz cx="6858000" cy="9144000"/>
@@ -200,7 +204,7 @@
           <a:p>
             <a:fld id="{B04277D0-B3A0-4E26-88FC-9D0361AC663E}" type="datetimeFigureOut">
               <a:rPr lang="en-US" smtClean="0"/>
-              <a:t>11/22/2013</a:t>
+              <a:t>11/24/2013</a:t>
             </a:fld>
             <a:endParaRPr lang="en-US"/>
           </a:p>
@@ -512,14 +516,6 @@
           <a:bodyPr/>
           <a:lstStyle/>
           <a:p>
-            <a:r>
-              <a:rPr lang="en-US" dirty="0" smtClean="0"/>
-              <a:t>Artificial</a:t>
-            </a:r>
-            <a:r>
-              <a:rPr lang="en-US" baseline="0" dirty="0" smtClean="0"/>
-              <a:t> intelligence is the field of understanding how we think and how to build intelligent entities. Definitions of AI is broken up into four categories: Thinking humanly, Acting Humanly, Thinking Rationally, and Acting Rationally. </a:t>
-            </a:r>
             <a:endParaRPr lang="en-US" dirty="0"/>
           </a:p>
         </p:txBody>
@@ -541,7 +537,7 @@
           <a:p>
             <a:fld id="{EDAC23BC-0D18-4756-9514-723BA3A862FB}" type="slidenum">
               <a:rPr lang="en-US" smtClean="0"/>
-              <a:t>2</a:t>
+              <a:t>1</a:t>
             </a:fld>
             <a:endParaRPr lang="en-US"/>
           </a:p>
@@ -550,7 +546,355 @@
     </p:spTree>
     <p:extLst>
       <p:ext uri="{BB962C8B-B14F-4D97-AF65-F5344CB8AC3E}">
-        <p14:creationId xmlns:p14="http://schemas.microsoft.com/office/powerpoint/2010/main" val="1250326751"/>
+        <p14:creationId xmlns:p14="http://schemas.microsoft.com/office/powerpoint/2010/main" val="3789527267"/>
+      </p:ext>
+    </p:extLst>
+  </p:cSld>
+  <p:clrMapOvr>
+    <a:masterClrMapping/>
+  </p:clrMapOvr>
+</p:notes>
+</file>
+
+<file path=ppt/notesSlides/notesSlide10.xml><?xml version="1.0" encoding="utf-8"?>
+<p:notes xmlns:a="http://schemas.openxmlformats.org/drawingml/2006/main" xmlns:r="http://schemas.openxmlformats.org/officeDocument/2006/relationships" xmlns:p="http://schemas.openxmlformats.org/presentationml/2006/main">
+  <p:cSld>
+    <p:spTree>
+      <p:nvGrpSpPr>
+        <p:cNvPr id="1" name=""/>
+        <p:cNvGrpSpPr/>
+        <p:nvPr/>
+      </p:nvGrpSpPr>
+      <p:grpSpPr>
+        <a:xfrm>
+          <a:off x="0" y="0"/>
+          <a:ext cx="0" cy="0"/>
+          <a:chOff x="0" y="0"/>
+          <a:chExt cx="0" cy="0"/>
+        </a:xfrm>
+      </p:grpSpPr>
+      <p:sp>
+        <p:nvSpPr>
+          <p:cNvPr id="2" name="Slide Image Placeholder 1"/>
+          <p:cNvSpPr>
+            <a:spLocks noGrp="1" noRot="1" noChangeAspect="1"/>
+          </p:cNvSpPr>
+          <p:nvPr>
+            <p:ph type="sldImg"/>
+          </p:nvPr>
+        </p:nvSpPr>
+        <p:spPr/>
+      </p:sp>
+      <p:sp>
+        <p:nvSpPr>
+          <p:cNvPr id="3" name="Notes Placeholder 2"/>
+          <p:cNvSpPr>
+            <a:spLocks noGrp="1"/>
+          </p:cNvSpPr>
+          <p:nvPr>
+            <p:ph type="body" idx="1"/>
+          </p:nvPr>
+        </p:nvSpPr>
+        <p:spPr/>
+        <p:txBody>
+          <a:bodyPr/>
+          <a:lstStyle/>
+          <a:p>
+            <a:r>
+              <a:rPr lang="en-US" dirty="0" smtClean="0"/>
+              <a:t>-Esteban</a:t>
+            </a:r>
+            <a:endParaRPr lang="en-US" dirty="0"/>
+          </a:p>
+        </p:txBody>
+      </p:sp>
+      <p:sp>
+        <p:nvSpPr>
+          <p:cNvPr id="4" name="Slide Number Placeholder 3"/>
+          <p:cNvSpPr>
+            <a:spLocks noGrp="1"/>
+          </p:cNvSpPr>
+          <p:nvPr>
+            <p:ph type="sldNum" sz="quarter" idx="10"/>
+          </p:nvPr>
+        </p:nvSpPr>
+        <p:spPr/>
+        <p:txBody>
+          <a:bodyPr/>
+          <a:lstStyle/>
+          <a:p>
+            <a:fld id="{EDAC23BC-0D18-4756-9514-723BA3A862FB}" type="slidenum">
+              <a:rPr lang="en-US" smtClean="0"/>
+              <a:t>10</a:t>
+            </a:fld>
+            <a:endParaRPr lang="en-US"/>
+          </a:p>
+        </p:txBody>
+      </p:sp>
+    </p:spTree>
+    <p:extLst>
+      <p:ext uri="{BB962C8B-B14F-4D97-AF65-F5344CB8AC3E}">
+        <p14:creationId xmlns:p14="http://schemas.microsoft.com/office/powerpoint/2010/main" val="1585654377"/>
+      </p:ext>
+    </p:extLst>
+  </p:cSld>
+  <p:clrMapOvr>
+    <a:masterClrMapping/>
+  </p:clrMapOvr>
+</p:notes>
+</file>
+
+<file path=ppt/notesSlides/notesSlide11.xml><?xml version="1.0" encoding="utf-8"?>
+<p:notes xmlns:a="http://schemas.openxmlformats.org/drawingml/2006/main" xmlns:r="http://schemas.openxmlformats.org/officeDocument/2006/relationships" xmlns:p="http://schemas.openxmlformats.org/presentationml/2006/main">
+  <p:cSld>
+    <p:spTree>
+      <p:nvGrpSpPr>
+        <p:cNvPr id="1" name=""/>
+        <p:cNvGrpSpPr/>
+        <p:nvPr/>
+      </p:nvGrpSpPr>
+      <p:grpSpPr>
+        <a:xfrm>
+          <a:off x="0" y="0"/>
+          <a:ext cx="0" cy="0"/>
+          <a:chOff x="0" y="0"/>
+          <a:chExt cx="0" cy="0"/>
+        </a:xfrm>
+      </p:grpSpPr>
+      <p:sp>
+        <p:nvSpPr>
+          <p:cNvPr id="2" name="Slide Image Placeholder 1"/>
+          <p:cNvSpPr>
+            <a:spLocks noGrp="1" noRot="1" noChangeAspect="1"/>
+          </p:cNvSpPr>
+          <p:nvPr>
+            <p:ph type="sldImg"/>
+          </p:nvPr>
+        </p:nvSpPr>
+        <p:spPr/>
+      </p:sp>
+      <p:sp>
+        <p:nvSpPr>
+          <p:cNvPr id="3" name="Notes Placeholder 2"/>
+          <p:cNvSpPr>
+            <a:spLocks noGrp="1"/>
+          </p:cNvSpPr>
+          <p:nvPr>
+            <p:ph type="body" idx="1"/>
+          </p:nvPr>
+        </p:nvSpPr>
+        <p:spPr/>
+        <p:txBody>
+          <a:bodyPr/>
+          <a:lstStyle/>
+          <a:p>
+            <a:r>
+              <a:rPr lang="en-US" dirty="0" smtClean="0"/>
+              <a:t>-Esteban</a:t>
+            </a:r>
+            <a:endParaRPr lang="en-US" dirty="0"/>
+          </a:p>
+        </p:txBody>
+      </p:sp>
+      <p:sp>
+        <p:nvSpPr>
+          <p:cNvPr id="4" name="Slide Number Placeholder 3"/>
+          <p:cNvSpPr>
+            <a:spLocks noGrp="1"/>
+          </p:cNvSpPr>
+          <p:nvPr>
+            <p:ph type="sldNum" sz="quarter" idx="10"/>
+          </p:nvPr>
+        </p:nvSpPr>
+        <p:spPr/>
+        <p:txBody>
+          <a:bodyPr/>
+          <a:lstStyle/>
+          <a:p>
+            <a:fld id="{EDAC23BC-0D18-4756-9514-723BA3A862FB}" type="slidenum">
+              <a:rPr lang="en-US" smtClean="0"/>
+              <a:t>11</a:t>
+            </a:fld>
+            <a:endParaRPr lang="en-US"/>
+          </a:p>
+        </p:txBody>
+      </p:sp>
+    </p:spTree>
+    <p:extLst>
+      <p:ext uri="{BB962C8B-B14F-4D97-AF65-F5344CB8AC3E}">
+        <p14:creationId xmlns:p14="http://schemas.microsoft.com/office/powerpoint/2010/main" val="3506115998"/>
+      </p:ext>
+    </p:extLst>
+  </p:cSld>
+  <p:clrMapOvr>
+    <a:masterClrMapping/>
+  </p:clrMapOvr>
+</p:notes>
+</file>
+
+<file path=ppt/notesSlides/notesSlide12.xml><?xml version="1.0" encoding="utf-8"?>
+<p:notes xmlns:a="http://schemas.openxmlformats.org/drawingml/2006/main" xmlns:r="http://schemas.openxmlformats.org/officeDocument/2006/relationships" xmlns:p="http://schemas.openxmlformats.org/presentationml/2006/main">
+  <p:cSld>
+    <p:spTree>
+      <p:nvGrpSpPr>
+        <p:cNvPr id="1" name=""/>
+        <p:cNvGrpSpPr/>
+        <p:nvPr/>
+      </p:nvGrpSpPr>
+      <p:grpSpPr>
+        <a:xfrm>
+          <a:off x="0" y="0"/>
+          <a:ext cx="0" cy="0"/>
+          <a:chOff x="0" y="0"/>
+          <a:chExt cx="0" cy="0"/>
+        </a:xfrm>
+      </p:grpSpPr>
+      <p:sp>
+        <p:nvSpPr>
+          <p:cNvPr id="2" name="Slide Image Placeholder 1"/>
+          <p:cNvSpPr>
+            <a:spLocks noGrp="1" noRot="1" noChangeAspect="1"/>
+          </p:cNvSpPr>
+          <p:nvPr>
+            <p:ph type="sldImg"/>
+          </p:nvPr>
+        </p:nvSpPr>
+        <p:spPr/>
+      </p:sp>
+      <p:sp>
+        <p:nvSpPr>
+          <p:cNvPr id="3" name="Notes Placeholder 2"/>
+          <p:cNvSpPr>
+            <a:spLocks noGrp="1"/>
+          </p:cNvSpPr>
+          <p:nvPr>
+            <p:ph type="body" idx="1"/>
+          </p:nvPr>
+        </p:nvSpPr>
+        <p:spPr/>
+        <p:txBody>
+          <a:bodyPr/>
+          <a:lstStyle/>
+          <a:p>
+            <a:r>
+              <a:rPr lang="en-US" dirty="0" smtClean="0"/>
+              <a:t>-Esteban</a:t>
+            </a:r>
+            <a:endParaRPr lang="en-US" dirty="0"/>
+          </a:p>
+        </p:txBody>
+      </p:sp>
+      <p:sp>
+        <p:nvSpPr>
+          <p:cNvPr id="4" name="Slide Number Placeholder 3"/>
+          <p:cNvSpPr>
+            <a:spLocks noGrp="1"/>
+          </p:cNvSpPr>
+          <p:nvPr>
+            <p:ph type="sldNum" sz="quarter" idx="10"/>
+          </p:nvPr>
+        </p:nvSpPr>
+        <p:spPr/>
+        <p:txBody>
+          <a:bodyPr/>
+          <a:lstStyle/>
+          <a:p>
+            <a:fld id="{EDAC23BC-0D18-4756-9514-723BA3A862FB}" type="slidenum">
+              <a:rPr lang="en-US" smtClean="0"/>
+              <a:t>12</a:t>
+            </a:fld>
+            <a:endParaRPr lang="en-US"/>
+          </a:p>
+        </p:txBody>
+      </p:sp>
+    </p:spTree>
+    <p:extLst>
+      <p:ext uri="{BB962C8B-B14F-4D97-AF65-F5344CB8AC3E}">
+        <p14:creationId xmlns:p14="http://schemas.microsoft.com/office/powerpoint/2010/main" val="2989275587"/>
+      </p:ext>
+    </p:extLst>
+  </p:cSld>
+  <p:clrMapOvr>
+    <a:masterClrMapping/>
+  </p:clrMapOvr>
+</p:notes>
+</file>
+
+<file path=ppt/notesSlides/notesSlide13.xml><?xml version="1.0" encoding="utf-8"?>
+<p:notes xmlns:a="http://schemas.openxmlformats.org/drawingml/2006/main" xmlns:r="http://schemas.openxmlformats.org/officeDocument/2006/relationships" xmlns:p="http://schemas.openxmlformats.org/presentationml/2006/main">
+  <p:cSld>
+    <p:spTree>
+      <p:nvGrpSpPr>
+        <p:cNvPr id="1" name=""/>
+        <p:cNvGrpSpPr/>
+        <p:nvPr/>
+      </p:nvGrpSpPr>
+      <p:grpSpPr>
+        <a:xfrm>
+          <a:off x="0" y="0"/>
+          <a:ext cx="0" cy="0"/>
+          <a:chOff x="0" y="0"/>
+          <a:chExt cx="0" cy="0"/>
+        </a:xfrm>
+      </p:grpSpPr>
+      <p:sp>
+        <p:nvSpPr>
+          <p:cNvPr id="2" name="Slide Image Placeholder 1"/>
+          <p:cNvSpPr>
+            <a:spLocks noGrp="1" noRot="1" noChangeAspect="1"/>
+          </p:cNvSpPr>
+          <p:nvPr>
+            <p:ph type="sldImg"/>
+          </p:nvPr>
+        </p:nvSpPr>
+        <p:spPr/>
+      </p:sp>
+      <p:sp>
+        <p:nvSpPr>
+          <p:cNvPr id="3" name="Notes Placeholder 2"/>
+          <p:cNvSpPr>
+            <a:spLocks noGrp="1"/>
+          </p:cNvSpPr>
+          <p:nvPr>
+            <p:ph type="body" idx="1"/>
+          </p:nvPr>
+        </p:nvSpPr>
+        <p:spPr/>
+        <p:txBody>
+          <a:bodyPr/>
+          <a:lstStyle/>
+          <a:p>
+            <a:endParaRPr lang="en-US" dirty="0"/>
+          </a:p>
+        </p:txBody>
+      </p:sp>
+      <p:sp>
+        <p:nvSpPr>
+          <p:cNvPr id="4" name="Slide Number Placeholder 3"/>
+          <p:cNvSpPr>
+            <a:spLocks noGrp="1"/>
+          </p:cNvSpPr>
+          <p:nvPr>
+            <p:ph type="sldNum" sz="quarter" idx="10"/>
+          </p:nvPr>
+        </p:nvSpPr>
+        <p:spPr/>
+        <p:txBody>
+          <a:bodyPr/>
+          <a:lstStyle/>
+          <a:p>
+            <a:fld id="{EDAC23BC-0D18-4756-9514-723BA3A862FB}" type="slidenum">
+              <a:rPr lang="en-US" smtClean="0"/>
+              <a:t>13</a:t>
+            </a:fld>
+            <a:endParaRPr lang="en-US"/>
+          </a:p>
+        </p:txBody>
+      </p:sp>
+    </p:spTree>
+    <p:extLst>
+      <p:ext uri="{BB962C8B-B14F-4D97-AF65-F5344CB8AC3E}">
+        <p14:creationId xmlns:p14="http://schemas.microsoft.com/office/powerpoint/2010/main" val="1037475383"/>
       </p:ext>
     </p:extLst>
   </p:cSld>
@@ -604,9 +948,247 @@
           <a:bodyPr/>
           <a:lstStyle/>
           <a:p>
-            <a:r>
-              <a:rPr lang="en-US" dirty="0" smtClean="0"/>
-              <a:t>Most AI games are …</a:t>
+            <a:pPr marL="0" marR="0" indent="0" algn="l" defTabSz="914400" rtl="0" eaLnBrk="1" fontAlgn="auto" latinLnBrk="0" hangingPunct="1">
+              <a:lnSpc>
+                <a:spcPct val="100000"/>
+              </a:lnSpc>
+              <a:spcBef>
+                <a:spcPts val="0"/>
+              </a:spcBef>
+              <a:spcAft>
+                <a:spcPts val="0"/>
+              </a:spcAft>
+              <a:buClrTx/>
+              <a:buSzTx/>
+              <a:buFontTx/>
+              <a:buNone/>
+              <a:tabLst/>
+              <a:defRPr/>
+            </a:pPr>
+            <a:r>
+              <a:rPr lang="en-US" dirty="0" smtClean="0"/>
+              <a:t>Artificial</a:t>
+            </a:r>
+            <a:r>
+              <a:rPr lang="en-US" baseline="0" dirty="0" smtClean="0"/>
+              <a:t> intelligence is the field of understanding how we think and how to build intelligent entities.</a:t>
+            </a:r>
+          </a:p>
+          <a:p>
+            <a:pPr marL="0" marR="0" indent="0" algn="l" defTabSz="914400" rtl="0" eaLnBrk="1" fontAlgn="auto" latinLnBrk="0" hangingPunct="1">
+              <a:lnSpc>
+                <a:spcPct val="100000"/>
+              </a:lnSpc>
+              <a:spcBef>
+                <a:spcPts val="0"/>
+              </a:spcBef>
+              <a:spcAft>
+                <a:spcPts val="0"/>
+              </a:spcAft>
+              <a:buClrTx/>
+              <a:buSzTx/>
+              <a:buFontTx/>
+              <a:buNone/>
+              <a:tabLst/>
+              <a:defRPr/>
+            </a:pPr>
+            <a:endParaRPr lang="en-US" baseline="0" dirty="0" smtClean="0"/>
+          </a:p>
+          <a:p>
+            <a:pPr marL="0" marR="0" indent="0" algn="l" defTabSz="914400" rtl="0" eaLnBrk="1" fontAlgn="auto" latinLnBrk="0" hangingPunct="1">
+              <a:lnSpc>
+                <a:spcPct val="100000"/>
+              </a:lnSpc>
+              <a:spcBef>
+                <a:spcPts val="0"/>
+              </a:spcBef>
+              <a:spcAft>
+                <a:spcPts val="0"/>
+              </a:spcAft>
+              <a:buClrTx/>
+              <a:buSzTx/>
+              <a:buFontTx/>
+              <a:buNone/>
+              <a:tabLst/>
+              <a:defRPr/>
+            </a:pPr>
+            <a:r>
+              <a:rPr lang="en-US" baseline="0" dirty="0" smtClean="0"/>
+              <a:t>-Josh</a:t>
+            </a:r>
+          </a:p>
+        </p:txBody>
+      </p:sp>
+      <p:sp>
+        <p:nvSpPr>
+          <p:cNvPr id="4" name="Slide Number Placeholder 3"/>
+          <p:cNvSpPr>
+            <a:spLocks noGrp="1"/>
+          </p:cNvSpPr>
+          <p:nvPr>
+            <p:ph type="sldNum" sz="quarter" idx="10"/>
+          </p:nvPr>
+        </p:nvSpPr>
+        <p:spPr/>
+        <p:txBody>
+          <a:bodyPr/>
+          <a:lstStyle/>
+          <a:p>
+            <a:fld id="{EDAC23BC-0D18-4756-9514-723BA3A862FB}" type="slidenum">
+              <a:rPr lang="en-US" smtClean="0"/>
+              <a:t>2</a:t>
+            </a:fld>
+            <a:endParaRPr lang="en-US"/>
+          </a:p>
+        </p:txBody>
+      </p:sp>
+    </p:spTree>
+    <p:extLst>
+      <p:ext uri="{BB962C8B-B14F-4D97-AF65-F5344CB8AC3E}">
+        <p14:creationId xmlns:p14="http://schemas.microsoft.com/office/powerpoint/2010/main" val="394715690"/>
+      </p:ext>
+    </p:extLst>
+  </p:cSld>
+  <p:clrMapOvr>
+    <a:masterClrMapping/>
+  </p:clrMapOvr>
+</p:notes>
+</file>
+
+<file path=ppt/notesSlides/notesSlide3.xml><?xml version="1.0" encoding="utf-8"?>
+<p:notes xmlns:a="http://schemas.openxmlformats.org/drawingml/2006/main" xmlns:r="http://schemas.openxmlformats.org/officeDocument/2006/relationships" xmlns:p="http://schemas.openxmlformats.org/presentationml/2006/main">
+  <p:cSld>
+    <p:spTree>
+      <p:nvGrpSpPr>
+        <p:cNvPr id="1" name=""/>
+        <p:cNvGrpSpPr/>
+        <p:nvPr/>
+      </p:nvGrpSpPr>
+      <p:grpSpPr>
+        <a:xfrm>
+          <a:off x="0" y="0"/>
+          <a:ext cx="0" cy="0"/>
+          <a:chOff x="0" y="0"/>
+          <a:chExt cx="0" cy="0"/>
+        </a:xfrm>
+      </p:grpSpPr>
+      <p:sp>
+        <p:nvSpPr>
+          <p:cNvPr id="2" name="Slide Image Placeholder 1"/>
+          <p:cNvSpPr>
+            <a:spLocks noGrp="1" noRot="1" noChangeAspect="1"/>
+          </p:cNvSpPr>
+          <p:nvPr>
+            <p:ph type="sldImg"/>
+          </p:nvPr>
+        </p:nvSpPr>
+        <p:spPr/>
+      </p:sp>
+      <p:sp>
+        <p:nvSpPr>
+          <p:cNvPr id="3" name="Notes Placeholder 2"/>
+          <p:cNvSpPr>
+            <a:spLocks noGrp="1"/>
+          </p:cNvSpPr>
+          <p:nvPr>
+            <p:ph type="body" idx="1"/>
+          </p:nvPr>
+        </p:nvSpPr>
+        <p:spPr/>
+        <p:txBody>
+          <a:bodyPr/>
+          <a:lstStyle/>
+          <a:p>
+            <a:r>
+              <a:rPr lang="en-US" baseline="0" dirty="0" smtClean="0"/>
+              <a:t>-Josh</a:t>
+            </a:r>
+          </a:p>
+        </p:txBody>
+      </p:sp>
+      <p:sp>
+        <p:nvSpPr>
+          <p:cNvPr id="4" name="Slide Number Placeholder 3"/>
+          <p:cNvSpPr>
+            <a:spLocks noGrp="1"/>
+          </p:cNvSpPr>
+          <p:nvPr>
+            <p:ph type="sldNum" sz="quarter" idx="10"/>
+          </p:nvPr>
+        </p:nvSpPr>
+        <p:spPr/>
+        <p:txBody>
+          <a:bodyPr/>
+          <a:lstStyle/>
+          <a:p>
+            <a:fld id="{EDAC23BC-0D18-4756-9514-723BA3A862FB}" type="slidenum">
+              <a:rPr lang="en-US" smtClean="0"/>
+              <a:t>3</a:t>
+            </a:fld>
+            <a:endParaRPr lang="en-US"/>
+          </a:p>
+        </p:txBody>
+      </p:sp>
+    </p:spTree>
+    <p:extLst>
+      <p:ext uri="{BB962C8B-B14F-4D97-AF65-F5344CB8AC3E}">
+        <p14:creationId xmlns:p14="http://schemas.microsoft.com/office/powerpoint/2010/main" val="1250326751"/>
+      </p:ext>
+    </p:extLst>
+  </p:cSld>
+  <p:clrMapOvr>
+    <a:masterClrMapping/>
+  </p:clrMapOvr>
+</p:notes>
+</file>
+
+<file path=ppt/notesSlides/notesSlide4.xml><?xml version="1.0" encoding="utf-8"?>
+<p:notes xmlns:a="http://schemas.openxmlformats.org/drawingml/2006/main" xmlns:r="http://schemas.openxmlformats.org/officeDocument/2006/relationships" xmlns:p="http://schemas.openxmlformats.org/presentationml/2006/main">
+  <p:cSld>
+    <p:spTree>
+      <p:nvGrpSpPr>
+        <p:cNvPr id="1" name=""/>
+        <p:cNvGrpSpPr/>
+        <p:nvPr/>
+      </p:nvGrpSpPr>
+      <p:grpSpPr>
+        <a:xfrm>
+          <a:off x="0" y="0"/>
+          <a:ext cx="0" cy="0"/>
+          <a:chOff x="0" y="0"/>
+          <a:chExt cx="0" cy="0"/>
+        </a:xfrm>
+      </p:grpSpPr>
+      <p:sp>
+        <p:nvSpPr>
+          <p:cNvPr id="2" name="Slide Image Placeholder 1"/>
+          <p:cNvSpPr>
+            <a:spLocks noGrp="1" noRot="1" noChangeAspect="1"/>
+          </p:cNvSpPr>
+          <p:nvPr>
+            <p:ph type="sldImg"/>
+          </p:nvPr>
+        </p:nvSpPr>
+        <p:spPr/>
+      </p:sp>
+      <p:sp>
+        <p:nvSpPr>
+          <p:cNvPr id="3" name="Notes Placeholder 2"/>
+          <p:cNvSpPr>
+            <a:spLocks noGrp="1"/>
+          </p:cNvSpPr>
+          <p:nvPr>
+            <p:ph type="body" idx="1"/>
+          </p:nvPr>
+        </p:nvSpPr>
+        <p:spPr/>
+        <p:txBody>
+          <a:bodyPr/>
+          <a:lstStyle/>
+          <a:p>
+            <a:r>
+              <a:rPr lang="en-US" dirty="0" smtClean="0"/>
+              <a:t>-josh</a:t>
             </a:r>
             <a:endParaRPr lang="en-US" dirty="0"/>
           </a:p>
@@ -629,7 +1211,7 @@
           <a:p>
             <a:fld id="{EDAC23BC-0D18-4756-9514-723BA3A862FB}" type="slidenum">
               <a:rPr lang="en-US" smtClean="0"/>
-              <a:t>3</a:t>
+              <a:t>4</a:t>
             </a:fld>
             <a:endParaRPr lang="en-US"/>
           </a:p>
@@ -639,6 +1221,459 @@
     <p:extLst>
       <p:ext uri="{BB962C8B-B14F-4D97-AF65-F5344CB8AC3E}">
         <p14:creationId xmlns:p14="http://schemas.microsoft.com/office/powerpoint/2010/main" val="3401746073"/>
+      </p:ext>
+    </p:extLst>
+  </p:cSld>
+  <p:clrMapOvr>
+    <a:masterClrMapping/>
+  </p:clrMapOvr>
+</p:notes>
+</file>
+
+<file path=ppt/notesSlides/notesSlide5.xml><?xml version="1.0" encoding="utf-8"?>
+<p:notes xmlns:a="http://schemas.openxmlformats.org/drawingml/2006/main" xmlns:r="http://schemas.openxmlformats.org/officeDocument/2006/relationships" xmlns:p="http://schemas.openxmlformats.org/presentationml/2006/main">
+  <p:cSld>
+    <p:spTree>
+      <p:nvGrpSpPr>
+        <p:cNvPr id="1" name=""/>
+        <p:cNvGrpSpPr/>
+        <p:nvPr/>
+      </p:nvGrpSpPr>
+      <p:grpSpPr>
+        <a:xfrm>
+          <a:off x="0" y="0"/>
+          <a:ext cx="0" cy="0"/>
+          <a:chOff x="0" y="0"/>
+          <a:chExt cx="0" cy="0"/>
+        </a:xfrm>
+      </p:grpSpPr>
+      <p:sp>
+        <p:nvSpPr>
+          <p:cNvPr id="2" name="Slide Image Placeholder 1"/>
+          <p:cNvSpPr>
+            <a:spLocks noGrp="1" noRot="1" noChangeAspect="1"/>
+          </p:cNvSpPr>
+          <p:nvPr>
+            <p:ph type="sldImg"/>
+          </p:nvPr>
+        </p:nvSpPr>
+        <p:spPr/>
+      </p:sp>
+      <p:sp>
+        <p:nvSpPr>
+          <p:cNvPr id="3" name="Notes Placeholder 2"/>
+          <p:cNvSpPr>
+            <a:spLocks noGrp="1"/>
+          </p:cNvSpPr>
+          <p:nvPr>
+            <p:ph type="body" idx="1"/>
+          </p:nvPr>
+        </p:nvSpPr>
+        <p:spPr/>
+        <p:txBody>
+          <a:bodyPr/>
+          <a:lstStyle/>
+          <a:p>
+            <a:r>
+              <a:rPr lang="en-US" dirty="0" smtClean="0"/>
+              <a:t>Roll, doubles, moves, bar, and bearing</a:t>
+            </a:r>
+            <a:r>
+              <a:rPr lang="en-US" baseline="0" dirty="0" smtClean="0"/>
+              <a:t> off</a:t>
+            </a:r>
+          </a:p>
+          <a:p>
+            <a:endParaRPr lang="en-US" baseline="0" dirty="0" smtClean="0"/>
+          </a:p>
+          <a:p>
+            <a:r>
+              <a:rPr lang="en-US" baseline="0" dirty="0" smtClean="0"/>
+              <a:t>-Esteban</a:t>
+            </a:r>
+            <a:endParaRPr lang="en-US" dirty="0"/>
+          </a:p>
+        </p:txBody>
+      </p:sp>
+      <p:sp>
+        <p:nvSpPr>
+          <p:cNvPr id="4" name="Slide Number Placeholder 3"/>
+          <p:cNvSpPr>
+            <a:spLocks noGrp="1"/>
+          </p:cNvSpPr>
+          <p:nvPr>
+            <p:ph type="sldNum" sz="quarter" idx="10"/>
+          </p:nvPr>
+        </p:nvSpPr>
+        <p:spPr/>
+        <p:txBody>
+          <a:bodyPr/>
+          <a:lstStyle/>
+          <a:p>
+            <a:fld id="{EDAC23BC-0D18-4756-9514-723BA3A862FB}" type="slidenum">
+              <a:rPr lang="en-US" smtClean="0"/>
+              <a:t>5</a:t>
+            </a:fld>
+            <a:endParaRPr lang="en-US"/>
+          </a:p>
+        </p:txBody>
+      </p:sp>
+    </p:spTree>
+    <p:extLst>
+      <p:ext uri="{BB962C8B-B14F-4D97-AF65-F5344CB8AC3E}">
+        <p14:creationId xmlns:p14="http://schemas.microsoft.com/office/powerpoint/2010/main" val="3374855291"/>
+      </p:ext>
+    </p:extLst>
+  </p:cSld>
+  <p:clrMapOvr>
+    <a:masterClrMapping/>
+  </p:clrMapOvr>
+</p:notes>
+</file>
+
+<file path=ppt/notesSlides/notesSlide6.xml><?xml version="1.0" encoding="utf-8"?>
+<p:notes xmlns:a="http://schemas.openxmlformats.org/drawingml/2006/main" xmlns:r="http://schemas.openxmlformats.org/officeDocument/2006/relationships" xmlns:p="http://schemas.openxmlformats.org/presentationml/2006/main">
+  <p:cSld>
+    <p:spTree>
+      <p:nvGrpSpPr>
+        <p:cNvPr id="1" name=""/>
+        <p:cNvGrpSpPr/>
+        <p:nvPr/>
+      </p:nvGrpSpPr>
+      <p:grpSpPr>
+        <a:xfrm>
+          <a:off x="0" y="0"/>
+          <a:ext cx="0" cy="0"/>
+          <a:chOff x="0" y="0"/>
+          <a:chExt cx="0" cy="0"/>
+        </a:xfrm>
+      </p:grpSpPr>
+      <p:sp>
+        <p:nvSpPr>
+          <p:cNvPr id="2" name="Slide Image Placeholder 1"/>
+          <p:cNvSpPr>
+            <a:spLocks noGrp="1" noRot="1" noChangeAspect="1"/>
+          </p:cNvSpPr>
+          <p:nvPr>
+            <p:ph type="sldImg"/>
+          </p:nvPr>
+        </p:nvSpPr>
+        <p:spPr/>
+      </p:sp>
+      <p:sp>
+        <p:nvSpPr>
+          <p:cNvPr id="3" name="Notes Placeholder 2"/>
+          <p:cNvSpPr>
+            <a:spLocks noGrp="1"/>
+          </p:cNvSpPr>
+          <p:nvPr>
+            <p:ph type="body" idx="1"/>
+          </p:nvPr>
+        </p:nvSpPr>
+        <p:spPr/>
+        <p:txBody>
+          <a:bodyPr/>
+          <a:lstStyle/>
+          <a:p>
+            <a:r>
+              <a:rPr lang="en-US" dirty="0" smtClean="0"/>
+              <a:t>-Esteban</a:t>
+            </a:r>
+            <a:endParaRPr lang="en-US" dirty="0"/>
+          </a:p>
+        </p:txBody>
+      </p:sp>
+      <p:sp>
+        <p:nvSpPr>
+          <p:cNvPr id="4" name="Slide Number Placeholder 3"/>
+          <p:cNvSpPr>
+            <a:spLocks noGrp="1"/>
+          </p:cNvSpPr>
+          <p:nvPr>
+            <p:ph type="sldNum" sz="quarter" idx="10"/>
+          </p:nvPr>
+        </p:nvSpPr>
+        <p:spPr/>
+        <p:txBody>
+          <a:bodyPr/>
+          <a:lstStyle/>
+          <a:p>
+            <a:fld id="{EDAC23BC-0D18-4756-9514-723BA3A862FB}" type="slidenum">
+              <a:rPr lang="en-US" smtClean="0"/>
+              <a:t>6</a:t>
+            </a:fld>
+            <a:endParaRPr lang="en-US"/>
+          </a:p>
+        </p:txBody>
+      </p:sp>
+    </p:spTree>
+    <p:extLst>
+      <p:ext uri="{BB962C8B-B14F-4D97-AF65-F5344CB8AC3E}">
+        <p14:creationId xmlns:p14="http://schemas.microsoft.com/office/powerpoint/2010/main" val="245240849"/>
+      </p:ext>
+    </p:extLst>
+  </p:cSld>
+  <p:clrMapOvr>
+    <a:masterClrMapping/>
+  </p:clrMapOvr>
+</p:notes>
+</file>
+
+<file path=ppt/notesSlides/notesSlide7.xml><?xml version="1.0" encoding="utf-8"?>
+<p:notes xmlns:a="http://schemas.openxmlformats.org/drawingml/2006/main" xmlns:r="http://schemas.openxmlformats.org/officeDocument/2006/relationships" xmlns:p="http://schemas.openxmlformats.org/presentationml/2006/main">
+  <p:cSld>
+    <p:spTree>
+      <p:nvGrpSpPr>
+        <p:cNvPr id="1" name=""/>
+        <p:cNvGrpSpPr/>
+        <p:nvPr/>
+      </p:nvGrpSpPr>
+      <p:grpSpPr>
+        <a:xfrm>
+          <a:off x="0" y="0"/>
+          <a:ext cx="0" cy="0"/>
+          <a:chOff x="0" y="0"/>
+          <a:chExt cx="0" cy="0"/>
+        </a:xfrm>
+      </p:grpSpPr>
+      <p:sp>
+        <p:nvSpPr>
+          <p:cNvPr id="2" name="Slide Image Placeholder 1"/>
+          <p:cNvSpPr>
+            <a:spLocks noGrp="1" noRot="1" noChangeAspect="1"/>
+          </p:cNvSpPr>
+          <p:nvPr>
+            <p:ph type="sldImg"/>
+          </p:nvPr>
+        </p:nvSpPr>
+        <p:spPr/>
+      </p:sp>
+      <p:sp>
+        <p:nvSpPr>
+          <p:cNvPr id="3" name="Notes Placeholder 2"/>
+          <p:cNvSpPr>
+            <a:spLocks noGrp="1"/>
+          </p:cNvSpPr>
+          <p:nvPr>
+            <p:ph type="body" idx="1"/>
+          </p:nvPr>
+        </p:nvSpPr>
+        <p:spPr/>
+        <p:txBody>
+          <a:bodyPr/>
+          <a:lstStyle/>
+          <a:p>
+            <a:r>
+              <a:rPr lang="en-US" dirty="0" smtClean="0"/>
+              <a:t>-Josh</a:t>
+            </a:r>
+            <a:endParaRPr lang="en-US" dirty="0"/>
+          </a:p>
+        </p:txBody>
+      </p:sp>
+      <p:sp>
+        <p:nvSpPr>
+          <p:cNvPr id="4" name="Slide Number Placeholder 3"/>
+          <p:cNvSpPr>
+            <a:spLocks noGrp="1"/>
+          </p:cNvSpPr>
+          <p:nvPr>
+            <p:ph type="sldNum" sz="quarter" idx="10"/>
+          </p:nvPr>
+        </p:nvSpPr>
+        <p:spPr/>
+        <p:txBody>
+          <a:bodyPr/>
+          <a:lstStyle/>
+          <a:p>
+            <a:fld id="{EDAC23BC-0D18-4756-9514-723BA3A862FB}" type="slidenum">
+              <a:rPr lang="en-US" smtClean="0"/>
+              <a:t>7</a:t>
+            </a:fld>
+            <a:endParaRPr lang="en-US"/>
+          </a:p>
+        </p:txBody>
+      </p:sp>
+    </p:spTree>
+    <p:extLst>
+      <p:ext uri="{BB962C8B-B14F-4D97-AF65-F5344CB8AC3E}">
+        <p14:creationId xmlns:p14="http://schemas.microsoft.com/office/powerpoint/2010/main" val="3165184852"/>
+      </p:ext>
+    </p:extLst>
+  </p:cSld>
+  <p:clrMapOvr>
+    <a:masterClrMapping/>
+  </p:clrMapOvr>
+</p:notes>
+</file>
+
+<file path=ppt/notesSlides/notesSlide8.xml><?xml version="1.0" encoding="utf-8"?>
+<p:notes xmlns:a="http://schemas.openxmlformats.org/drawingml/2006/main" xmlns:r="http://schemas.openxmlformats.org/officeDocument/2006/relationships" xmlns:p="http://schemas.openxmlformats.org/presentationml/2006/main">
+  <p:cSld>
+    <p:spTree>
+      <p:nvGrpSpPr>
+        <p:cNvPr id="1" name=""/>
+        <p:cNvGrpSpPr/>
+        <p:nvPr/>
+      </p:nvGrpSpPr>
+      <p:grpSpPr>
+        <a:xfrm>
+          <a:off x="0" y="0"/>
+          <a:ext cx="0" cy="0"/>
+          <a:chOff x="0" y="0"/>
+          <a:chExt cx="0" cy="0"/>
+        </a:xfrm>
+      </p:grpSpPr>
+      <p:sp>
+        <p:nvSpPr>
+          <p:cNvPr id="2" name="Slide Image Placeholder 1"/>
+          <p:cNvSpPr>
+            <a:spLocks noGrp="1" noRot="1" noChangeAspect="1"/>
+          </p:cNvSpPr>
+          <p:nvPr>
+            <p:ph type="sldImg"/>
+          </p:nvPr>
+        </p:nvSpPr>
+        <p:spPr/>
+      </p:sp>
+      <p:sp>
+        <p:nvSpPr>
+          <p:cNvPr id="3" name="Notes Placeholder 2"/>
+          <p:cNvSpPr>
+            <a:spLocks noGrp="1"/>
+          </p:cNvSpPr>
+          <p:nvPr>
+            <p:ph type="body" idx="1"/>
+          </p:nvPr>
+        </p:nvSpPr>
+        <p:spPr/>
+        <p:txBody>
+          <a:bodyPr/>
+          <a:lstStyle/>
+          <a:p>
+            <a:r>
+              <a:rPr lang="en-US" dirty="0" smtClean="0"/>
+              <a:t>-Esteban</a:t>
+            </a:r>
+            <a:endParaRPr lang="en-US" dirty="0"/>
+          </a:p>
+        </p:txBody>
+      </p:sp>
+      <p:sp>
+        <p:nvSpPr>
+          <p:cNvPr id="4" name="Slide Number Placeholder 3"/>
+          <p:cNvSpPr>
+            <a:spLocks noGrp="1"/>
+          </p:cNvSpPr>
+          <p:nvPr>
+            <p:ph type="sldNum" sz="quarter" idx="10"/>
+          </p:nvPr>
+        </p:nvSpPr>
+        <p:spPr/>
+        <p:txBody>
+          <a:bodyPr/>
+          <a:lstStyle/>
+          <a:p>
+            <a:fld id="{EDAC23BC-0D18-4756-9514-723BA3A862FB}" type="slidenum">
+              <a:rPr lang="en-US" smtClean="0"/>
+              <a:t>8</a:t>
+            </a:fld>
+            <a:endParaRPr lang="en-US"/>
+          </a:p>
+        </p:txBody>
+      </p:sp>
+    </p:spTree>
+    <p:extLst>
+      <p:ext uri="{BB962C8B-B14F-4D97-AF65-F5344CB8AC3E}">
+        <p14:creationId xmlns:p14="http://schemas.microsoft.com/office/powerpoint/2010/main" val="843933504"/>
+      </p:ext>
+    </p:extLst>
+  </p:cSld>
+  <p:clrMapOvr>
+    <a:masterClrMapping/>
+  </p:clrMapOvr>
+</p:notes>
+</file>
+
+<file path=ppt/notesSlides/notesSlide9.xml><?xml version="1.0" encoding="utf-8"?>
+<p:notes xmlns:a="http://schemas.openxmlformats.org/drawingml/2006/main" xmlns:r="http://schemas.openxmlformats.org/officeDocument/2006/relationships" xmlns:p="http://schemas.openxmlformats.org/presentationml/2006/main">
+  <p:cSld>
+    <p:spTree>
+      <p:nvGrpSpPr>
+        <p:cNvPr id="1" name=""/>
+        <p:cNvGrpSpPr/>
+        <p:nvPr/>
+      </p:nvGrpSpPr>
+      <p:grpSpPr>
+        <a:xfrm>
+          <a:off x="0" y="0"/>
+          <a:ext cx="0" cy="0"/>
+          <a:chOff x="0" y="0"/>
+          <a:chExt cx="0" cy="0"/>
+        </a:xfrm>
+      </p:grpSpPr>
+      <p:sp>
+        <p:nvSpPr>
+          <p:cNvPr id="2" name="Slide Image Placeholder 1"/>
+          <p:cNvSpPr>
+            <a:spLocks noGrp="1" noRot="1" noChangeAspect="1"/>
+          </p:cNvSpPr>
+          <p:nvPr>
+            <p:ph type="sldImg"/>
+          </p:nvPr>
+        </p:nvSpPr>
+        <p:spPr/>
+      </p:sp>
+      <p:sp>
+        <p:nvSpPr>
+          <p:cNvPr id="3" name="Notes Placeholder 2"/>
+          <p:cNvSpPr>
+            <a:spLocks noGrp="1"/>
+          </p:cNvSpPr>
+          <p:nvPr>
+            <p:ph type="body" idx="1"/>
+          </p:nvPr>
+        </p:nvSpPr>
+        <p:spPr/>
+        <p:txBody>
+          <a:bodyPr/>
+          <a:lstStyle/>
+          <a:p>
+            <a:r>
+              <a:rPr lang="en-US" dirty="0" smtClean="0"/>
+              <a:t>-Josh</a:t>
+            </a:r>
+            <a:endParaRPr lang="en-US" dirty="0"/>
+          </a:p>
+        </p:txBody>
+      </p:sp>
+      <p:sp>
+        <p:nvSpPr>
+          <p:cNvPr id="4" name="Slide Number Placeholder 3"/>
+          <p:cNvSpPr>
+            <a:spLocks noGrp="1"/>
+          </p:cNvSpPr>
+          <p:nvPr>
+            <p:ph type="sldNum" sz="quarter" idx="10"/>
+          </p:nvPr>
+        </p:nvSpPr>
+        <p:spPr/>
+        <p:txBody>
+          <a:bodyPr/>
+          <a:lstStyle/>
+          <a:p>
+            <a:fld id="{EDAC23BC-0D18-4756-9514-723BA3A862FB}" type="slidenum">
+              <a:rPr lang="en-US" smtClean="0"/>
+              <a:t>9</a:t>
+            </a:fld>
+            <a:endParaRPr lang="en-US"/>
+          </a:p>
+        </p:txBody>
+      </p:sp>
+    </p:spTree>
+    <p:extLst>
+      <p:ext uri="{BB962C8B-B14F-4D97-AF65-F5344CB8AC3E}">
+        <p14:creationId xmlns:p14="http://schemas.microsoft.com/office/powerpoint/2010/main" val="2384950323"/>
       </p:ext>
     </p:extLst>
   </p:cSld>
@@ -667,7 +1702,78 @@
       </p:grpSpPr>
       <p:sp>
         <p:nvSpPr>
-          <p:cNvPr id="2" name="Title 1"/>
+          <p:cNvPr id="7" name="Isosceles Triangle 6"/>
+          <p:cNvSpPr/>
+          <p:nvPr/>
+        </p:nvSpPr>
+        <p:spPr>
+          <a:xfrm rot="16200000">
+            <a:off x="7554353" y="5254283"/>
+            <a:ext cx="1892949" cy="1294228"/>
+          </a:xfrm>
+          <a:prstGeom prst="triangle">
+            <a:avLst>
+              <a:gd name="adj" fmla="val 51323"/>
+            </a:avLst>
+          </a:prstGeom>
+          <a:gradFill flip="none" rotWithShape="1">
+            <a:gsLst>
+              <a:gs pos="0">
+                <a:schemeClr val="accent1">
+                  <a:shade val="30000"/>
+                  <a:satMod val="155000"/>
+                  <a:alpha val="100000"/>
+                </a:schemeClr>
+              </a:gs>
+              <a:gs pos="60000">
+                <a:schemeClr val="accent1">
+                  <a:satMod val="160000"/>
+                  <a:alpha val="100000"/>
+                </a:schemeClr>
+              </a:gs>
+              <a:gs pos="100000">
+                <a:schemeClr val="accent1">
+                  <a:tint val="70000"/>
+                  <a:satMod val="200000"/>
+                  <a:alpha val="100000"/>
+                </a:schemeClr>
+              </a:gs>
+            </a:gsLst>
+            <a:lin ang="15500000" scaled="1"/>
+            <a:tileRect/>
+          </a:gradFill>
+          <a:ln w="38100" cap="rnd" cmpd="sng" algn="ctr">
+            <a:noFill/>
+            <a:prstDash val="solid"/>
+          </a:ln>
+          <a:effectLst/>
+        </p:spPr>
+        <p:style>
+          <a:lnRef idx="3">
+            <a:schemeClr val="lt1"/>
+          </a:lnRef>
+          <a:fillRef idx="1">
+            <a:schemeClr val="accent1"/>
+          </a:fillRef>
+          <a:effectRef idx="1">
+            <a:schemeClr val="accent1"/>
+          </a:effectRef>
+          <a:fontRef idx="minor">
+            <a:schemeClr val="lt1"/>
+          </a:fontRef>
+        </p:style>
+        <p:txBody>
+          <a:bodyPr anchor="ctr"/>
+          <a:lstStyle/>
+          <a:p>
+            <a:pPr algn="ctr" eaLnBrk="1" latinLnBrk="0" hangingPunct="1"/>
+            <a:endParaRPr kumimoji="0" lang="en-US"/>
+          </a:p>
+        </p:txBody>
+      </p:sp>
+      <p:sp>
+        <p:nvSpPr>
+          <p:cNvPr id="8" name="Title 7"/>
           <p:cNvSpPr>
             <a:spLocks noGrp="1"/>
           </p:cNvSpPr>
@@ -677,25 +1783,31 @@
         </p:nvSpPr>
         <p:spPr>
           <a:xfrm>
-            <a:off x="685800" y="2130425"/>
-            <a:ext cx="7772400" cy="1470025"/>
+            <a:off x="540544" y="776288"/>
+            <a:ext cx="8062912" cy="1470025"/>
           </a:xfrm>
         </p:spPr>
         <p:txBody>
-          <a:bodyPr/>
-          <a:lstStyle/>
-          <a:p>
-            <a:r>
-              <a:rPr lang="en-US" smtClean="0"/>
+          <a:bodyPr anchor="b">
+            <a:normAutofit/>
+          </a:bodyPr>
+          <a:lstStyle>
+            <a:lvl1pPr algn="r">
+              <a:defRPr sz="4400"/>
+            </a:lvl1pPr>
+          </a:lstStyle>
+          <a:p>
+            <a:r>
+              <a:rPr kumimoji="0" lang="en-US" smtClean="0"/>
               <a:t>Click to edit Master title style</a:t>
             </a:r>
-            <a:endParaRPr lang="en-US"/>
-          </a:p>
-        </p:txBody>
-      </p:sp>
-      <p:sp>
-        <p:nvSpPr>
-          <p:cNvPr id="3" name="Subtitle 2"/>
+            <a:endParaRPr kumimoji="0" lang="en-US"/>
+          </a:p>
+        </p:txBody>
+      </p:sp>
+      <p:sp>
+        <p:nvSpPr>
+          <p:cNvPr id="9" name="Subtitle 8"/>
           <p:cNvSpPr>
             <a:spLocks noGrp="1"/>
           </p:cNvSpPr>
@@ -705,16 +1817,24 @@
         </p:nvSpPr>
         <p:spPr>
           <a:xfrm>
-            <a:off x="1371600" y="3886200"/>
-            <a:ext cx="6400800" cy="1752600"/>
+            <a:off x="540544" y="2250280"/>
+            <a:ext cx="8062912" cy="1752600"/>
           </a:xfrm>
         </p:spPr>
         <p:txBody>
           <a:bodyPr/>
           <a:lstStyle>
-            <a:lvl1pPr marL="0" indent="0" algn="ctr">
+            <a:lvl1pPr marL="0" marR="36576" indent="0" algn="r">
+              <a:spcBef>
+                <a:spcPts val="0"/>
+              </a:spcBef>
               <a:buNone/>
               <a:defRPr>
+                <a:ln>
+                  <a:solidFill>
+                    <a:schemeClr val="bg2"/>
+                  </a:solidFill>
+                </a:ln>
                 <a:solidFill>
                   <a:schemeClr val="tx1">
                     <a:tint val="75000"/>
@@ -724,150 +1844,125 @@
             </a:lvl1pPr>
             <a:lvl2pPr marL="457200" indent="0" algn="ctr">
               <a:buNone/>
-              <a:defRPr>
-                <a:solidFill>
-                  <a:schemeClr val="tx1">
-                    <a:tint val="75000"/>
-                  </a:schemeClr>
-                </a:solidFill>
-              </a:defRPr>
             </a:lvl2pPr>
             <a:lvl3pPr marL="914400" indent="0" algn="ctr">
               <a:buNone/>
-              <a:defRPr>
-                <a:solidFill>
-                  <a:schemeClr val="tx1">
-                    <a:tint val="75000"/>
-                  </a:schemeClr>
-                </a:solidFill>
-              </a:defRPr>
             </a:lvl3pPr>
             <a:lvl4pPr marL="1371600" indent="0" algn="ctr">
               <a:buNone/>
-              <a:defRPr>
-                <a:solidFill>
-                  <a:schemeClr val="tx1">
-                    <a:tint val="75000"/>
-                  </a:schemeClr>
-                </a:solidFill>
-              </a:defRPr>
             </a:lvl4pPr>
             <a:lvl5pPr marL="1828800" indent="0" algn="ctr">
               <a:buNone/>
-              <a:defRPr>
-                <a:solidFill>
-                  <a:schemeClr val="tx1">
-                    <a:tint val="75000"/>
-                  </a:schemeClr>
-                </a:solidFill>
-              </a:defRPr>
             </a:lvl5pPr>
             <a:lvl6pPr marL="2286000" indent="0" algn="ctr">
               <a:buNone/>
-              <a:defRPr>
-                <a:solidFill>
-                  <a:schemeClr val="tx1">
-                    <a:tint val="75000"/>
-                  </a:schemeClr>
-                </a:solidFill>
-              </a:defRPr>
             </a:lvl6pPr>
             <a:lvl7pPr marL="2743200" indent="0" algn="ctr">
               <a:buNone/>
-              <a:defRPr>
-                <a:solidFill>
-                  <a:schemeClr val="tx1">
-                    <a:tint val="75000"/>
-                  </a:schemeClr>
-                </a:solidFill>
-              </a:defRPr>
             </a:lvl7pPr>
             <a:lvl8pPr marL="3200400" indent="0" algn="ctr">
               <a:buNone/>
-              <a:defRPr>
-                <a:solidFill>
-                  <a:schemeClr val="tx1">
-                    <a:tint val="75000"/>
-                  </a:schemeClr>
-                </a:solidFill>
-              </a:defRPr>
             </a:lvl8pPr>
             <a:lvl9pPr marL="3657600" indent="0" algn="ctr">
               <a:buNone/>
-              <a:defRPr>
+            </a:lvl9pPr>
+          </a:lstStyle>
+          <a:p>
+            <a:r>
+              <a:rPr kumimoji="0" lang="en-US" smtClean="0"/>
+              <a:t>Click to edit Master subtitle style</a:t>
+            </a:r>
+            <a:endParaRPr kumimoji="0" lang="en-US"/>
+          </a:p>
+        </p:txBody>
+      </p:sp>
+      <p:sp>
+        <p:nvSpPr>
+          <p:cNvPr id="28" name="Date Placeholder 27"/>
+          <p:cNvSpPr>
+            <a:spLocks noGrp="1"/>
+          </p:cNvSpPr>
+          <p:nvPr>
+            <p:ph type="dt" sz="half" idx="10"/>
+          </p:nvPr>
+        </p:nvSpPr>
+        <p:spPr>
+          <a:xfrm>
+            <a:off x="1371600" y="6012656"/>
+            <a:ext cx="5791200" cy="365125"/>
+          </a:xfrm>
+        </p:spPr>
+        <p:txBody>
+          <a:bodyPr tIns="0" bIns="0" anchor="t"/>
+          <a:lstStyle>
+            <a:lvl1pPr algn="r">
+              <a:defRPr sz="1000"/>
+            </a:lvl1pPr>
+          </a:lstStyle>
+          <a:p>
+            <a:fld id="{9E10B1AF-3A17-40B4-A458-11D1DC92B649}" type="datetimeFigureOut">
+              <a:rPr lang="en-US" smtClean="0"/>
+              <a:t>11/24/2013</a:t>
+            </a:fld>
+            <a:endParaRPr lang="en-US"/>
+          </a:p>
+        </p:txBody>
+      </p:sp>
+      <p:sp>
+        <p:nvSpPr>
+          <p:cNvPr id="17" name="Footer Placeholder 16"/>
+          <p:cNvSpPr>
+            <a:spLocks noGrp="1"/>
+          </p:cNvSpPr>
+          <p:nvPr>
+            <p:ph type="ftr" sz="quarter" idx="11"/>
+          </p:nvPr>
+        </p:nvSpPr>
+        <p:spPr>
+          <a:xfrm>
+            <a:off x="1371600" y="5650704"/>
+            <a:ext cx="5791200" cy="365125"/>
+          </a:xfrm>
+        </p:spPr>
+        <p:txBody>
+          <a:bodyPr tIns="0" bIns="0" anchor="b"/>
+          <a:lstStyle>
+            <a:lvl1pPr algn="r">
+              <a:defRPr sz="1100"/>
+            </a:lvl1pPr>
+          </a:lstStyle>
+          <a:p>
+            <a:endParaRPr lang="en-US"/>
+          </a:p>
+        </p:txBody>
+      </p:sp>
+      <p:sp>
+        <p:nvSpPr>
+          <p:cNvPr id="29" name="Slide Number Placeholder 28"/>
+          <p:cNvSpPr>
+            <a:spLocks noGrp="1"/>
+          </p:cNvSpPr>
+          <p:nvPr>
+            <p:ph type="sldNum" sz="quarter" idx="12"/>
+          </p:nvPr>
+        </p:nvSpPr>
+        <p:spPr>
+          <a:xfrm>
+            <a:off x="8392247" y="5752307"/>
+            <a:ext cx="502920" cy="365125"/>
+          </a:xfrm>
+        </p:spPr>
+        <p:txBody>
+          <a:bodyPr anchor="ctr"/>
+          <a:lstStyle>
+            <a:lvl1pPr algn="ctr">
+              <a:defRPr sz="1300">
                 <a:solidFill>
-                  <a:schemeClr val="tx1">
-                    <a:tint val="75000"/>
-                  </a:schemeClr>
+                  <a:srgbClr val="FFFFFF"/>
                 </a:solidFill>
               </a:defRPr>
-            </a:lvl9pPr>
+            </a:lvl1pPr>
           </a:lstStyle>
-          <a:p>
-            <a:r>
-              <a:rPr lang="en-US" smtClean="0"/>
-              <a:t>Click to edit Master subtitle style</a:t>
-            </a:r>
-            <a:endParaRPr lang="en-US"/>
-          </a:p>
-        </p:txBody>
-      </p:sp>
-      <p:sp>
-        <p:nvSpPr>
-          <p:cNvPr id="4" name="Date Placeholder 3"/>
-          <p:cNvSpPr>
-            <a:spLocks noGrp="1"/>
-          </p:cNvSpPr>
-          <p:nvPr>
-            <p:ph type="dt" sz="half" idx="10"/>
-          </p:nvPr>
-        </p:nvSpPr>
-        <p:spPr/>
-        <p:txBody>
-          <a:bodyPr/>
-          <a:lstStyle/>
-          <a:p>
-            <a:fld id="{9E10B1AF-3A17-40B4-A458-11D1DC92B649}" type="datetimeFigureOut">
-              <a:rPr lang="en-US" smtClean="0"/>
-              <a:t>11/22/2013</a:t>
-            </a:fld>
-            <a:endParaRPr lang="en-US"/>
-          </a:p>
-        </p:txBody>
-      </p:sp>
-      <p:sp>
-        <p:nvSpPr>
-          <p:cNvPr id="5" name="Footer Placeholder 4"/>
-          <p:cNvSpPr>
-            <a:spLocks noGrp="1"/>
-          </p:cNvSpPr>
-          <p:nvPr>
-            <p:ph type="ftr" sz="quarter" idx="11"/>
-          </p:nvPr>
-        </p:nvSpPr>
-        <p:spPr/>
-        <p:txBody>
-          <a:bodyPr/>
-          <a:lstStyle/>
-          <a:p>
-            <a:endParaRPr lang="en-US"/>
-          </a:p>
-        </p:txBody>
-      </p:sp>
-      <p:sp>
-        <p:nvSpPr>
-          <p:cNvPr id="6" name="Slide Number Placeholder 5"/>
-          <p:cNvSpPr>
-            <a:spLocks noGrp="1"/>
-          </p:cNvSpPr>
-          <p:nvPr>
-            <p:ph type="sldNum" sz="quarter" idx="12"/>
-          </p:nvPr>
-        </p:nvSpPr>
-        <p:spPr/>
-        <p:txBody>
-          <a:bodyPr/>
-          <a:lstStyle/>
           <a:p>
             <a:fld id="{F7DED178-A9AE-47F8-834D-09987CB050FC}" type="slidenum">
               <a:rPr lang="en-US" smtClean="0"/>
@@ -878,11 +1973,6 @@
         </p:txBody>
       </p:sp>
     </p:spTree>
-    <p:extLst>
-      <p:ext uri="{BB962C8B-B14F-4D97-AF65-F5344CB8AC3E}">
-        <p14:creationId xmlns:p14="http://schemas.microsoft.com/office/powerpoint/2010/main" val="889406619"/>
-      </p:ext>
-    </p:extLst>
   </p:cSld>
   <p:clrMapOvr>
     <a:masterClrMapping/>
@@ -923,10 +2013,10 @@
           <a:lstStyle/>
           <a:p>
             <a:r>
-              <a:rPr lang="en-US" smtClean="0"/>
+              <a:rPr kumimoji="0" lang="en-US" smtClean="0"/>
               <a:t>Click to edit Master title style</a:t>
             </a:r>
-            <a:endParaRPr lang="en-US"/>
+            <a:endParaRPr kumimoji="0" lang="en-US"/>
           </a:p>
         </p:txBody>
       </p:sp>
@@ -945,40 +2035,40 @@
           <a:bodyPr vert="eaVert"/>
           <a:lstStyle/>
           <a:p>
-            <a:pPr lvl="0"/>
+            <a:pPr lvl="0" eaLnBrk="1" latinLnBrk="0" hangingPunct="1"/>
             <a:r>
               <a:rPr lang="en-US" smtClean="0"/>
               <a:t>Click to edit Master text styles</a:t>
             </a:r>
           </a:p>
           <a:p>
-            <a:pPr lvl="1"/>
+            <a:pPr lvl="1" eaLnBrk="1" latinLnBrk="0" hangingPunct="1"/>
             <a:r>
               <a:rPr lang="en-US" smtClean="0"/>
               <a:t>Second level</a:t>
             </a:r>
           </a:p>
           <a:p>
-            <a:pPr lvl="2"/>
+            <a:pPr lvl="2" eaLnBrk="1" latinLnBrk="0" hangingPunct="1"/>
             <a:r>
               <a:rPr lang="en-US" smtClean="0"/>
               <a:t>Third level</a:t>
             </a:r>
           </a:p>
           <a:p>
-            <a:pPr lvl="3"/>
+            <a:pPr lvl="3" eaLnBrk="1" latinLnBrk="0" hangingPunct="1"/>
             <a:r>
               <a:rPr lang="en-US" smtClean="0"/>
               <a:t>Fourth level</a:t>
             </a:r>
           </a:p>
           <a:p>
-            <a:pPr lvl="4"/>
+            <a:pPr lvl="4" eaLnBrk="1" latinLnBrk="0" hangingPunct="1"/>
             <a:r>
               <a:rPr lang="en-US" smtClean="0"/>
               <a:t>Fifth level</a:t>
             </a:r>
-            <a:endParaRPr lang="en-US"/>
+            <a:endParaRPr kumimoji="0" lang="en-US"/>
           </a:p>
         </p:txBody>
       </p:sp>
@@ -999,7 +2089,7 @@
           <a:p>
             <a:fld id="{9E10B1AF-3A17-40B4-A458-11D1DC92B649}" type="datetimeFigureOut">
               <a:rPr lang="en-US" smtClean="0"/>
-              <a:t>11/22/2013</a:t>
+              <a:t>11/24/2013</a:t>
             </a:fld>
             <a:endParaRPr lang="en-US"/>
           </a:p>
@@ -1048,11 +2138,6 @@
         </p:txBody>
       </p:sp>
     </p:spTree>
-    <p:extLst>
-      <p:ext uri="{BB962C8B-B14F-4D97-AF65-F5344CB8AC3E}">
-        <p14:creationId xmlns:p14="http://schemas.microsoft.com/office/powerpoint/2010/main" val="3331756435"/>
-      </p:ext>
-    </p:extLst>
   </p:cSld>
   <p:clrMapOvr>
     <a:masterClrMapping/>
@@ -1089,8 +2174,8 @@
         </p:nvSpPr>
         <p:spPr>
           <a:xfrm>
-            <a:off x="6629400" y="274638"/>
-            <a:ext cx="2057400" cy="5851525"/>
+            <a:off x="6781800" y="381000"/>
+            <a:ext cx="1905000" cy="5486400"/>
           </a:xfrm>
         </p:spPr>
         <p:txBody>
@@ -1098,10 +2183,10 @@
           <a:lstStyle/>
           <a:p>
             <a:r>
-              <a:rPr lang="en-US" smtClean="0"/>
+              <a:rPr kumimoji="0" lang="en-US" smtClean="0"/>
               <a:t>Click to edit Master title style</a:t>
             </a:r>
-            <a:endParaRPr lang="en-US"/>
+            <a:endParaRPr kumimoji="0" lang="en-US"/>
           </a:p>
         </p:txBody>
       </p:sp>
@@ -1117,48 +2202,48 @@
         </p:nvSpPr>
         <p:spPr>
           <a:xfrm>
-            <a:off x="457200" y="274638"/>
-            <a:ext cx="6019800" cy="5851525"/>
+            <a:off x="457200" y="381000"/>
+            <a:ext cx="6248400" cy="5486400"/>
           </a:xfrm>
         </p:spPr>
         <p:txBody>
           <a:bodyPr vert="eaVert"/>
           <a:lstStyle/>
           <a:p>
-            <a:pPr lvl="0"/>
+            <a:pPr lvl="0" eaLnBrk="1" latinLnBrk="0" hangingPunct="1"/>
             <a:r>
               <a:rPr lang="en-US" smtClean="0"/>
               <a:t>Click to edit Master text styles</a:t>
             </a:r>
           </a:p>
           <a:p>
-            <a:pPr lvl="1"/>
+            <a:pPr lvl="1" eaLnBrk="1" latinLnBrk="0" hangingPunct="1"/>
             <a:r>
               <a:rPr lang="en-US" smtClean="0"/>
               <a:t>Second level</a:t>
             </a:r>
           </a:p>
           <a:p>
-            <a:pPr lvl="2"/>
+            <a:pPr lvl="2" eaLnBrk="1" latinLnBrk="0" hangingPunct="1"/>
             <a:r>
               <a:rPr lang="en-US" smtClean="0"/>
               <a:t>Third level</a:t>
             </a:r>
           </a:p>
           <a:p>
-            <a:pPr lvl="3"/>
+            <a:pPr lvl="3" eaLnBrk="1" latinLnBrk="0" hangingPunct="1"/>
             <a:r>
               <a:rPr lang="en-US" smtClean="0"/>
               <a:t>Fourth level</a:t>
             </a:r>
           </a:p>
           <a:p>
-            <a:pPr lvl="4"/>
+            <a:pPr lvl="4" eaLnBrk="1" latinLnBrk="0" hangingPunct="1"/>
             <a:r>
               <a:rPr lang="en-US" smtClean="0"/>
               <a:t>Fifth level</a:t>
             </a:r>
-            <a:endParaRPr lang="en-US"/>
+            <a:endParaRPr kumimoji="0" lang="en-US"/>
           </a:p>
         </p:txBody>
       </p:sp>
@@ -1179,7 +2264,7 @@
           <a:p>
             <a:fld id="{9E10B1AF-3A17-40B4-A458-11D1DC92B649}" type="datetimeFigureOut">
               <a:rPr lang="en-US" smtClean="0"/>
-              <a:t>11/22/2013</a:t>
+              <a:t>11/24/2013</a:t>
             </a:fld>
             <a:endParaRPr lang="en-US"/>
           </a:p>
@@ -1228,11 +2313,6 @@
         </p:txBody>
       </p:sp>
     </p:spTree>
-    <p:extLst>
-      <p:ext uri="{BB962C8B-B14F-4D97-AF65-F5344CB8AC3E}">
-        <p14:creationId xmlns:p14="http://schemas.microsoft.com/office/powerpoint/2010/main" val="2681613003"/>
-      </p:ext>
-    </p:extLst>
   </p:cSld>
   <p:clrMapOvr>
     <a:masterClrMapping/>
@@ -1267,16 +2347,21 @@
             <p:ph type="title"/>
           </p:nvPr>
         </p:nvSpPr>
-        <p:spPr/>
-        <p:txBody>
-          <a:bodyPr/>
-          <a:lstStyle/>
-          <a:p>
-            <a:r>
-              <a:rPr lang="en-US" smtClean="0"/>
+        <p:spPr>
+          <a:xfrm>
+            <a:off x="457200" y="267494"/>
+            <a:ext cx="8229600" cy="1399032"/>
+          </a:xfrm>
+        </p:spPr>
+        <p:txBody>
+          <a:bodyPr/>
+          <a:lstStyle/>
+          <a:p>
+            <a:r>
+              <a:rPr kumimoji="0" lang="en-US" smtClean="0"/>
               <a:t>Click to edit Master title style</a:t>
             </a:r>
-            <a:endParaRPr lang="en-US"/>
+            <a:endParaRPr kumimoji="0" lang="en-US"/>
           </a:p>
         </p:txBody>
       </p:sp>
@@ -1290,45 +2375,50 @@
             <p:ph idx="1"/>
           </p:nvPr>
         </p:nvSpPr>
-        <p:spPr/>
-        <p:txBody>
-          <a:bodyPr/>
-          <a:lstStyle/>
-          <a:p>
-            <a:pPr lvl="0"/>
+        <p:spPr>
+          <a:xfrm>
+            <a:off x="457200" y="1882808"/>
+            <a:ext cx="8229600" cy="4572000"/>
+          </a:xfrm>
+        </p:spPr>
+        <p:txBody>
+          <a:bodyPr/>
+          <a:lstStyle/>
+          <a:p>
+            <a:pPr lvl="0" eaLnBrk="1" latinLnBrk="0" hangingPunct="1"/>
             <a:r>
               <a:rPr lang="en-US" smtClean="0"/>
               <a:t>Click to edit Master text styles</a:t>
             </a:r>
           </a:p>
           <a:p>
-            <a:pPr lvl="1"/>
+            <a:pPr lvl="1" eaLnBrk="1" latinLnBrk="0" hangingPunct="1"/>
             <a:r>
               <a:rPr lang="en-US" smtClean="0"/>
               <a:t>Second level</a:t>
             </a:r>
           </a:p>
           <a:p>
-            <a:pPr lvl="2"/>
+            <a:pPr lvl="2" eaLnBrk="1" latinLnBrk="0" hangingPunct="1"/>
             <a:r>
               <a:rPr lang="en-US" smtClean="0"/>
               <a:t>Third level</a:t>
             </a:r>
           </a:p>
           <a:p>
-            <a:pPr lvl="3"/>
+            <a:pPr lvl="3" eaLnBrk="1" latinLnBrk="0" hangingPunct="1"/>
             <a:r>
               <a:rPr lang="en-US" smtClean="0"/>
               <a:t>Fourth level</a:t>
             </a:r>
           </a:p>
           <a:p>
-            <a:pPr lvl="4"/>
+            <a:pPr lvl="4" eaLnBrk="1" latinLnBrk="0" hangingPunct="1"/>
             <a:r>
               <a:rPr lang="en-US" smtClean="0"/>
               <a:t>Fifth level</a:t>
             </a:r>
-            <a:endParaRPr lang="en-US"/>
+            <a:endParaRPr kumimoji="0" lang="en-US"/>
           </a:p>
         </p:txBody>
       </p:sp>
@@ -1342,14 +2432,19 @@
             <p:ph type="dt" sz="half" idx="10"/>
           </p:nvPr>
         </p:nvSpPr>
-        <p:spPr/>
+        <p:spPr>
+          <a:xfrm>
+            <a:off x="4791456" y="6480048"/>
+            <a:ext cx="2133600" cy="301752"/>
+          </a:xfrm>
+        </p:spPr>
         <p:txBody>
           <a:bodyPr/>
           <a:lstStyle/>
           <a:p>
             <a:fld id="{9E10B1AF-3A17-40B4-A458-11D1DC92B649}" type="datetimeFigureOut">
               <a:rPr lang="en-US" smtClean="0"/>
-              <a:t>11/22/2013</a:t>
+              <a:t>11/24/2013</a:t>
             </a:fld>
             <a:endParaRPr lang="en-US"/>
           </a:p>
@@ -1365,7 +2460,12 @@
             <p:ph type="ftr" sz="quarter" idx="11"/>
           </p:nvPr>
         </p:nvSpPr>
-        <p:spPr/>
+        <p:spPr>
+          <a:xfrm>
+            <a:off x="457200" y="6480969"/>
+            <a:ext cx="4260056" cy="300831"/>
+          </a:xfrm>
+        </p:spPr>
         <p:txBody>
           <a:bodyPr/>
           <a:lstStyle/>
@@ -1398,11 +2498,6 @@
         </p:txBody>
       </p:sp>
     </p:spTree>
-    <p:extLst>
-      <p:ext uri="{BB962C8B-B14F-4D97-AF65-F5344CB8AC3E}">
-        <p14:creationId xmlns:p14="http://schemas.microsoft.com/office/powerpoint/2010/main" val="4276347898"/>
-      </p:ext>
-    </p:extLst>
   </p:cSld>
   <p:clrMapOvr>
     <a:masterClrMapping/>
@@ -1411,8 +2506,13 @@
 </file>
 
 <file path=ppt/slideLayouts/slideLayout3.xml><?xml version="1.0" encoding="utf-8"?>
-<p:sldLayout xmlns:a="http://schemas.openxmlformats.org/drawingml/2006/main" xmlns:r="http://schemas.openxmlformats.org/officeDocument/2006/relationships" xmlns:p="http://schemas.openxmlformats.org/presentationml/2006/main" type="secHead" preserve="1">
+<p:sldLayout xmlns:a="http://schemas.openxmlformats.org/drawingml/2006/main" xmlns:r="http://schemas.openxmlformats.org/officeDocument/2006/relationships" xmlns:p="http://schemas.openxmlformats.org/presentationml/2006/main" showMasterSp="0" type="secHead" preserve="1">
   <p:cSld name="Section Header">
+    <p:bg>
+      <p:bgRef idx="1002">
+        <a:schemeClr val="bg1"/>
+      </p:bgRef>
+    </p:bg>
     <p:spTree>
       <p:nvGrpSpPr>
         <p:cNvPr id="1" name=""/>
@@ -1429,56 +2529,363 @@
       </p:grpSpPr>
       <p:sp>
         <p:nvSpPr>
-          <p:cNvPr id="2" name="Title 1"/>
-          <p:cNvSpPr>
-            <a:spLocks noGrp="1"/>
-          </p:cNvSpPr>
-          <p:nvPr>
-            <p:ph type="title"/>
+          <p:cNvPr id="9" name="Right Triangle 8"/>
+          <p:cNvSpPr/>
+          <p:nvPr/>
+        </p:nvSpPr>
+        <p:spPr>
+          <a:xfrm flipV="1">
+            <a:off x="7034" y="7034"/>
+            <a:ext cx="9129932" cy="6836899"/>
+          </a:xfrm>
+          <a:prstGeom prst="rtTriangle">
+            <a:avLst/>
+          </a:prstGeom>
+          <a:gradFill flip="none" rotWithShape="1">
+            <a:gsLst>
+              <a:gs pos="0">
+                <a:schemeClr val="tx2">
+                  <a:alpha val="10000"/>
+                </a:schemeClr>
+              </a:gs>
+              <a:gs pos="70000">
+                <a:schemeClr val="tx2">
+                  <a:alpha val="8000"/>
+                </a:schemeClr>
+              </a:gs>
+              <a:gs pos="100000">
+                <a:schemeClr val="tx2">
+                  <a:alpha val="1000"/>
+                </a:schemeClr>
+              </a:gs>
+            </a:gsLst>
+            <a:lin ang="8000000" scaled="1"/>
+            <a:tileRect/>
+          </a:gradFill>
+          <a:ln w="38100" cap="rnd" cmpd="sng" algn="ctr">
+            <a:noFill/>
+            <a:prstDash val="solid"/>
+          </a:ln>
+          <a:effectLst/>
+        </p:spPr>
+        <p:style>
+          <a:lnRef idx="3">
+            <a:schemeClr val="lt1"/>
+          </a:lnRef>
+          <a:fillRef idx="1">
+            <a:schemeClr val="accent1"/>
+          </a:fillRef>
+          <a:effectRef idx="1">
+            <a:schemeClr val="accent1"/>
+          </a:effectRef>
+          <a:fontRef idx="minor">
+            <a:schemeClr val="lt1"/>
+          </a:fontRef>
+        </p:style>
+        <p:txBody>
+          <a:bodyPr anchor="ctr"/>
+          <a:lstStyle/>
+          <a:p>
+            <a:pPr marL="0" algn="ctr" defTabSz="914400" rtl="0" eaLnBrk="1" latinLnBrk="0" hangingPunct="1"/>
+            <a:endParaRPr kumimoji="0" lang="en-US" sz="1800" kern="1200">
+              <a:solidFill>
+                <a:schemeClr val="lt1"/>
+              </a:solidFill>
+              <a:latin typeface="+mn-lt"/>
+              <a:ea typeface="+mn-ea"/>
+              <a:cs typeface="+mn-cs"/>
+            </a:endParaRPr>
+          </a:p>
+        </p:txBody>
+      </p:sp>
+      <p:sp>
+        <p:nvSpPr>
+          <p:cNvPr id="8" name="Isosceles Triangle 7"/>
+          <p:cNvSpPr/>
+          <p:nvPr/>
+        </p:nvSpPr>
+        <p:spPr>
+          <a:xfrm rot="5400000" flipV="1">
+            <a:off x="7554353" y="309490"/>
+            <a:ext cx="1892949" cy="1294228"/>
+          </a:xfrm>
+          <a:prstGeom prst="triangle">
+            <a:avLst>
+              <a:gd name="adj" fmla="val 51323"/>
+            </a:avLst>
+          </a:prstGeom>
+          <a:gradFill flip="none" rotWithShape="1">
+            <a:gsLst>
+              <a:gs pos="0">
+                <a:schemeClr val="accent1">
+                  <a:shade val="30000"/>
+                  <a:satMod val="155000"/>
+                  <a:alpha val="100000"/>
+                </a:schemeClr>
+              </a:gs>
+              <a:gs pos="60000">
+                <a:schemeClr val="accent1">
+                  <a:satMod val="160000"/>
+                  <a:alpha val="100000"/>
+                </a:schemeClr>
+              </a:gs>
+              <a:gs pos="100000">
+                <a:schemeClr val="accent1">
+                  <a:tint val="70000"/>
+                  <a:satMod val="200000"/>
+                  <a:alpha val="100000"/>
+                </a:schemeClr>
+              </a:gs>
+            </a:gsLst>
+            <a:lin ang="15500000" scaled="1"/>
+            <a:tileRect/>
+          </a:gradFill>
+          <a:ln w="38100" cap="rnd" cmpd="sng" algn="ctr">
+            <a:noFill/>
+            <a:prstDash val="solid"/>
+          </a:ln>
+          <a:effectLst/>
+        </p:spPr>
+        <p:style>
+          <a:lnRef idx="3">
+            <a:schemeClr val="lt1"/>
+          </a:lnRef>
+          <a:fillRef idx="1">
+            <a:schemeClr val="accent1"/>
+          </a:fillRef>
+          <a:effectRef idx="1">
+            <a:schemeClr val="accent1"/>
+          </a:effectRef>
+          <a:fontRef idx="minor">
+            <a:schemeClr val="lt1"/>
+          </a:fontRef>
+        </p:style>
+        <p:txBody>
+          <a:bodyPr anchor="ctr"/>
+          <a:lstStyle/>
+          <a:p>
+            <a:pPr algn="ctr" eaLnBrk="1" latinLnBrk="0" hangingPunct="1"/>
+            <a:endParaRPr kumimoji="0" lang="en-US"/>
+          </a:p>
+        </p:txBody>
+      </p:sp>
+      <p:sp>
+        <p:nvSpPr>
+          <p:cNvPr id="4" name="Date Placeholder 3"/>
+          <p:cNvSpPr>
+            <a:spLocks noGrp="1"/>
+          </p:cNvSpPr>
+          <p:nvPr>
+            <p:ph type="dt" sz="half" idx="10"/>
           </p:nvPr>
         </p:nvSpPr>
         <p:spPr>
           <a:xfrm>
-            <a:off x="722313" y="4406900"/>
-            <a:ext cx="7772400" cy="1362075"/>
+            <a:off x="6955632" y="6477000"/>
+            <a:ext cx="2133600" cy="304800"/>
           </a:xfrm>
         </p:spPr>
         <p:txBody>
+          <a:bodyPr/>
+          <a:lstStyle/>
+          <a:p>
+            <a:fld id="{9E10B1AF-3A17-40B4-A458-11D1DC92B649}" type="datetimeFigureOut">
+              <a:rPr lang="en-US" smtClean="0"/>
+              <a:t>11/24/2013</a:t>
+            </a:fld>
+            <a:endParaRPr lang="en-US"/>
+          </a:p>
+        </p:txBody>
+      </p:sp>
+      <p:sp>
+        <p:nvSpPr>
+          <p:cNvPr id="5" name="Footer Placeholder 4"/>
+          <p:cNvSpPr>
+            <a:spLocks noGrp="1"/>
+          </p:cNvSpPr>
+          <p:nvPr>
+            <p:ph type="ftr" sz="quarter" idx="11"/>
+          </p:nvPr>
+        </p:nvSpPr>
+        <p:spPr>
+          <a:xfrm>
+            <a:off x="2619376" y="6480969"/>
+            <a:ext cx="4260056" cy="300831"/>
+          </a:xfrm>
+        </p:spPr>
+        <p:txBody>
+          <a:bodyPr/>
+          <a:lstStyle/>
+          <a:p>
+            <a:endParaRPr lang="en-US"/>
+          </a:p>
+        </p:txBody>
+      </p:sp>
+      <p:sp>
+        <p:nvSpPr>
+          <p:cNvPr id="6" name="Slide Number Placeholder 5"/>
+          <p:cNvSpPr>
+            <a:spLocks noGrp="1"/>
+          </p:cNvSpPr>
+          <p:nvPr>
+            <p:ph type="sldNum" sz="quarter" idx="12"/>
+          </p:nvPr>
+        </p:nvSpPr>
+        <p:spPr>
+          <a:xfrm>
+            <a:off x="8451056" y="809624"/>
+            <a:ext cx="502920" cy="300831"/>
+          </a:xfrm>
+        </p:spPr>
+        <p:txBody>
+          <a:bodyPr/>
+          <a:lstStyle/>
+          <a:p>
+            <a:fld id="{F7DED178-A9AE-47F8-834D-09987CB050FC}" type="slidenum">
+              <a:rPr lang="en-US" smtClean="0"/>
+              <a:t>‹#›</a:t>
+            </a:fld>
+            <a:endParaRPr lang="en-US"/>
+          </a:p>
+        </p:txBody>
+      </p:sp>
+      <p:cxnSp>
+        <p:nvCxnSpPr>
+          <p:cNvPr id="11" name="Straight Connector 10"/>
+          <p:cNvCxnSpPr/>
+          <p:nvPr/>
+        </p:nvCxnSpPr>
+        <p:spPr>
+          <a:xfrm rot="10800000">
+            <a:off x="6468794" y="9381"/>
+            <a:ext cx="2672861" cy="1900210"/>
+          </a:xfrm>
+          <a:prstGeom prst="line">
+            <a:avLst/>
+          </a:prstGeom>
+          <a:noFill/>
+          <a:ln w="6000" cap="rnd" cmpd="sng" algn="ctr">
+            <a:solidFill>
+              <a:schemeClr val="bg2">
+                <a:tint val="50000"/>
+                <a:satMod val="200000"/>
+                <a:alpha val="45000"/>
+              </a:schemeClr>
+            </a:solidFill>
+            <a:prstDash val="solid"/>
+          </a:ln>
+          <a:effectLst/>
+        </p:spPr>
+        <p:style>
+          <a:lnRef idx="2">
+            <a:schemeClr val="accent1"/>
+          </a:lnRef>
+          <a:fillRef idx="0">
+            <a:schemeClr val="accent1"/>
+          </a:fillRef>
+          <a:effectRef idx="1">
+            <a:schemeClr val="accent1"/>
+          </a:effectRef>
+          <a:fontRef idx="minor">
+            <a:schemeClr val="tx1"/>
+          </a:fontRef>
+        </p:style>
+      </p:cxnSp>
+      <p:cxnSp>
+        <p:nvCxnSpPr>
+          <p:cNvPr id="10" name="Straight Connector 9"/>
+          <p:cNvCxnSpPr/>
+          <p:nvPr/>
+        </p:nvCxnSpPr>
+        <p:spPr>
+          <a:xfrm flipV="1">
+            <a:off x="0" y="7034"/>
+            <a:ext cx="9136966" cy="6843933"/>
+          </a:xfrm>
+          <a:prstGeom prst="line">
+            <a:avLst/>
+          </a:prstGeom>
+          <a:noFill/>
+          <a:ln w="5000" cap="rnd" cmpd="sng" algn="ctr">
+            <a:solidFill>
+              <a:schemeClr val="bg2">
+                <a:tint val="55000"/>
+                <a:satMod val="200000"/>
+                <a:alpha val="35000"/>
+              </a:schemeClr>
+            </a:solidFill>
+            <a:prstDash val="solid"/>
+          </a:ln>
+          <a:effectLst/>
+        </p:spPr>
+        <p:style>
+          <a:lnRef idx="2">
+            <a:schemeClr val="accent1"/>
+          </a:lnRef>
+          <a:fillRef idx="0">
+            <a:schemeClr val="accent1"/>
+          </a:fillRef>
+          <a:effectRef idx="1">
+            <a:schemeClr val="accent1"/>
+          </a:effectRef>
+          <a:fontRef idx="minor">
+            <a:schemeClr val="tx1"/>
+          </a:fontRef>
+        </p:style>
+      </p:cxnSp>
+      <p:sp>
+        <p:nvSpPr>
+          <p:cNvPr id="2" name="Title 1"/>
+          <p:cNvSpPr>
+            <a:spLocks noGrp="1"/>
+          </p:cNvSpPr>
+          <p:nvPr>
+            <p:ph type="title"/>
+          </p:nvPr>
+        </p:nvSpPr>
+        <p:spPr>
+          <a:xfrm>
+            <a:off x="381000" y="271464"/>
+            <a:ext cx="7239000" cy="1362075"/>
+          </a:xfrm>
+        </p:spPr>
+        <p:txBody>
+          <a:bodyPr anchor="ctr"/>
+          <a:lstStyle>
+            <a:lvl1pPr marL="0" algn="l">
+              <a:buNone/>
+              <a:defRPr sz="3600" b="1" cap="none" baseline="0"/>
+            </a:lvl1pPr>
+          </a:lstStyle>
+          <a:p>
+            <a:r>
+              <a:rPr kumimoji="0" lang="en-US" smtClean="0"/>
+              <a:t>Click to edit Master title style</a:t>
+            </a:r>
+            <a:endParaRPr kumimoji="0" lang="en-US"/>
+          </a:p>
+        </p:txBody>
+      </p:sp>
+      <p:sp>
+        <p:nvSpPr>
+          <p:cNvPr id="3" name="Text Placeholder 2"/>
+          <p:cNvSpPr>
+            <a:spLocks noGrp="1"/>
+          </p:cNvSpPr>
+          <p:nvPr>
+            <p:ph type="body" idx="1"/>
+          </p:nvPr>
+        </p:nvSpPr>
+        <p:spPr>
+          <a:xfrm>
+            <a:off x="381000" y="1633536"/>
+            <a:ext cx="3886200" cy="2286000"/>
+          </a:xfrm>
+        </p:spPr>
+        <p:txBody>
           <a:bodyPr anchor="t"/>
           <a:lstStyle>
-            <a:lvl1pPr algn="l">
-              <a:defRPr sz="4000" b="1" cap="all"/>
-            </a:lvl1pPr>
-          </a:lstStyle>
-          <a:p>
-            <a:r>
-              <a:rPr lang="en-US" smtClean="0"/>
-              <a:t>Click to edit Master title style</a:t>
-            </a:r>
-            <a:endParaRPr lang="en-US"/>
-          </a:p>
-        </p:txBody>
-      </p:sp>
-      <p:sp>
-        <p:nvSpPr>
-          <p:cNvPr id="3" name="Text Placeholder 2"/>
-          <p:cNvSpPr>
-            <a:spLocks noGrp="1"/>
-          </p:cNvSpPr>
-          <p:nvPr>
-            <p:ph type="body" idx="1"/>
-          </p:nvPr>
-        </p:nvSpPr>
-        <p:spPr>
-          <a:xfrm>
-            <a:off x="722313" y="2906713"/>
-            <a:ext cx="7772400" cy="1500187"/>
-          </a:xfrm>
-        </p:spPr>
-        <p:txBody>
-          <a:bodyPr anchor="b"/>
-          <a:lstStyle>
-            <a:lvl1pPr marL="0" indent="0">
+            <a:lvl1pPr marL="54864" indent="0" algn="l">
               <a:buNone/>
               <a:defRPr sz="2000">
                 <a:solidFill>
@@ -1488,7 +2895,7 @@
                 </a:solidFill>
               </a:defRPr>
             </a:lvl1pPr>
-            <a:lvl2pPr marL="457200" indent="0">
+            <a:lvl2pPr>
               <a:buNone/>
               <a:defRPr sz="1800">
                 <a:solidFill>
@@ -1498,7 +2905,7 @@
                 </a:solidFill>
               </a:defRPr>
             </a:lvl2pPr>
-            <a:lvl3pPr marL="914400" indent="0">
+            <a:lvl3pPr>
               <a:buNone/>
               <a:defRPr sz="1600">
                 <a:solidFill>
@@ -1508,7 +2915,7 @@
                 </a:solidFill>
               </a:defRPr>
             </a:lvl3pPr>
-            <a:lvl4pPr marL="1371600" indent="0">
+            <a:lvl4pPr>
               <a:buNone/>
               <a:defRPr sz="1400">
                 <a:solidFill>
@@ -1518,7 +2925,7 @@
                 </a:solidFill>
               </a:defRPr>
             </a:lvl4pPr>
-            <a:lvl5pPr marL="1828800" indent="0">
+            <a:lvl5pPr>
               <a:buNone/>
               <a:defRPr sz="1400">
                 <a:solidFill>
@@ -1528,130 +2935,20 @@
                 </a:solidFill>
               </a:defRPr>
             </a:lvl5pPr>
-            <a:lvl6pPr marL="2286000" indent="0">
-              <a:buNone/>
-              <a:defRPr sz="1400">
-                <a:solidFill>
-                  <a:schemeClr val="tx1">
-                    <a:tint val="75000"/>
-                  </a:schemeClr>
-                </a:solidFill>
-              </a:defRPr>
-            </a:lvl6pPr>
-            <a:lvl7pPr marL="2743200" indent="0">
-              <a:buNone/>
-              <a:defRPr sz="1400">
-                <a:solidFill>
-                  <a:schemeClr val="tx1">
-                    <a:tint val="75000"/>
-                  </a:schemeClr>
-                </a:solidFill>
-              </a:defRPr>
-            </a:lvl7pPr>
-            <a:lvl8pPr marL="3200400" indent="0">
-              <a:buNone/>
-              <a:defRPr sz="1400">
-                <a:solidFill>
-                  <a:schemeClr val="tx1">
-                    <a:tint val="75000"/>
-                  </a:schemeClr>
-                </a:solidFill>
-              </a:defRPr>
-            </a:lvl8pPr>
-            <a:lvl9pPr marL="3657600" indent="0">
-              <a:buNone/>
-              <a:defRPr sz="1400">
-                <a:solidFill>
-                  <a:schemeClr val="tx1">
-                    <a:tint val="75000"/>
-                  </a:schemeClr>
-                </a:solidFill>
-              </a:defRPr>
-            </a:lvl9pPr>
           </a:lstStyle>
           <a:p>
-            <a:pPr lvl="0"/>
-            <a:r>
-              <a:rPr lang="en-US" smtClean="0"/>
+            <a:pPr lvl="0" eaLnBrk="1" latinLnBrk="0" hangingPunct="1"/>
+            <a:r>
+              <a:rPr kumimoji="0" lang="en-US" smtClean="0"/>
               <a:t>Click to edit Master text styles</a:t>
             </a:r>
           </a:p>
         </p:txBody>
       </p:sp>
-      <p:sp>
-        <p:nvSpPr>
-          <p:cNvPr id="4" name="Date Placeholder 3"/>
-          <p:cNvSpPr>
-            <a:spLocks noGrp="1"/>
-          </p:cNvSpPr>
-          <p:nvPr>
-            <p:ph type="dt" sz="half" idx="10"/>
-          </p:nvPr>
-        </p:nvSpPr>
-        <p:spPr/>
-        <p:txBody>
-          <a:bodyPr/>
-          <a:lstStyle/>
-          <a:p>
-            <a:fld id="{9E10B1AF-3A17-40B4-A458-11D1DC92B649}" type="datetimeFigureOut">
-              <a:rPr lang="en-US" smtClean="0"/>
-              <a:t>11/22/2013</a:t>
-            </a:fld>
-            <a:endParaRPr lang="en-US"/>
-          </a:p>
-        </p:txBody>
-      </p:sp>
-      <p:sp>
-        <p:nvSpPr>
-          <p:cNvPr id="5" name="Footer Placeholder 4"/>
-          <p:cNvSpPr>
-            <a:spLocks noGrp="1"/>
-          </p:cNvSpPr>
-          <p:nvPr>
-            <p:ph type="ftr" sz="quarter" idx="11"/>
-          </p:nvPr>
-        </p:nvSpPr>
-        <p:spPr/>
-        <p:txBody>
-          <a:bodyPr/>
-          <a:lstStyle/>
-          <a:p>
-            <a:endParaRPr lang="en-US"/>
-          </a:p>
-        </p:txBody>
-      </p:sp>
-      <p:sp>
-        <p:nvSpPr>
-          <p:cNvPr id="6" name="Slide Number Placeholder 5"/>
-          <p:cNvSpPr>
-            <a:spLocks noGrp="1"/>
-          </p:cNvSpPr>
-          <p:nvPr>
-            <p:ph type="sldNum" sz="quarter" idx="12"/>
-          </p:nvPr>
-        </p:nvSpPr>
-        <p:spPr/>
-        <p:txBody>
-          <a:bodyPr/>
-          <a:lstStyle/>
-          <a:p>
-            <a:fld id="{F7DED178-A9AE-47F8-834D-09987CB050FC}" type="slidenum">
-              <a:rPr lang="en-US" smtClean="0"/>
-              <a:t>‹#›</a:t>
-            </a:fld>
-            <a:endParaRPr lang="en-US"/>
-          </a:p>
-        </p:txBody>
-      </p:sp>
     </p:spTree>
-    <p:extLst>
-      <p:ext uri="{BB962C8B-B14F-4D97-AF65-F5344CB8AC3E}">
-        <p14:creationId xmlns:p14="http://schemas.microsoft.com/office/powerpoint/2010/main" val="1942082447"/>
-      </p:ext>
-    </p:extLst>
   </p:cSld>
   <p:clrMapOvr>
-    <a:masterClrMapping/>
+    <a:overrideClrMapping bg1="dk1" tx1="lt1" bg2="dk2" tx2="lt2" accent1="accent1" accent2="accent2" accent3="accent3" accent4="accent4" accent5="accent5" accent6="accent6" hlink="hlink" folHlink="folHlink"/>
   </p:clrMapOvr>
 </p:sldLayout>
 </file>
@@ -1686,13 +2983,17 @@
         <p:spPr/>
         <p:txBody>
           <a:bodyPr/>
-          <a:lstStyle/>
-          <a:p>
-            <a:r>
-              <a:rPr lang="en-US" smtClean="0"/>
+          <a:lstStyle>
+            <a:lvl1pPr marL="0" algn="l">
+              <a:defRPr/>
+            </a:lvl1pPr>
+          </a:lstStyle>
+          <a:p>
+            <a:r>
+              <a:rPr kumimoji="0" lang="en-US" smtClean="0"/>
               <a:t>Click to edit Master title style</a:t>
             </a:r>
-            <a:endParaRPr lang="en-US"/>
+            <a:endParaRPr kumimoji="0" lang="en-US"/>
           </a:p>
         </p:txBody>
       </p:sp>
@@ -1708,7 +3009,7 @@
         </p:nvSpPr>
         <p:spPr>
           <a:xfrm>
-            <a:off x="457200" y="1600200"/>
+            <a:off x="457200" y="1722437"/>
             <a:ext cx="4038600" cy="4525963"/>
           </a:xfrm>
         </p:spPr>
@@ -1716,7 +3017,7 @@
           <a:bodyPr/>
           <a:lstStyle>
             <a:lvl1pPr>
-              <a:defRPr sz="2800"/>
+              <a:defRPr sz="2600"/>
             </a:lvl1pPr>
             <a:lvl2pPr>
               <a:defRPr sz="2400"/>
@@ -1730,54 +3031,42 @@
             <a:lvl5pPr>
               <a:defRPr sz="1800"/>
             </a:lvl5pPr>
-            <a:lvl6pPr>
-              <a:defRPr sz="1800"/>
-            </a:lvl6pPr>
-            <a:lvl7pPr>
-              <a:defRPr sz="1800"/>
-            </a:lvl7pPr>
-            <a:lvl8pPr>
-              <a:defRPr sz="1800"/>
-            </a:lvl8pPr>
-            <a:lvl9pPr>
-              <a:defRPr sz="1800"/>
-            </a:lvl9pPr>
           </a:lstStyle>
           <a:p>
-            <a:pPr lvl="0"/>
+            <a:pPr lvl="0" eaLnBrk="1" latinLnBrk="0" hangingPunct="1"/>
             <a:r>
               <a:rPr lang="en-US" smtClean="0"/>
               <a:t>Click to edit Master text styles</a:t>
             </a:r>
           </a:p>
           <a:p>
-            <a:pPr lvl="1"/>
+            <a:pPr lvl="1" eaLnBrk="1" latinLnBrk="0" hangingPunct="1"/>
             <a:r>
               <a:rPr lang="en-US" smtClean="0"/>
               <a:t>Second level</a:t>
             </a:r>
           </a:p>
           <a:p>
-            <a:pPr lvl="2"/>
+            <a:pPr lvl="2" eaLnBrk="1" latinLnBrk="0" hangingPunct="1"/>
             <a:r>
               <a:rPr lang="en-US" smtClean="0"/>
               <a:t>Third level</a:t>
             </a:r>
           </a:p>
           <a:p>
-            <a:pPr lvl="3"/>
+            <a:pPr lvl="3" eaLnBrk="1" latinLnBrk="0" hangingPunct="1"/>
             <a:r>
               <a:rPr lang="en-US" smtClean="0"/>
               <a:t>Fourth level</a:t>
             </a:r>
           </a:p>
           <a:p>
-            <a:pPr lvl="4"/>
+            <a:pPr lvl="4" eaLnBrk="1" latinLnBrk="0" hangingPunct="1"/>
             <a:r>
               <a:rPr lang="en-US" smtClean="0"/>
               <a:t>Fifth level</a:t>
             </a:r>
-            <a:endParaRPr lang="en-US"/>
+            <a:endParaRPr kumimoji="0" lang="en-US"/>
           </a:p>
         </p:txBody>
       </p:sp>
@@ -1793,7 +3082,7 @@
         </p:nvSpPr>
         <p:spPr>
           <a:xfrm>
-            <a:off x="4648200" y="1600200"/>
+            <a:off x="4648200" y="1722437"/>
             <a:ext cx="4038600" cy="4525963"/>
           </a:xfrm>
         </p:spPr>
@@ -1801,7 +3090,7 @@
           <a:bodyPr/>
           <a:lstStyle>
             <a:lvl1pPr>
-              <a:defRPr sz="2800"/>
+              <a:defRPr sz="2600"/>
             </a:lvl1pPr>
             <a:lvl2pPr>
               <a:defRPr sz="2400"/>
@@ -1815,54 +3104,42 @@
             <a:lvl5pPr>
               <a:defRPr sz="1800"/>
             </a:lvl5pPr>
-            <a:lvl6pPr>
-              <a:defRPr sz="1800"/>
-            </a:lvl6pPr>
-            <a:lvl7pPr>
-              <a:defRPr sz="1800"/>
-            </a:lvl7pPr>
-            <a:lvl8pPr>
-              <a:defRPr sz="1800"/>
-            </a:lvl8pPr>
-            <a:lvl9pPr>
-              <a:defRPr sz="1800"/>
-            </a:lvl9pPr>
           </a:lstStyle>
           <a:p>
-            <a:pPr lvl="0"/>
+            <a:pPr lvl="0" eaLnBrk="1" latinLnBrk="0" hangingPunct="1"/>
             <a:r>
               <a:rPr lang="en-US" smtClean="0"/>
               <a:t>Click to edit Master text styles</a:t>
             </a:r>
           </a:p>
           <a:p>
-            <a:pPr lvl="1"/>
+            <a:pPr lvl="1" eaLnBrk="1" latinLnBrk="0" hangingPunct="1"/>
             <a:r>
               <a:rPr lang="en-US" smtClean="0"/>
               <a:t>Second level</a:t>
             </a:r>
           </a:p>
           <a:p>
-            <a:pPr lvl="2"/>
+            <a:pPr lvl="2" eaLnBrk="1" latinLnBrk="0" hangingPunct="1"/>
             <a:r>
               <a:rPr lang="en-US" smtClean="0"/>
               <a:t>Third level</a:t>
             </a:r>
           </a:p>
           <a:p>
-            <a:pPr lvl="3"/>
+            <a:pPr lvl="3" eaLnBrk="1" latinLnBrk="0" hangingPunct="1"/>
             <a:r>
               <a:rPr lang="en-US" smtClean="0"/>
               <a:t>Fourth level</a:t>
             </a:r>
           </a:p>
           <a:p>
-            <a:pPr lvl="4"/>
+            <a:pPr lvl="4" eaLnBrk="1" latinLnBrk="0" hangingPunct="1"/>
             <a:r>
               <a:rPr lang="en-US" smtClean="0"/>
               <a:t>Fifth level</a:t>
             </a:r>
-            <a:endParaRPr lang="en-US"/>
+            <a:endParaRPr kumimoji="0" lang="en-US"/>
           </a:p>
         </p:txBody>
       </p:sp>
@@ -1876,14 +3153,19 @@
             <p:ph type="dt" sz="half" idx="10"/>
           </p:nvPr>
         </p:nvSpPr>
-        <p:spPr/>
+        <p:spPr>
+          <a:xfrm>
+            <a:off x="4791456" y="6480969"/>
+            <a:ext cx="2133600" cy="301752"/>
+          </a:xfrm>
+        </p:spPr>
         <p:txBody>
           <a:bodyPr/>
           <a:lstStyle/>
           <a:p>
             <a:fld id="{9E10B1AF-3A17-40B4-A458-11D1DC92B649}" type="datetimeFigureOut">
               <a:rPr lang="en-US" smtClean="0"/>
-              <a:t>11/22/2013</a:t>
+              <a:t>11/24/2013</a:t>
             </a:fld>
             <a:endParaRPr lang="en-US"/>
           </a:p>
@@ -1899,7 +3181,12 @@
             <p:ph type="ftr" sz="quarter" idx="11"/>
           </p:nvPr>
         </p:nvSpPr>
-        <p:spPr/>
+        <p:spPr>
+          <a:xfrm>
+            <a:off x="457200" y="6480969"/>
+            <a:ext cx="4260056" cy="301752"/>
+          </a:xfrm>
+        </p:spPr>
         <p:txBody>
           <a:bodyPr/>
           <a:lstStyle/>
@@ -1918,7 +3205,12 @@
             <p:ph type="sldNum" sz="quarter" idx="12"/>
           </p:nvPr>
         </p:nvSpPr>
-        <p:spPr/>
+        <p:spPr>
+          <a:xfrm>
+            <a:off x="7589520" y="6480969"/>
+            <a:ext cx="502920" cy="301752"/>
+          </a:xfrm>
+        </p:spPr>
         <p:txBody>
           <a:bodyPr/>
           <a:lstStyle/>
@@ -1932,11 +3224,6 @@
         </p:txBody>
       </p:sp>
     </p:spTree>
-    <p:extLst>
-      <p:ext uri="{BB962C8B-B14F-4D97-AF65-F5344CB8AC3E}">
-        <p14:creationId xmlns:p14="http://schemas.microsoft.com/office/powerpoint/2010/main" val="295069326"/>
-      </p:ext>
-    </p:extLst>
   </p:cSld>
   <p:clrMapOvr>
     <a:masterClrMapping/>
@@ -1945,8 +3232,13 @@
 </file>
 
 <file path=ppt/slideLayouts/slideLayout5.xml><?xml version="1.0" encoding="utf-8"?>
-<p:sldLayout xmlns:a="http://schemas.openxmlformats.org/drawingml/2006/main" xmlns:r="http://schemas.openxmlformats.org/officeDocument/2006/relationships" xmlns:p="http://schemas.openxmlformats.org/presentationml/2006/main" type="twoTxTwoObj" preserve="1">
+<p:sldLayout xmlns:a="http://schemas.openxmlformats.org/drawingml/2006/main" xmlns:r="http://schemas.openxmlformats.org/officeDocument/2006/relationships" xmlns:p="http://schemas.openxmlformats.org/presentationml/2006/main" showMasterSp="0" type="twoTxTwoObj" preserve="1">
   <p:cSld name="Comparison">
+    <p:bg>
+      <p:bgRef idx="1002">
+        <a:schemeClr val="bg2"/>
+      </p:bgRef>
+    </p:bg>
     <p:spTree>
       <p:nvGrpSpPr>
         <p:cNvPr id="1" name=""/>
@@ -1971,20 +3263,34 @@
             <p:ph type="title"/>
           </p:nvPr>
         </p:nvSpPr>
-        <p:spPr/>
-        <p:txBody>
-          <a:bodyPr/>
+        <p:spPr>
+          <a:xfrm>
+            <a:off x="248198" y="290732"/>
+            <a:ext cx="1066800" cy="6153912"/>
+          </a:xfrm>
+        </p:spPr>
+        <p:txBody>
+          <a:bodyPr vert="vert270" anchor="b"/>
           <a:lstStyle>
-            <a:lvl1pPr>
-              <a:defRPr/>
+            <a:lvl1pPr marL="0" algn="ctr">
+              <a:defRPr sz="3300" b="1">
+                <a:ln w="6350">
+                  <a:solidFill>
+                    <a:schemeClr val="tx1"/>
+                  </a:solidFill>
+                </a:ln>
+                <a:solidFill>
+                  <a:schemeClr val="tx1"/>
+                </a:solidFill>
+              </a:defRPr>
             </a:lvl1pPr>
           </a:lstStyle>
           <a:p>
             <a:r>
-              <a:rPr lang="en-US" smtClean="0"/>
+              <a:rPr kumimoji="0" lang="en-US" smtClean="0"/>
               <a:t>Click to edit Master title style</a:t>
             </a:r>
-            <a:endParaRPr lang="en-US"/>
+            <a:endParaRPr kumimoji="0" lang="en-US"/>
           </a:p>
         </p:txBody>
       </p:sp>
@@ -2000,54 +3306,107 @@
         </p:nvSpPr>
         <p:spPr>
           <a:xfrm>
-            <a:off x="457200" y="1535113"/>
-            <a:ext cx="4040188" cy="639762"/>
+            <a:off x="1365006" y="290732"/>
+            <a:ext cx="581024" cy="3017520"/>
           </a:xfrm>
+          <a:solidFill>
+            <a:schemeClr val="bg1"/>
+          </a:solidFill>
+          <a:ln w="12700">
+            <a:noFill/>
+          </a:ln>
         </p:spPr>
         <p:txBody>
-          <a:bodyPr anchor="b"/>
+          <a:bodyPr vert="vert270" anchor="ctr"/>
           <a:lstStyle>
-            <a:lvl1pPr marL="0" indent="0">
+            <a:lvl1pPr marL="0" indent="0" algn="ctr">
               <a:buNone/>
-              <a:defRPr sz="2400" b="1"/>
+              <a:defRPr sz="1600" b="0">
+                <a:solidFill>
+                  <a:schemeClr val="tx1"/>
+                </a:solidFill>
+              </a:defRPr>
             </a:lvl1pPr>
-            <a:lvl2pPr marL="457200" indent="0">
+            <a:lvl2pPr>
               <a:buNone/>
               <a:defRPr sz="2000" b="1"/>
             </a:lvl2pPr>
-            <a:lvl3pPr marL="914400" indent="0">
+            <a:lvl3pPr>
               <a:buNone/>
               <a:defRPr sz="1800" b="1"/>
             </a:lvl3pPr>
-            <a:lvl4pPr marL="1371600" indent="0">
+            <a:lvl4pPr>
               <a:buNone/>
               <a:defRPr sz="1600" b="1"/>
             </a:lvl4pPr>
-            <a:lvl5pPr marL="1828800" indent="0">
+            <a:lvl5pPr>
               <a:buNone/>
               <a:defRPr sz="1600" b="1"/>
             </a:lvl5pPr>
-            <a:lvl6pPr marL="2286000" indent="0">
+          </a:lstStyle>
+          <a:p>
+            <a:pPr lvl="0" eaLnBrk="1" latinLnBrk="0" hangingPunct="1"/>
+            <a:r>
+              <a:rPr kumimoji="0" lang="en-US" smtClean="0"/>
+              <a:t>Click to edit Master text styles</a:t>
+            </a:r>
+          </a:p>
+        </p:txBody>
+      </p:sp>
+      <p:sp>
+        <p:nvSpPr>
+          <p:cNvPr id="4" name="Text Placeholder 3"/>
+          <p:cNvSpPr>
+            <a:spLocks noGrp="1"/>
+          </p:cNvSpPr>
+          <p:nvPr>
+            <p:ph type="body" sz="half" idx="3"/>
+          </p:nvPr>
+        </p:nvSpPr>
+        <p:spPr>
+          <a:xfrm>
+            <a:off x="1365006" y="3427124"/>
+            <a:ext cx="581024" cy="3017520"/>
+          </a:xfrm>
+          <a:solidFill>
+            <a:schemeClr val="bg1"/>
+          </a:solidFill>
+          <a:ln w="12700">
+            <a:noFill/>
+          </a:ln>
+        </p:spPr>
+        <p:txBody>
+          <a:bodyPr vert="vert270" anchor="ctr"/>
+          <a:lstStyle>
+            <a:lvl1pPr marL="0" indent="0" algn="ctr">
+              <a:buNone/>
+              <a:defRPr sz="1600" b="0">
+                <a:solidFill>
+                  <a:schemeClr val="tx1"/>
+                </a:solidFill>
+              </a:defRPr>
+            </a:lvl1pPr>
+            <a:lvl2pPr>
+              <a:buNone/>
+              <a:defRPr sz="2000" b="1"/>
+            </a:lvl2pPr>
+            <a:lvl3pPr>
+              <a:buNone/>
+              <a:defRPr sz="1800" b="1"/>
+            </a:lvl3pPr>
+            <a:lvl4pPr>
               <a:buNone/>
               <a:defRPr sz="1600" b="1"/>
-            </a:lvl6pPr>
-            <a:lvl7pPr marL="2743200" indent="0">
+            </a:lvl4pPr>
+            <a:lvl5pPr>
               <a:buNone/>
               <a:defRPr sz="1600" b="1"/>
-            </a:lvl7pPr>
-            <a:lvl8pPr marL="3200400" indent="0">
-              <a:buNone/>
-              <a:defRPr sz="1600" b="1"/>
-            </a:lvl8pPr>
-            <a:lvl9pPr marL="3657600" indent="0">
-              <a:buNone/>
-              <a:defRPr sz="1600" b="1"/>
-            </a:lvl9pPr>
+            </a:lvl5pPr>
           </a:lstStyle>
           <a:p>
-            <a:pPr lvl="0"/>
-            <a:r>
-              <a:rPr lang="en-US" smtClean="0"/>
+            <a:pPr lvl="0" eaLnBrk="1" latinLnBrk="0" hangingPunct="1"/>
+            <a:r>
+              <a:rPr kumimoji="0" lang="en-US" smtClean="0"/>
               <a:t>Click to edit Master text styles</a:t>
             </a:r>
           </a:p>
@@ -2055,18 +3414,91 @@
       </p:sp>
       <p:sp>
         <p:nvSpPr>
-          <p:cNvPr id="4" name="Content Placeholder 3"/>
-          <p:cNvSpPr>
-            <a:spLocks noGrp="1"/>
-          </p:cNvSpPr>
-          <p:nvPr>
-            <p:ph sz="half" idx="2"/>
+          <p:cNvPr id="5" name="Content Placeholder 4"/>
+          <p:cNvSpPr>
+            <a:spLocks noGrp="1"/>
+          </p:cNvSpPr>
+          <p:nvPr>
+            <p:ph sz="quarter" idx="2"/>
           </p:nvPr>
         </p:nvSpPr>
         <p:spPr>
           <a:xfrm>
-            <a:off x="457200" y="2174875"/>
-            <a:ext cx="4040188" cy="3951288"/>
+            <a:off x="2022230" y="290732"/>
+            <a:ext cx="6858000" cy="3017520"/>
+          </a:xfrm>
+        </p:spPr>
+        <p:txBody>
+          <a:bodyPr/>
+          <a:lstStyle>
+            <a:lvl1pPr algn="l">
+              <a:defRPr sz="2400"/>
+            </a:lvl1pPr>
+            <a:lvl2pPr algn="l">
+              <a:defRPr sz="2000"/>
+            </a:lvl2pPr>
+            <a:lvl3pPr algn="l">
+              <a:defRPr sz="1800"/>
+            </a:lvl3pPr>
+            <a:lvl4pPr algn="l">
+              <a:defRPr sz="1600"/>
+            </a:lvl4pPr>
+            <a:lvl5pPr algn="l">
+              <a:defRPr sz="1600"/>
+            </a:lvl5pPr>
+          </a:lstStyle>
+          <a:p>
+            <a:pPr lvl="0" eaLnBrk="1" latinLnBrk="0" hangingPunct="1"/>
+            <a:r>
+              <a:rPr lang="en-US" smtClean="0"/>
+              <a:t>Click to edit Master text styles</a:t>
+            </a:r>
+          </a:p>
+          <a:p>
+            <a:pPr lvl="1" eaLnBrk="1" latinLnBrk="0" hangingPunct="1"/>
+            <a:r>
+              <a:rPr lang="en-US" smtClean="0"/>
+              <a:t>Second level</a:t>
+            </a:r>
+          </a:p>
+          <a:p>
+            <a:pPr lvl="2" eaLnBrk="1" latinLnBrk="0" hangingPunct="1"/>
+            <a:r>
+              <a:rPr lang="en-US" smtClean="0"/>
+              <a:t>Third level</a:t>
+            </a:r>
+          </a:p>
+          <a:p>
+            <a:pPr lvl="3" eaLnBrk="1" latinLnBrk="0" hangingPunct="1"/>
+            <a:r>
+              <a:rPr lang="en-US" smtClean="0"/>
+              <a:t>Fourth level</a:t>
+            </a:r>
+          </a:p>
+          <a:p>
+            <a:pPr lvl="4" eaLnBrk="1" latinLnBrk="0" hangingPunct="1"/>
+            <a:r>
+              <a:rPr lang="en-US" smtClean="0"/>
+              <a:t>Fifth level</a:t>
+            </a:r>
+            <a:endParaRPr kumimoji="0" lang="en-US"/>
+          </a:p>
+        </p:txBody>
+      </p:sp>
+      <p:sp>
+        <p:nvSpPr>
+          <p:cNvPr id="6" name="Content Placeholder 5"/>
+          <p:cNvSpPr>
+            <a:spLocks noGrp="1"/>
+          </p:cNvSpPr>
+          <p:nvPr>
+            <p:ph sz="quarter" idx="4"/>
+          </p:nvPr>
+        </p:nvSpPr>
+        <p:spPr>
+          <a:xfrm>
+            <a:off x="2022230" y="3427124"/>
+            <a:ext cx="6858000" cy="3017520"/>
           </a:xfrm>
         </p:spPr>
         <p:txBody>
@@ -2087,263 +3519,120 @@
             <a:lvl5pPr>
               <a:defRPr sz="1600"/>
             </a:lvl5pPr>
-            <a:lvl6pPr>
-              <a:defRPr sz="1600"/>
-            </a:lvl6pPr>
-            <a:lvl7pPr>
-              <a:defRPr sz="1600"/>
-            </a:lvl7pPr>
-            <a:lvl8pPr>
-              <a:defRPr sz="1600"/>
-            </a:lvl8pPr>
-            <a:lvl9pPr>
-              <a:defRPr sz="1600"/>
-            </a:lvl9pPr>
           </a:lstStyle>
           <a:p>
-            <a:pPr lvl="0"/>
+            <a:pPr lvl="0" eaLnBrk="1" latinLnBrk="0" hangingPunct="1"/>
             <a:r>
               <a:rPr lang="en-US" smtClean="0"/>
               <a:t>Click to edit Master text styles</a:t>
             </a:r>
           </a:p>
           <a:p>
-            <a:pPr lvl="1"/>
+            <a:pPr lvl="1" eaLnBrk="1" latinLnBrk="0" hangingPunct="1"/>
             <a:r>
               <a:rPr lang="en-US" smtClean="0"/>
               <a:t>Second level</a:t>
             </a:r>
           </a:p>
           <a:p>
-            <a:pPr lvl="2"/>
+            <a:pPr lvl="2" eaLnBrk="1" latinLnBrk="0" hangingPunct="1"/>
             <a:r>
               <a:rPr lang="en-US" smtClean="0"/>
               <a:t>Third level</a:t>
             </a:r>
           </a:p>
           <a:p>
-            <a:pPr lvl="3"/>
+            <a:pPr lvl="3" eaLnBrk="1" latinLnBrk="0" hangingPunct="1"/>
             <a:r>
               <a:rPr lang="en-US" smtClean="0"/>
               <a:t>Fourth level</a:t>
             </a:r>
           </a:p>
           <a:p>
-            <a:pPr lvl="4"/>
+            <a:pPr lvl="4" eaLnBrk="1" latinLnBrk="0" hangingPunct="1"/>
             <a:r>
               <a:rPr lang="en-US" smtClean="0"/>
               <a:t>Fifth level</a:t>
             </a:r>
-            <a:endParaRPr lang="en-US"/>
-          </a:p>
-        </p:txBody>
-      </p:sp>
-      <p:sp>
-        <p:nvSpPr>
-          <p:cNvPr id="5" name="Text Placeholder 4"/>
-          <p:cNvSpPr>
-            <a:spLocks noGrp="1"/>
-          </p:cNvSpPr>
-          <p:nvPr>
-            <p:ph type="body" sz="quarter" idx="3"/>
+            <a:endParaRPr kumimoji="0" lang="en-US"/>
+          </a:p>
+        </p:txBody>
+      </p:sp>
+      <p:sp>
+        <p:nvSpPr>
+          <p:cNvPr id="7" name="Date Placeholder 6"/>
+          <p:cNvSpPr>
+            <a:spLocks noGrp="1"/>
+          </p:cNvSpPr>
+          <p:nvPr>
+            <p:ph type="dt" sz="half" idx="10"/>
           </p:nvPr>
         </p:nvSpPr>
         <p:spPr>
           <a:xfrm>
-            <a:off x="4645025" y="1535113"/>
-            <a:ext cx="4041775" cy="639762"/>
+            <a:off x="4791456" y="6480969"/>
+            <a:ext cx="2130552" cy="301752"/>
           </a:xfrm>
         </p:spPr>
         <p:txBody>
-          <a:bodyPr anchor="b"/>
-          <a:lstStyle>
-            <a:lvl1pPr marL="0" indent="0">
-              <a:buNone/>
-              <a:defRPr sz="2400" b="1"/>
-            </a:lvl1pPr>
-            <a:lvl2pPr marL="457200" indent="0">
-              <a:buNone/>
-              <a:defRPr sz="2000" b="1"/>
-            </a:lvl2pPr>
-            <a:lvl3pPr marL="914400" indent="0">
-              <a:buNone/>
-              <a:defRPr sz="1800" b="1"/>
-            </a:lvl3pPr>
-            <a:lvl4pPr marL="1371600" indent="0">
-              <a:buNone/>
-              <a:defRPr sz="1600" b="1"/>
-            </a:lvl4pPr>
-            <a:lvl5pPr marL="1828800" indent="0">
-              <a:buNone/>
-              <a:defRPr sz="1600" b="1"/>
-            </a:lvl5pPr>
-            <a:lvl6pPr marL="2286000" indent="0">
-              <a:buNone/>
-              <a:defRPr sz="1600" b="1"/>
-            </a:lvl6pPr>
-            <a:lvl7pPr marL="2743200" indent="0">
-              <a:buNone/>
-              <a:defRPr sz="1600" b="1"/>
-            </a:lvl7pPr>
-            <a:lvl8pPr marL="3200400" indent="0">
-              <a:buNone/>
-              <a:defRPr sz="1600" b="1"/>
-            </a:lvl8pPr>
-            <a:lvl9pPr marL="3657600" indent="0">
-              <a:buNone/>
-              <a:defRPr sz="1600" b="1"/>
-            </a:lvl9pPr>
-          </a:lstStyle>
-          <a:p>
-            <a:pPr lvl="0"/>
-            <a:r>
-              <a:rPr lang="en-US" smtClean="0"/>
-              <a:t>Click to edit Master text styles</a:t>
-            </a:r>
-          </a:p>
-        </p:txBody>
-      </p:sp>
-      <p:sp>
-        <p:nvSpPr>
-          <p:cNvPr id="6" name="Content Placeholder 5"/>
-          <p:cNvSpPr>
-            <a:spLocks noGrp="1"/>
-          </p:cNvSpPr>
-          <p:nvPr>
-            <p:ph sz="quarter" idx="4"/>
+          <a:bodyPr/>
+          <a:lstStyle/>
+          <a:p>
+            <a:fld id="{9E10B1AF-3A17-40B4-A458-11D1DC92B649}" type="datetimeFigureOut">
+              <a:rPr lang="en-US" smtClean="0"/>
+              <a:t>11/24/2013</a:t>
+            </a:fld>
+            <a:endParaRPr lang="en-US"/>
+          </a:p>
+        </p:txBody>
+      </p:sp>
+      <p:sp>
+        <p:nvSpPr>
+          <p:cNvPr id="8" name="Footer Placeholder 7"/>
+          <p:cNvSpPr>
+            <a:spLocks noGrp="1"/>
+          </p:cNvSpPr>
+          <p:nvPr>
+            <p:ph type="ftr" sz="quarter" idx="11"/>
           </p:nvPr>
         </p:nvSpPr>
         <p:spPr>
           <a:xfrm>
-            <a:off x="4645025" y="2174875"/>
-            <a:ext cx="4041775" cy="3951288"/>
+            <a:off x="457200" y="6480969"/>
+            <a:ext cx="4261104" cy="301752"/>
           </a:xfrm>
         </p:spPr>
         <p:txBody>
           <a:bodyPr/>
+          <a:lstStyle/>
+          <a:p>
+            <a:endParaRPr lang="en-US"/>
+          </a:p>
+        </p:txBody>
+      </p:sp>
+      <p:sp>
+        <p:nvSpPr>
+          <p:cNvPr id="9" name="Slide Number Placeholder 8"/>
+          <p:cNvSpPr>
+            <a:spLocks noGrp="1"/>
+          </p:cNvSpPr>
+          <p:nvPr>
+            <p:ph type="sldNum" sz="quarter" idx="12"/>
+          </p:nvPr>
+        </p:nvSpPr>
+        <p:spPr>
+          <a:xfrm>
+            <a:off x="7589520" y="6483096"/>
+            <a:ext cx="502920" cy="301752"/>
+          </a:xfrm>
+        </p:spPr>
+        <p:txBody>
+          <a:bodyPr/>
           <a:lstStyle>
-            <a:lvl1pPr>
-              <a:defRPr sz="2400"/>
+            <a:lvl1pPr algn="ctr">
+              <a:defRPr/>
             </a:lvl1pPr>
-            <a:lvl2pPr>
-              <a:defRPr sz="2000"/>
-            </a:lvl2pPr>
-            <a:lvl3pPr>
-              <a:defRPr sz="1800"/>
-            </a:lvl3pPr>
-            <a:lvl4pPr>
-              <a:defRPr sz="1600"/>
-            </a:lvl4pPr>
-            <a:lvl5pPr>
-              <a:defRPr sz="1600"/>
-            </a:lvl5pPr>
-            <a:lvl6pPr>
-              <a:defRPr sz="1600"/>
-            </a:lvl6pPr>
-            <a:lvl7pPr>
-              <a:defRPr sz="1600"/>
-            </a:lvl7pPr>
-            <a:lvl8pPr>
-              <a:defRPr sz="1600"/>
-            </a:lvl8pPr>
-            <a:lvl9pPr>
-              <a:defRPr sz="1600"/>
-            </a:lvl9pPr>
           </a:lstStyle>
-          <a:p>
-            <a:pPr lvl="0"/>
-            <a:r>
-              <a:rPr lang="en-US" smtClean="0"/>
-              <a:t>Click to edit Master text styles</a:t>
-            </a:r>
-          </a:p>
-          <a:p>
-            <a:pPr lvl="1"/>
-            <a:r>
-              <a:rPr lang="en-US" smtClean="0"/>
-              <a:t>Second level</a:t>
-            </a:r>
-          </a:p>
-          <a:p>
-            <a:pPr lvl="2"/>
-            <a:r>
-              <a:rPr lang="en-US" smtClean="0"/>
-              <a:t>Third level</a:t>
-            </a:r>
-          </a:p>
-          <a:p>
-            <a:pPr lvl="3"/>
-            <a:r>
-              <a:rPr lang="en-US" smtClean="0"/>
-              <a:t>Fourth level</a:t>
-            </a:r>
-          </a:p>
-          <a:p>
-            <a:pPr lvl="4"/>
-            <a:r>
-              <a:rPr lang="en-US" smtClean="0"/>
-              <a:t>Fifth level</a:t>
-            </a:r>
-            <a:endParaRPr lang="en-US"/>
-          </a:p>
-        </p:txBody>
-      </p:sp>
-      <p:sp>
-        <p:nvSpPr>
-          <p:cNvPr id="7" name="Date Placeholder 6"/>
-          <p:cNvSpPr>
-            <a:spLocks noGrp="1"/>
-          </p:cNvSpPr>
-          <p:nvPr>
-            <p:ph type="dt" sz="half" idx="10"/>
-          </p:nvPr>
-        </p:nvSpPr>
-        <p:spPr/>
-        <p:txBody>
-          <a:bodyPr/>
-          <a:lstStyle/>
-          <a:p>
-            <a:fld id="{9E10B1AF-3A17-40B4-A458-11D1DC92B649}" type="datetimeFigureOut">
-              <a:rPr lang="en-US" smtClean="0"/>
-              <a:t>11/22/2013</a:t>
-            </a:fld>
-            <a:endParaRPr lang="en-US"/>
-          </a:p>
-        </p:txBody>
-      </p:sp>
-      <p:sp>
-        <p:nvSpPr>
-          <p:cNvPr id="8" name="Footer Placeholder 7"/>
-          <p:cNvSpPr>
-            <a:spLocks noGrp="1"/>
-          </p:cNvSpPr>
-          <p:nvPr>
-            <p:ph type="ftr" sz="quarter" idx="11"/>
-          </p:nvPr>
-        </p:nvSpPr>
-        <p:spPr/>
-        <p:txBody>
-          <a:bodyPr/>
-          <a:lstStyle/>
-          <a:p>
-            <a:endParaRPr lang="en-US"/>
-          </a:p>
-        </p:txBody>
-      </p:sp>
-      <p:sp>
-        <p:nvSpPr>
-          <p:cNvPr id="9" name="Slide Number Placeholder 8"/>
-          <p:cNvSpPr>
-            <a:spLocks noGrp="1"/>
-          </p:cNvSpPr>
-          <p:nvPr>
-            <p:ph type="sldNum" sz="quarter" idx="12"/>
-          </p:nvPr>
-        </p:nvSpPr>
-        <p:spPr/>
-        <p:txBody>
-          <a:bodyPr/>
-          <a:lstStyle/>
           <a:p>
             <a:fld id="{F7DED178-A9AE-47F8-834D-09987CB050FC}" type="slidenum">
               <a:rPr lang="en-US" smtClean="0"/>
@@ -2354,14 +3643,9 @@
         </p:txBody>
       </p:sp>
     </p:spTree>
-    <p:extLst>
-      <p:ext uri="{BB962C8B-B14F-4D97-AF65-F5344CB8AC3E}">
-        <p14:creationId xmlns:p14="http://schemas.microsoft.com/office/powerpoint/2010/main" val="1491467050"/>
-      </p:ext>
-    </p:extLst>
   </p:cSld>
   <p:clrMapOvr>
-    <a:masterClrMapping/>
+    <a:overrideClrMapping bg1="dk1" tx1="lt1" bg2="dk2" tx2="lt2" accent1="accent1" accent2="accent2" accent3="accent3" accent4="accent4" accent5="accent5" accent6="accent6" hlink="hlink" folHlink="folHlink"/>
   </p:clrMapOvr>
 </p:sldLayout>
 </file>
@@ -2396,13 +3680,17 @@
         <p:spPr/>
         <p:txBody>
           <a:bodyPr/>
-          <a:lstStyle/>
-          <a:p>
-            <a:r>
-              <a:rPr lang="en-US" smtClean="0"/>
+          <a:lstStyle>
+            <a:lvl1pPr>
+              <a:defRPr b="0"/>
+            </a:lvl1pPr>
+          </a:lstStyle>
+          <a:p>
+            <a:r>
+              <a:rPr kumimoji="0" lang="en-US" smtClean="0"/>
               <a:t>Click to edit Master title style</a:t>
             </a:r>
-            <a:endParaRPr lang="en-US"/>
+            <a:endParaRPr kumimoji="0" lang="en-US"/>
           </a:p>
         </p:txBody>
       </p:sp>
@@ -2423,7 +3711,7 @@
           <a:p>
             <a:fld id="{9E10B1AF-3A17-40B4-A458-11D1DC92B649}" type="datetimeFigureOut">
               <a:rPr lang="en-US" smtClean="0"/>
-              <a:t>11/22/2013</a:t>
+              <a:t>11/24/2013</a:t>
             </a:fld>
             <a:endParaRPr lang="en-US"/>
           </a:p>
@@ -2472,11 +3760,6 @@
         </p:txBody>
       </p:sp>
     </p:spTree>
-    <p:extLst>
-      <p:ext uri="{BB962C8B-B14F-4D97-AF65-F5344CB8AC3E}">
-        <p14:creationId xmlns:p14="http://schemas.microsoft.com/office/powerpoint/2010/main" val="713489679"/>
-      </p:ext>
-    </p:extLst>
   </p:cSld>
   <p:clrMapOvr>
     <a:masterClrMapping/>
@@ -2511,14 +3794,19 @@
             <p:ph type="dt" sz="half" idx="10"/>
           </p:nvPr>
         </p:nvSpPr>
-        <p:spPr/>
+        <p:spPr>
+          <a:xfrm>
+            <a:off x="4791456" y="6480969"/>
+            <a:ext cx="2133600" cy="301752"/>
+          </a:xfrm>
+        </p:spPr>
         <p:txBody>
           <a:bodyPr/>
           <a:lstStyle/>
           <a:p>
             <a:fld id="{9E10B1AF-3A17-40B4-A458-11D1DC92B649}" type="datetimeFigureOut">
               <a:rPr lang="en-US" smtClean="0"/>
-              <a:t>11/22/2013</a:t>
+              <a:t>11/24/2013</a:t>
             </a:fld>
             <a:endParaRPr lang="en-US"/>
           </a:p>
@@ -2534,7 +3822,12 @@
             <p:ph type="ftr" sz="quarter" idx="11"/>
           </p:nvPr>
         </p:nvSpPr>
-        <p:spPr/>
+        <p:spPr>
+          <a:xfrm>
+            <a:off x="457200" y="6481890"/>
+            <a:ext cx="4260056" cy="300831"/>
+          </a:xfrm>
+        </p:spPr>
         <p:txBody>
           <a:bodyPr/>
           <a:lstStyle/>
@@ -2553,7 +3846,12 @@
             <p:ph type="sldNum" sz="quarter" idx="12"/>
           </p:nvPr>
         </p:nvSpPr>
-        <p:spPr/>
+        <p:spPr>
+          <a:xfrm>
+            <a:off x="7589520" y="6480969"/>
+            <a:ext cx="502920" cy="301752"/>
+          </a:xfrm>
+        </p:spPr>
         <p:txBody>
           <a:bodyPr/>
           <a:lstStyle/>
@@ -2567,11 +3865,6 @@
         </p:txBody>
       </p:sp>
     </p:spTree>
-    <p:extLst>
-      <p:ext uri="{BB962C8B-B14F-4D97-AF65-F5344CB8AC3E}">
-        <p14:creationId xmlns:p14="http://schemas.microsoft.com/office/powerpoint/2010/main" val="1688205636"/>
-      </p:ext>
-    </p:extLst>
   </p:cSld>
   <p:clrMapOvr>
     <a:masterClrMapping/>
@@ -2580,8 +3873,13 @@
 </file>
 
 <file path=ppt/slideLayouts/slideLayout8.xml><?xml version="1.0" encoding="utf-8"?>
-<p:sldLayout xmlns:a="http://schemas.openxmlformats.org/drawingml/2006/main" xmlns:r="http://schemas.openxmlformats.org/officeDocument/2006/relationships" xmlns:p="http://schemas.openxmlformats.org/presentationml/2006/main" type="objTx" preserve="1">
+<p:sldLayout xmlns:a="http://schemas.openxmlformats.org/drawingml/2006/main" xmlns:r="http://schemas.openxmlformats.org/officeDocument/2006/relationships" xmlns:p="http://schemas.openxmlformats.org/presentationml/2006/main" showMasterSp="0" type="objTx" preserve="1">
   <p:cSld name="Content with Caption">
+    <p:bg>
+      <p:bgRef idx="1002">
+        <a:schemeClr val="bg2"/>
+      </p:bgRef>
+    </p:bg>
     <p:spTree>
       <p:nvGrpSpPr>
         <p:cNvPr id="1" name=""/>
@@ -2608,50 +3906,109 @@
         </p:nvSpPr>
         <p:spPr>
           <a:xfrm>
-            <a:off x="457200" y="273050"/>
-            <a:ext cx="3008313" cy="1162050"/>
+            <a:off x="219456" y="367664"/>
+            <a:ext cx="914400" cy="5943600"/>
           </a:xfrm>
         </p:spPr>
         <p:txBody>
-          <a:bodyPr anchor="b"/>
+          <a:bodyPr vert="vert270" anchor="b"/>
           <a:lstStyle>
-            <a:lvl1pPr algn="l">
-              <a:defRPr sz="2000" b="1"/>
+            <a:lvl1pPr marL="0" marR="18288" algn="r">
+              <a:spcBef>
+                <a:spcPts val="0"/>
+              </a:spcBef>
+              <a:buNone/>
+              <a:defRPr sz="2900" b="0" cap="all" baseline="0"/>
             </a:lvl1pPr>
           </a:lstStyle>
           <a:p>
             <a:r>
-              <a:rPr lang="en-US" smtClean="0"/>
+              <a:rPr kumimoji="0" lang="en-US" smtClean="0"/>
               <a:t>Click to edit Master title style</a:t>
             </a:r>
-            <a:endParaRPr lang="en-US"/>
-          </a:p>
-        </p:txBody>
-      </p:sp>
-      <p:sp>
-        <p:nvSpPr>
-          <p:cNvPr id="3" name="Content Placeholder 2"/>
-          <p:cNvSpPr>
-            <a:spLocks noGrp="1"/>
-          </p:cNvSpPr>
-          <p:nvPr>
-            <p:ph idx="1"/>
+            <a:endParaRPr kumimoji="0" lang="en-US"/>
+          </a:p>
+        </p:txBody>
+      </p:sp>
+      <p:sp>
+        <p:nvSpPr>
+          <p:cNvPr id="3" name="Text Placeholder 2"/>
+          <p:cNvSpPr>
+            <a:spLocks noGrp="1"/>
+          </p:cNvSpPr>
+          <p:nvPr>
+            <p:ph type="body" idx="2"/>
           </p:nvPr>
         </p:nvSpPr>
         <p:spPr>
           <a:xfrm>
-            <a:off x="3575050" y="273050"/>
-            <a:ext cx="5111750" cy="5853113"/>
+            <a:off x="1135856" y="367664"/>
+            <a:ext cx="2438400" cy="5943600"/>
           </a:xfrm>
         </p:spPr>
         <p:txBody>
+          <a:bodyPr anchor="t"/>
+          <a:lstStyle>
+            <a:lvl1pPr marL="0" indent="0">
+              <a:spcBef>
+                <a:spcPts val="0"/>
+              </a:spcBef>
+              <a:buNone/>
+              <a:defRPr sz="1400"/>
+            </a:lvl1pPr>
+            <a:lvl2pPr>
+              <a:buNone/>
+              <a:defRPr sz="1200"/>
+            </a:lvl2pPr>
+            <a:lvl3pPr>
+              <a:buNone/>
+              <a:defRPr sz="1000"/>
+            </a:lvl3pPr>
+            <a:lvl4pPr>
+              <a:buNone/>
+              <a:defRPr sz="900"/>
+            </a:lvl4pPr>
+            <a:lvl5pPr>
+              <a:buNone/>
+              <a:defRPr sz="900"/>
+            </a:lvl5pPr>
+          </a:lstStyle>
+          <a:p>
+            <a:pPr lvl="0" eaLnBrk="1" latinLnBrk="0" hangingPunct="1"/>
+            <a:r>
+              <a:rPr kumimoji="0" lang="en-US" smtClean="0"/>
+              <a:t>Click to edit Master text styles</a:t>
+            </a:r>
+          </a:p>
+        </p:txBody>
+      </p:sp>
+      <p:sp>
+        <p:nvSpPr>
+          <p:cNvPr id="4" name="Content Placeholder 3"/>
+          <p:cNvSpPr>
+            <a:spLocks noGrp="1"/>
+          </p:cNvSpPr>
+          <p:nvPr>
+            <p:ph sz="half" idx="1"/>
+          </p:nvPr>
+        </p:nvSpPr>
+        <p:spPr>
+          <a:xfrm>
+            <a:off x="3651250" y="320040"/>
+            <a:ext cx="5276088" cy="5989320"/>
+          </a:xfrm>
+        </p:spPr>
+        <p:txBody>
           <a:bodyPr/>
           <a:lstStyle>
             <a:lvl1pPr>
-              <a:defRPr sz="3200"/>
+              <a:spcBef>
+                <a:spcPts val="0"/>
+              </a:spcBef>
+              <a:defRPr sz="3000"/>
             </a:lvl1pPr>
             <a:lvl2pPr>
-              <a:defRPr sz="2800"/>
+              <a:defRPr sz="2600"/>
             </a:lvl2pPr>
             <a:lvl3pPr>
               <a:defRPr sz="2400"/>
@@ -2662,140 +4019,72 @@
             <a:lvl5pPr>
               <a:defRPr sz="2000"/>
             </a:lvl5pPr>
-            <a:lvl6pPr>
-              <a:defRPr sz="2000"/>
-            </a:lvl6pPr>
-            <a:lvl7pPr>
-              <a:defRPr sz="2000"/>
-            </a:lvl7pPr>
-            <a:lvl8pPr>
-              <a:defRPr sz="2000"/>
-            </a:lvl8pPr>
-            <a:lvl9pPr>
-              <a:defRPr sz="2000"/>
-            </a:lvl9pPr>
           </a:lstStyle>
           <a:p>
-            <a:pPr lvl="0"/>
+            <a:pPr lvl="0" eaLnBrk="1" latinLnBrk="0" hangingPunct="1"/>
             <a:r>
               <a:rPr lang="en-US" smtClean="0"/>
               <a:t>Click to edit Master text styles</a:t>
             </a:r>
           </a:p>
           <a:p>
-            <a:pPr lvl="1"/>
+            <a:pPr lvl="1" eaLnBrk="1" latinLnBrk="0" hangingPunct="1"/>
             <a:r>
               <a:rPr lang="en-US" smtClean="0"/>
               <a:t>Second level</a:t>
             </a:r>
           </a:p>
           <a:p>
-            <a:pPr lvl="2"/>
+            <a:pPr lvl="2" eaLnBrk="1" latinLnBrk="0" hangingPunct="1"/>
             <a:r>
               <a:rPr lang="en-US" smtClean="0"/>
               <a:t>Third level</a:t>
             </a:r>
           </a:p>
           <a:p>
-            <a:pPr lvl="3"/>
+            <a:pPr lvl="3" eaLnBrk="1" latinLnBrk="0" hangingPunct="1"/>
             <a:r>
               <a:rPr lang="en-US" smtClean="0"/>
               <a:t>Fourth level</a:t>
             </a:r>
           </a:p>
           <a:p>
-            <a:pPr lvl="4"/>
+            <a:pPr lvl="4" eaLnBrk="1" latinLnBrk="0" hangingPunct="1"/>
             <a:r>
               <a:rPr lang="en-US" smtClean="0"/>
               <a:t>Fifth level</a:t>
             </a:r>
-            <a:endParaRPr lang="en-US"/>
-          </a:p>
-        </p:txBody>
-      </p:sp>
-      <p:sp>
-        <p:nvSpPr>
-          <p:cNvPr id="4" name="Text Placeholder 3"/>
-          <p:cNvSpPr>
-            <a:spLocks noGrp="1"/>
-          </p:cNvSpPr>
-          <p:nvPr>
-            <p:ph type="body" sz="half" idx="2"/>
+            <a:endParaRPr kumimoji="0" lang="en-US"/>
+          </a:p>
+        </p:txBody>
+      </p:sp>
+      <p:sp>
+        <p:nvSpPr>
+          <p:cNvPr id="5" name="Date Placeholder 4"/>
+          <p:cNvSpPr>
+            <a:spLocks noGrp="1"/>
+          </p:cNvSpPr>
+          <p:nvPr>
+            <p:ph type="dt" sz="half" idx="10"/>
           </p:nvPr>
         </p:nvSpPr>
         <p:spPr>
           <a:xfrm>
-            <a:off x="457200" y="1435100"/>
-            <a:ext cx="3008313" cy="4691063"/>
+            <a:off x="6278976" y="6556248"/>
+            <a:ext cx="2133600" cy="301752"/>
           </a:xfrm>
         </p:spPr>
         <p:txBody>
           <a:bodyPr/>
           <a:lstStyle>
-            <a:lvl1pPr marL="0" indent="0">
-              <a:buNone/>
-              <a:defRPr sz="1400"/>
+            <a:lvl1pPr>
+              <a:defRPr sz="900"/>
             </a:lvl1pPr>
-            <a:lvl2pPr marL="457200" indent="0">
-              <a:buNone/>
-              <a:defRPr sz="1200"/>
-            </a:lvl2pPr>
-            <a:lvl3pPr marL="914400" indent="0">
-              <a:buNone/>
-              <a:defRPr sz="1000"/>
-            </a:lvl3pPr>
-            <a:lvl4pPr marL="1371600" indent="0">
-              <a:buNone/>
-              <a:defRPr sz="900"/>
-            </a:lvl4pPr>
-            <a:lvl5pPr marL="1828800" indent="0">
-              <a:buNone/>
-              <a:defRPr sz="900"/>
-            </a:lvl5pPr>
-            <a:lvl6pPr marL="2286000" indent="0">
-              <a:buNone/>
-              <a:defRPr sz="900"/>
-            </a:lvl6pPr>
-            <a:lvl7pPr marL="2743200" indent="0">
-              <a:buNone/>
-              <a:defRPr sz="900"/>
-            </a:lvl7pPr>
-            <a:lvl8pPr marL="3200400" indent="0">
-              <a:buNone/>
-              <a:defRPr sz="900"/>
-            </a:lvl8pPr>
-            <a:lvl9pPr marL="3657600" indent="0">
-              <a:buNone/>
-              <a:defRPr sz="900"/>
-            </a:lvl9pPr>
           </a:lstStyle>
           <a:p>
-            <a:pPr lvl="0"/>
-            <a:r>
-              <a:rPr lang="en-US" smtClean="0"/>
-              <a:t>Click to edit Master text styles</a:t>
-            </a:r>
-          </a:p>
-        </p:txBody>
-      </p:sp>
-      <p:sp>
-        <p:nvSpPr>
-          <p:cNvPr id="5" name="Date Placeholder 4"/>
-          <p:cNvSpPr>
-            <a:spLocks noGrp="1"/>
-          </p:cNvSpPr>
-          <p:nvPr>
-            <p:ph type="dt" sz="half" idx="10"/>
-          </p:nvPr>
-        </p:nvSpPr>
-        <p:spPr/>
-        <p:txBody>
-          <a:bodyPr/>
-          <a:lstStyle/>
-          <a:p>
             <a:fld id="{9E10B1AF-3A17-40B4-A458-11D1DC92B649}" type="datetimeFigureOut">
               <a:rPr lang="en-US" smtClean="0"/>
-              <a:t>11/22/2013</a:t>
+              <a:t>11/24/2013</a:t>
             </a:fld>
             <a:endParaRPr lang="en-US"/>
           </a:p>
@@ -2811,10 +4100,19 @@
             <p:ph type="ftr" sz="quarter" idx="11"/>
           </p:nvPr>
         </p:nvSpPr>
-        <p:spPr/>
-        <p:txBody>
-          <a:bodyPr/>
-          <a:lstStyle/>
+        <p:spPr>
+          <a:xfrm>
+            <a:off x="1135856" y="6556248"/>
+            <a:ext cx="5143120" cy="301752"/>
+          </a:xfrm>
+        </p:spPr>
+        <p:txBody>
+          <a:bodyPr/>
+          <a:lstStyle>
+            <a:lvl1pPr>
+              <a:defRPr sz="900"/>
+            </a:lvl1pPr>
+          </a:lstStyle>
           <a:p>
             <a:endParaRPr lang="en-US"/>
           </a:p>
@@ -2830,10 +4128,19 @@
             <p:ph type="sldNum" sz="quarter" idx="12"/>
           </p:nvPr>
         </p:nvSpPr>
-        <p:spPr/>
-        <p:txBody>
-          <a:bodyPr/>
-          <a:lstStyle/>
+        <p:spPr>
+          <a:xfrm>
+            <a:off x="8410576" y="6556248"/>
+            <a:ext cx="502920" cy="301752"/>
+          </a:xfrm>
+        </p:spPr>
+        <p:txBody>
+          <a:bodyPr/>
+          <a:lstStyle>
+            <a:lvl1pPr>
+              <a:defRPr sz="900"/>
+            </a:lvl1pPr>
+          </a:lstStyle>
           <a:p>
             <a:fld id="{F7DED178-A9AE-47F8-834D-09987CB050FC}" type="slidenum">
               <a:rPr lang="en-US" smtClean="0"/>
@@ -2844,276 +4151,18 @@
         </p:txBody>
       </p:sp>
     </p:spTree>
-    <p:extLst>
-      <p:ext uri="{BB962C8B-B14F-4D97-AF65-F5344CB8AC3E}">
-        <p14:creationId xmlns:p14="http://schemas.microsoft.com/office/powerpoint/2010/main" val="2675336549"/>
-      </p:ext>
-    </p:extLst>
   </p:cSld>
   <p:clrMapOvr>
-    <a:masterClrMapping/>
+    <a:overrideClrMapping bg1="dk1" tx1="lt1" bg2="dk2" tx2="lt2" accent1="accent1" accent2="accent2" accent3="accent3" accent4="accent4" accent5="accent5" accent6="accent6" hlink="hlink" folHlink="folHlink"/>
   </p:clrMapOvr>
 </p:sldLayout>
 </file>
 
 <file path=ppt/slideLayouts/slideLayout9.xml><?xml version="1.0" encoding="utf-8"?>
-<p:sldLayout xmlns:a="http://schemas.openxmlformats.org/drawingml/2006/main" xmlns:r="http://schemas.openxmlformats.org/officeDocument/2006/relationships" xmlns:p="http://schemas.openxmlformats.org/presentationml/2006/main" type="picTx" preserve="1">
+<p:sldLayout xmlns:a="http://schemas.openxmlformats.org/drawingml/2006/main" xmlns:r="http://schemas.openxmlformats.org/officeDocument/2006/relationships" xmlns:p="http://schemas.openxmlformats.org/presentationml/2006/main" showMasterSp="0" type="picTx" preserve="1">
   <p:cSld name="Picture with Caption">
-    <p:spTree>
-      <p:nvGrpSpPr>
-        <p:cNvPr id="1" name=""/>
-        <p:cNvGrpSpPr/>
-        <p:nvPr/>
-      </p:nvGrpSpPr>
-      <p:grpSpPr>
-        <a:xfrm>
-          <a:off x="0" y="0"/>
-          <a:ext cx="0" cy="0"/>
-          <a:chOff x="0" y="0"/>
-          <a:chExt cx="0" cy="0"/>
-        </a:xfrm>
-      </p:grpSpPr>
-      <p:sp>
-        <p:nvSpPr>
-          <p:cNvPr id="2" name="Title 1"/>
-          <p:cNvSpPr>
-            <a:spLocks noGrp="1"/>
-          </p:cNvSpPr>
-          <p:nvPr>
-            <p:ph type="title"/>
-          </p:nvPr>
-        </p:nvSpPr>
-        <p:spPr>
-          <a:xfrm>
-            <a:off x="1792288" y="4800600"/>
-            <a:ext cx="5486400" cy="566738"/>
-          </a:xfrm>
-        </p:spPr>
-        <p:txBody>
-          <a:bodyPr anchor="b"/>
-          <a:lstStyle>
-            <a:lvl1pPr algn="l">
-              <a:defRPr sz="2000" b="1"/>
-            </a:lvl1pPr>
-          </a:lstStyle>
-          <a:p>
-            <a:r>
-              <a:rPr lang="en-US" smtClean="0"/>
-              <a:t>Click to edit Master title style</a:t>
-            </a:r>
-            <a:endParaRPr lang="en-US"/>
-          </a:p>
-        </p:txBody>
-      </p:sp>
-      <p:sp>
-        <p:nvSpPr>
-          <p:cNvPr id="3" name="Picture Placeholder 2"/>
-          <p:cNvSpPr>
-            <a:spLocks noGrp="1"/>
-          </p:cNvSpPr>
-          <p:nvPr>
-            <p:ph type="pic" idx="1"/>
-          </p:nvPr>
-        </p:nvSpPr>
-        <p:spPr>
-          <a:xfrm>
-            <a:off x="1792288" y="612775"/>
-            <a:ext cx="5486400" cy="4114800"/>
-          </a:xfrm>
-        </p:spPr>
-        <p:txBody>
-          <a:bodyPr/>
-          <a:lstStyle>
-            <a:lvl1pPr marL="0" indent="0">
-              <a:buNone/>
-              <a:defRPr sz="3200"/>
-            </a:lvl1pPr>
-            <a:lvl2pPr marL="457200" indent="0">
-              <a:buNone/>
-              <a:defRPr sz="2800"/>
-            </a:lvl2pPr>
-            <a:lvl3pPr marL="914400" indent="0">
-              <a:buNone/>
-              <a:defRPr sz="2400"/>
-            </a:lvl3pPr>
-            <a:lvl4pPr marL="1371600" indent="0">
-              <a:buNone/>
-              <a:defRPr sz="2000"/>
-            </a:lvl4pPr>
-            <a:lvl5pPr marL="1828800" indent="0">
-              <a:buNone/>
-              <a:defRPr sz="2000"/>
-            </a:lvl5pPr>
-            <a:lvl6pPr marL="2286000" indent="0">
-              <a:buNone/>
-              <a:defRPr sz="2000"/>
-            </a:lvl6pPr>
-            <a:lvl7pPr marL="2743200" indent="0">
-              <a:buNone/>
-              <a:defRPr sz="2000"/>
-            </a:lvl7pPr>
-            <a:lvl8pPr marL="3200400" indent="0">
-              <a:buNone/>
-              <a:defRPr sz="2000"/>
-            </a:lvl8pPr>
-            <a:lvl9pPr marL="3657600" indent="0">
-              <a:buNone/>
-              <a:defRPr sz="2000"/>
-            </a:lvl9pPr>
-          </a:lstStyle>
-          <a:p>
-            <a:endParaRPr lang="en-US"/>
-          </a:p>
-        </p:txBody>
-      </p:sp>
-      <p:sp>
-        <p:nvSpPr>
-          <p:cNvPr id="4" name="Text Placeholder 3"/>
-          <p:cNvSpPr>
-            <a:spLocks noGrp="1"/>
-          </p:cNvSpPr>
-          <p:nvPr>
-            <p:ph type="body" sz="half" idx="2"/>
-          </p:nvPr>
-        </p:nvSpPr>
-        <p:spPr>
-          <a:xfrm>
-            <a:off x="1792288" y="5367338"/>
-            <a:ext cx="5486400" cy="804862"/>
-          </a:xfrm>
-        </p:spPr>
-        <p:txBody>
-          <a:bodyPr/>
-          <a:lstStyle>
-            <a:lvl1pPr marL="0" indent="0">
-              <a:buNone/>
-              <a:defRPr sz="1400"/>
-            </a:lvl1pPr>
-            <a:lvl2pPr marL="457200" indent="0">
-              <a:buNone/>
-              <a:defRPr sz="1200"/>
-            </a:lvl2pPr>
-            <a:lvl3pPr marL="914400" indent="0">
-              <a:buNone/>
-              <a:defRPr sz="1000"/>
-            </a:lvl3pPr>
-            <a:lvl4pPr marL="1371600" indent="0">
-              <a:buNone/>
-              <a:defRPr sz="900"/>
-            </a:lvl4pPr>
-            <a:lvl5pPr marL="1828800" indent="0">
-              <a:buNone/>
-              <a:defRPr sz="900"/>
-            </a:lvl5pPr>
-            <a:lvl6pPr marL="2286000" indent="0">
-              <a:buNone/>
-              <a:defRPr sz="900"/>
-            </a:lvl6pPr>
-            <a:lvl7pPr marL="2743200" indent="0">
-              <a:buNone/>
-              <a:defRPr sz="900"/>
-            </a:lvl7pPr>
-            <a:lvl8pPr marL="3200400" indent="0">
-              <a:buNone/>
-              <a:defRPr sz="900"/>
-            </a:lvl8pPr>
-            <a:lvl9pPr marL="3657600" indent="0">
-              <a:buNone/>
-              <a:defRPr sz="900"/>
-            </a:lvl9pPr>
-          </a:lstStyle>
-          <a:p>
-            <a:pPr lvl="0"/>
-            <a:r>
-              <a:rPr lang="en-US" smtClean="0"/>
-              <a:t>Click to edit Master text styles</a:t>
-            </a:r>
-          </a:p>
-        </p:txBody>
-      </p:sp>
-      <p:sp>
-        <p:nvSpPr>
-          <p:cNvPr id="5" name="Date Placeholder 4"/>
-          <p:cNvSpPr>
-            <a:spLocks noGrp="1"/>
-          </p:cNvSpPr>
-          <p:nvPr>
-            <p:ph type="dt" sz="half" idx="10"/>
-          </p:nvPr>
-        </p:nvSpPr>
-        <p:spPr/>
-        <p:txBody>
-          <a:bodyPr/>
-          <a:lstStyle/>
-          <a:p>
-            <a:fld id="{9E10B1AF-3A17-40B4-A458-11D1DC92B649}" type="datetimeFigureOut">
-              <a:rPr lang="en-US" smtClean="0"/>
-              <a:t>11/22/2013</a:t>
-            </a:fld>
-            <a:endParaRPr lang="en-US"/>
-          </a:p>
-        </p:txBody>
-      </p:sp>
-      <p:sp>
-        <p:nvSpPr>
-          <p:cNvPr id="6" name="Footer Placeholder 5"/>
-          <p:cNvSpPr>
-            <a:spLocks noGrp="1"/>
-          </p:cNvSpPr>
-          <p:nvPr>
-            <p:ph type="ftr" sz="quarter" idx="11"/>
-          </p:nvPr>
-        </p:nvSpPr>
-        <p:spPr/>
-        <p:txBody>
-          <a:bodyPr/>
-          <a:lstStyle/>
-          <a:p>
-            <a:endParaRPr lang="en-US"/>
-          </a:p>
-        </p:txBody>
-      </p:sp>
-      <p:sp>
-        <p:nvSpPr>
-          <p:cNvPr id="7" name="Slide Number Placeholder 6"/>
-          <p:cNvSpPr>
-            <a:spLocks noGrp="1"/>
-          </p:cNvSpPr>
-          <p:nvPr>
-            <p:ph type="sldNum" sz="quarter" idx="12"/>
-          </p:nvPr>
-        </p:nvSpPr>
-        <p:spPr/>
-        <p:txBody>
-          <a:bodyPr/>
-          <a:lstStyle/>
-          <a:p>
-            <a:fld id="{F7DED178-A9AE-47F8-834D-09987CB050FC}" type="slidenum">
-              <a:rPr lang="en-US" smtClean="0"/>
-              <a:t>‹#›</a:t>
-            </a:fld>
-            <a:endParaRPr lang="en-US"/>
-          </a:p>
-        </p:txBody>
-      </p:sp>
-    </p:spTree>
-    <p:extLst>
-      <p:ext uri="{BB962C8B-B14F-4D97-AF65-F5344CB8AC3E}">
-        <p14:creationId xmlns:p14="http://schemas.microsoft.com/office/powerpoint/2010/main" val="2368485418"/>
-      </p:ext>
-    </p:extLst>
-  </p:cSld>
-  <p:clrMapOvr>
-    <a:masterClrMapping/>
-  </p:clrMapOvr>
-</p:sldLayout>
-</file>
-
-<file path=ppt/slideMasters/slideMaster1.xml><?xml version="1.0" encoding="utf-8"?>
-<p:sldMaster xmlns:a="http://schemas.openxmlformats.org/drawingml/2006/main" xmlns:r="http://schemas.openxmlformats.org/officeDocument/2006/relationships" xmlns:p="http://schemas.openxmlformats.org/presentationml/2006/main">
-  <p:cSld>
     <p:bg>
-      <p:bgRef idx="1001">
+      <p:bgRef idx="1002">
         <a:schemeClr val="bg1"/>
       </p:bgRef>
     </p:bg>
@@ -3133,7 +4182,7 @@
       </p:grpSpPr>
       <p:sp>
         <p:nvSpPr>
-          <p:cNvPr id="2" name="Title Placeholder 1"/>
+          <p:cNvPr id="2" name="Title 1"/>
           <p:cNvSpPr>
             <a:spLocks noGrp="1"/>
           </p:cNvSpPr>
@@ -3143,30 +4192,430 @@
         </p:nvSpPr>
         <p:spPr>
           <a:xfrm>
-            <a:off x="457200" y="274638"/>
-            <a:ext cx="8229600" cy="1143000"/>
+            <a:off x="219456" y="150896"/>
+            <a:ext cx="914400" cy="6400800"/>
+          </a:xfrm>
+        </p:spPr>
+        <p:txBody>
+          <a:bodyPr vert="vert270" anchor="b"/>
+          <a:lstStyle>
+            <a:lvl1pPr marL="0" algn="l">
+              <a:buNone/>
+              <a:defRPr sz="3000" b="0" cap="all" baseline="0"/>
+            </a:lvl1pPr>
+          </a:lstStyle>
+          <a:p>
+            <a:r>
+              <a:rPr kumimoji="0" lang="en-US" smtClean="0"/>
+              <a:t>Click to edit Master title style</a:t>
+            </a:r>
+            <a:endParaRPr kumimoji="0" lang="en-US"/>
+          </a:p>
+        </p:txBody>
+      </p:sp>
+      <p:sp>
+        <p:nvSpPr>
+          <p:cNvPr id="3" name="Picture Placeholder 2"/>
+          <p:cNvSpPr>
+            <a:spLocks noGrp="1"/>
+          </p:cNvSpPr>
+          <p:nvPr>
+            <p:ph type="pic" idx="1"/>
+          </p:nvPr>
+        </p:nvSpPr>
+        <p:spPr>
+          <a:xfrm>
+            <a:off x="1138237" y="373966"/>
+            <a:ext cx="7333488" cy="5486400"/>
+          </a:xfrm>
+          <a:solidFill>
+            <a:schemeClr val="bg2">
+              <a:shade val="50000"/>
+            </a:schemeClr>
+          </a:solidFill>
+        </p:spPr>
+        <p:txBody>
+          <a:bodyPr/>
+          <a:lstStyle>
+            <a:lvl1pPr marL="0" indent="0">
+              <a:buNone/>
+              <a:defRPr sz="3200"/>
+            </a:lvl1pPr>
+          </a:lstStyle>
+          <a:p>
+            <a:r>
+              <a:rPr kumimoji="0" lang="en-US" smtClean="0"/>
+              <a:t>Click icon to add picture</a:t>
+            </a:r>
+            <a:endParaRPr kumimoji="0" lang="en-US" dirty="0"/>
+          </a:p>
+        </p:txBody>
+      </p:sp>
+      <p:sp>
+        <p:nvSpPr>
+          <p:cNvPr id="4" name="Text Placeholder 3"/>
+          <p:cNvSpPr>
+            <a:spLocks noGrp="1"/>
+          </p:cNvSpPr>
+          <p:nvPr>
+            <p:ph type="body" sz="half" idx="2"/>
+          </p:nvPr>
+        </p:nvSpPr>
+        <p:spPr>
+          <a:xfrm>
+            <a:off x="1143000" y="5867400"/>
+            <a:ext cx="7333488" cy="685800"/>
+          </a:xfrm>
+          <a:solidFill>
+            <a:schemeClr val="accent1">
+              <a:alpha val="15000"/>
+            </a:schemeClr>
+          </a:solidFill>
+          <a:ln>
+            <a:solidFill>
+              <a:schemeClr val="accent1"/>
+            </a:solidFill>
+            <a:miter lim="800000"/>
+          </a:ln>
+        </p:spPr>
+        <p:txBody>
+          <a:bodyPr/>
+          <a:lstStyle>
+            <a:lvl1pPr marL="0" indent="0">
+              <a:spcBef>
+                <a:spcPts val="0"/>
+              </a:spcBef>
+              <a:buNone/>
+              <a:defRPr sz="1400"/>
+            </a:lvl1pPr>
+            <a:lvl2pPr>
+              <a:defRPr sz="1200"/>
+            </a:lvl2pPr>
+            <a:lvl3pPr>
+              <a:defRPr sz="1000"/>
+            </a:lvl3pPr>
+            <a:lvl4pPr>
+              <a:defRPr sz="900"/>
+            </a:lvl4pPr>
+            <a:lvl5pPr>
+              <a:defRPr sz="900"/>
+            </a:lvl5pPr>
+          </a:lstStyle>
+          <a:p>
+            <a:pPr lvl="0" eaLnBrk="1" latinLnBrk="0" hangingPunct="1"/>
+            <a:r>
+              <a:rPr kumimoji="0" lang="en-US" smtClean="0"/>
+              <a:t>Click to edit Master text styles</a:t>
+            </a:r>
+          </a:p>
+        </p:txBody>
+      </p:sp>
+      <p:sp>
+        <p:nvSpPr>
+          <p:cNvPr id="5" name="Date Placeholder 4"/>
+          <p:cNvSpPr>
+            <a:spLocks noGrp="1"/>
+          </p:cNvSpPr>
+          <p:nvPr>
+            <p:ph type="dt" sz="half" idx="10"/>
+          </p:nvPr>
+        </p:nvSpPr>
+        <p:spPr>
+          <a:xfrm>
+            <a:off x="6108192" y="6556248"/>
+            <a:ext cx="2103120" cy="301752"/>
+          </a:xfrm>
+        </p:spPr>
+        <p:txBody>
+          <a:bodyPr/>
+          <a:lstStyle>
+            <a:lvl1pPr>
+              <a:defRPr sz="900"/>
+            </a:lvl1pPr>
+          </a:lstStyle>
+          <a:p>
+            <a:fld id="{9E10B1AF-3A17-40B4-A458-11D1DC92B649}" type="datetimeFigureOut">
+              <a:rPr lang="en-US" smtClean="0"/>
+              <a:t>11/24/2013</a:t>
+            </a:fld>
+            <a:endParaRPr lang="en-US"/>
+          </a:p>
+        </p:txBody>
+      </p:sp>
+      <p:sp>
+        <p:nvSpPr>
+          <p:cNvPr id="6" name="Footer Placeholder 5"/>
+          <p:cNvSpPr>
+            <a:spLocks noGrp="1"/>
+          </p:cNvSpPr>
+          <p:nvPr>
+            <p:ph type="ftr" sz="quarter" idx="11"/>
+          </p:nvPr>
+        </p:nvSpPr>
+        <p:spPr>
+          <a:xfrm>
+            <a:off x="1170432" y="6557169"/>
+            <a:ext cx="4948072" cy="301752"/>
+          </a:xfrm>
+        </p:spPr>
+        <p:txBody>
+          <a:bodyPr/>
+          <a:lstStyle>
+            <a:lvl1pPr>
+              <a:defRPr sz="900"/>
+            </a:lvl1pPr>
+          </a:lstStyle>
+          <a:p>
+            <a:endParaRPr lang="en-US"/>
+          </a:p>
+        </p:txBody>
+      </p:sp>
+      <p:sp>
+        <p:nvSpPr>
+          <p:cNvPr id="7" name="Slide Number Placeholder 6"/>
+          <p:cNvSpPr>
+            <a:spLocks noGrp="1"/>
+          </p:cNvSpPr>
+          <p:nvPr>
+            <p:ph type="sldNum" sz="quarter" idx="12"/>
+          </p:nvPr>
+        </p:nvSpPr>
+        <p:spPr>
+          <a:xfrm>
+            <a:off x="8217192" y="6556248"/>
+            <a:ext cx="365760" cy="301752"/>
+          </a:xfrm>
+        </p:spPr>
+        <p:txBody>
+          <a:bodyPr/>
+          <a:lstStyle>
+            <a:lvl1pPr algn="ctr">
+              <a:defRPr sz="900"/>
+            </a:lvl1pPr>
+          </a:lstStyle>
+          <a:p>
+            <a:fld id="{F7DED178-A9AE-47F8-834D-09987CB050FC}" type="slidenum">
+              <a:rPr lang="en-US" smtClean="0"/>
+              <a:t>‹#›</a:t>
+            </a:fld>
+            <a:endParaRPr lang="en-US"/>
+          </a:p>
+        </p:txBody>
+      </p:sp>
+    </p:spTree>
+  </p:cSld>
+  <p:clrMapOvr>
+    <a:overrideClrMapping bg1="dk1" tx1="lt1" bg2="dk2" tx2="lt2" accent1="accent1" accent2="accent2" accent3="accent3" accent4="accent4" accent5="accent5" accent6="accent6" hlink="hlink" folHlink="folHlink"/>
+  </p:clrMapOvr>
+</p:sldLayout>
+</file>
+
+<file path=ppt/slideMasters/slideMaster1.xml><?xml version="1.0" encoding="utf-8"?>
+<p:sldMaster xmlns:a="http://schemas.openxmlformats.org/drawingml/2006/main" xmlns:r="http://schemas.openxmlformats.org/officeDocument/2006/relationships" xmlns:p="http://schemas.openxmlformats.org/presentationml/2006/main">
+  <p:cSld>
+    <p:bg>
+      <p:bgRef idx="1002">
+        <a:schemeClr val="bg2"/>
+      </p:bgRef>
+    </p:bg>
+    <p:spTree>
+      <p:nvGrpSpPr>
+        <p:cNvPr id="1" name=""/>
+        <p:cNvGrpSpPr/>
+        <p:nvPr/>
+      </p:nvGrpSpPr>
+      <p:grpSpPr>
+        <a:xfrm>
+          <a:off x="0" y="0"/>
+          <a:ext cx="0" cy="0"/>
+          <a:chOff x="0" y="0"/>
+          <a:chExt cx="0" cy="0"/>
+        </a:xfrm>
+      </p:grpSpPr>
+      <p:sp>
+        <p:nvSpPr>
+          <p:cNvPr id="11" name="Right Triangle 10"/>
+          <p:cNvSpPr/>
+          <p:nvPr/>
+        </p:nvSpPr>
+        <p:spPr>
+          <a:xfrm>
+            <a:off x="7034" y="14068"/>
+            <a:ext cx="9129932" cy="6836899"/>
+          </a:xfrm>
+          <a:prstGeom prst="rtTriangle">
+            <a:avLst/>
+          </a:prstGeom>
+          <a:gradFill flip="none" rotWithShape="1">
+            <a:gsLst>
+              <a:gs pos="0">
+                <a:schemeClr val="tx2">
+                  <a:alpha val="10000"/>
+                </a:schemeClr>
+              </a:gs>
+              <a:gs pos="70000">
+                <a:schemeClr val="tx2">
+                  <a:alpha val="8000"/>
+                </a:schemeClr>
+              </a:gs>
+              <a:gs pos="100000">
+                <a:schemeClr val="tx2">
+                  <a:alpha val="1000"/>
+                </a:schemeClr>
+              </a:gs>
+            </a:gsLst>
+            <a:lin ang="8000000" scaled="1"/>
+            <a:tileRect/>
+          </a:gradFill>
+          <a:ln w="38100" cap="rnd" cmpd="sng" algn="ctr">
+            <a:noFill/>
+            <a:prstDash val="solid"/>
+          </a:ln>
+          <a:effectLst/>
+        </p:spPr>
+        <p:style>
+          <a:lnRef idx="3">
+            <a:schemeClr val="lt1"/>
+          </a:lnRef>
+          <a:fillRef idx="1">
+            <a:schemeClr val="accent1"/>
+          </a:fillRef>
+          <a:effectRef idx="1">
+            <a:schemeClr val="accent1"/>
+          </a:effectRef>
+          <a:fontRef idx="minor">
+            <a:schemeClr val="lt1"/>
+          </a:fontRef>
+        </p:style>
+        <p:txBody>
+          <a:bodyPr anchor="ctr"/>
+          <a:lstStyle/>
+          <a:p>
+            <a:pPr algn="ctr" eaLnBrk="1" latinLnBrk="0" hangingPunct="1"/>
+            <a:endParaRPr kumimoji="0" lang="en-US"/>
+          </a:p>
+        </p:txBody>
+      </p:sp>
+      <p:cxnSp>
+        <p:nvCxnSpPr>
+          <p:cNvPr id="8" name="Straight Connector 7"/>
+          <p:cNvCxnSpPr/>
+          <p:nvPr/>
+        </p:nvCxnSpPr>
+        <p:spPr>
+          <a:xfrm>
+            <a:off x="0" y="7034"/>
+            <a:ext cx="9136966" cy="6843933"/>
+          </a:xfrm>
+          <a:prstGeom prst="line">
+            <a:avLst/>
+          </a:prstGeom>
+          <a:noFill/>
+          <a:ln w="5000" cap="rnd" cmpd="sng" algn="ctr">
+            <a:solidFill>
+              <a:schemeClr val="bg2">
+                <a:tint val="55000"/>
+                <a:satMod val="200000"/>
+                <a:alpha val="35000"/>
+              </a:schemeClr>
+            </a:solidFill>
+            <a:prstDash val="solid"/>
+          </a:ln>
+          <a:effectLst/>
+        </p:spPr>
+        <p:style>
+          <a:lnRef idx="2">
+            <a:schemeClr val="accent1"/>
+          </a:lnRef>
+          <a:fillRef idx="0">
+            <a:schemeClr val="accent1"/>
+          </a:fillRef>
+          <a:effectRef idx="1">
+            <a:schemeClr val="accent1"/>
+          </a:effectRef>
+          <a:fontRef idx="minor">
+            <a:schemeClr val="tx1"/>
+          </a:fontRef>
+        </p:style>
+      </p:cxnSp>
+      <p:cxnSp>
+        <p:nvCxnSpPr>
+          <p:cNvPr id="9" name="Straight Connector 8"/>
+          <p:cNvCxnSpPr/>
+          <p:nvPr/>
+        </p:nvCxnSpPr>
+        <p:spPr>
+          <a:xfrm rot="10800000" flipV="1">
+            <a:off x="6468794" y="4948410"/>
+            <a:ext cx="2672861" cy="1900210"/>
+          </a:xfrm>
+          <a:prstGeom prst="line">
+            <a:avLst/>
+          </a:prstGeom>
+          <a:noFill/>
+          <a:ln w="6000" cap="rnd" cmpd="sng" algn="ctr">
+            <a:solidFill>
+              <a:schemeClr val="bg2">
+                <a:tint val="50000"/>
+                <a:satMod val="200000"/>
+                <a:alpha val="45000"/>
+              </a:schemeClr>
+            </a:solidFill>
+            <a:prstDash val="solid"/>
+          </a:ln>
+          <a:effectLst/>
+        </p:spPr>
+        <p:style>
+          <a:lnRef idx="2">
+            <a:schemeClr val="accent1"/>
+          </a:lnRef>
+          <a:fillRef idx="0">
+            <a:schemeClr val="accent1"/>
+          </a:fillRef>
+          <a:effectRef idx="1">
+            <a:schemeClr val="accent1"/>
+          </a:effectRef>
+          <a:fontRef idx="minor">
+            <a:schemeClr val="tx1"/>
+          </a:fontRef>
+        </p:style>
+      </p:cxnSp>
+      <p:sp>
+        <p:nvSpPr>
+          <p:cNvPr id="22" name="Title Placeholder 21"/>
+          <p:cNvSpPr>
+            <a:spLocks noGrp="1"/>
+          </p:cNvSpPr>
+          <p:nvPr>
+            <p:ph type="title"/>
+          </p:nvPr>
+        </p:nvSpPr>
+        <p:spPr>
+          <a:xfrm>
+            <a:off x="457200" y="267494"/>
+            <a:ext cx="8229600" cy="1399032"/>
           </a:xfrm>
           <a:prstGeom prst="rect">
             <a:avLst/>
           </a:prstGeom>
         </p:spPr>
         <p:txBody>
-          <a:bodyPr vert="horz" lIns="91440" tIns="45720" rIns="91440" bIns="45720" rtlCol="0" anchor="ctr">
+          <a:bodyPr vert="horz" anchor="ctr">
             <a:normAutofit/>
           </a:bodyPr>
           <a:lstStyle/>
           <a:p>
             <a:r>
-              <a:rPr lang="en-US" smtClean="0"/>
+              <a:rPr kumimoji="0" lang="en-US" smtClean="0"/>
               <a:t>Click to edit Master title style</a:t>
             </a:r>
-            <a:endParaRPr lang="en-US"/>
-          </a:p>
-        </p:txBody>
-      </p:sp>
-      <p:sp>
-        <p:nvSpPr>
-          <p:cNvPr id="3" name="Text Placeholder 2"/>
+            <a:endParaRPr kumimoji="0" lang="en-US"/>
+          </a:p>
+        </p:txBody>
+      </p:sp>
+      <p:sp>
+        <p:nvSpPr>
+          <p:cNvPr id="13" name="Text Placeholder 12"/>
           <p:cNvSpPr>
             <a:spLocks noGrp="1"/>
           </p:cNvSpPr>
@@ -3176,59 +4625,59 @@
         </p:nvSpPr>
         <p:spPr>
           <a:xfrm>
-            <a:off x="457200" y="1600200"/>
-            <a:ext cx="8229600" cy="4525963"/>
+            <a:off x="457200" y="1882808"/>
+            <a:ext cx="8229600" cy="4572000"/>
           </a:xfrm>
           <a:prstGeom prst="rect">
             <a:avLst/>
           </a:prstGeom>
         </p:spPr>
         <p:txBody>
-          <a:bodyPr vert="horz" lIns="91440" tIns="45720" rIns="91440" bIns="45720" rtlCol="0">
+          <a:bodyPr vert="horz" anchor="t">
             <a:normAutofit/>
           </a:bodyPr>
           <a:lstStyle/>
           <a:p>
-            <a:pPr lvl="0"/>
-            <a:r>
-              <a:rPr lang="en-US" smtClean="0"/>
+            <a:pPr lvl="0" eaLnBrk="1" latinLnBrk="0" hangingPunct="1"/>
+            <a:r>
+              <a:rPr kumimoji="0" lang="en-US" smtClean="0"/>
               <a:t>Click to edit Master text styles</a:t>
             </a:r>
           </a:p>
           <a:p>
-            <a:pPr lvl="1"/>
-            <a:r>
-              <a:rPr lang="en-US" smtClean="0"/>
+            <a:pPr lvl="1" eaLnBrk="1" latinLnBrk="0" hangingPunct="1"/>
+            <a:r>
+              <a:rPr kumimoji="0" lang="en-US" smtClean="0"/>
               <a:t>Second level</a:t>
             </a:r>
           </a:p>
           <a:p>
-            <a:pPr lvl="2"/>
-            <a:r>
-              <a:rPr lang="en-US" smtClean="0"/>
+            <a:pPr lvl="2" eaLnBrk="1" latinLnBrk="0" hangingPunct="1"/>
+            <a:r>
+              <a:rPr kumimoji="0" lang="en-US" smtClean="0"/>
               <a:t>Third level</a:t>
             </a:r>
           </a:p>
           <a:p>
-            <a:pPr lvl="3"/>
-            <a:r>
-              <a:rPr lang="en-US" smtClean="0"/>
+            <a:pPr lvl="3" eaLnBrk="1" latinLnBrk="0" hangingPunct="1"/>
+            <a:r>
+              <a:rPr kumimoji="0" lang="en-US" smtClean="0"/>
               <a:t>Fourth level</a:t>
             </a:r>
           </a:p>
           <a:p>
-            <a:pPr lvl="4"/>
-            <a:r>
-              <a:rPr lang="en-US" smtClean="0"/>
+            <a:pPr lvl="4" eaLnBrk="1" latinLnBrk="0" hangingPunct="1"/>
+            <a:r>
+              <a:rPr kumimoji="0" lang="en-US" smtClean="0"/>
               <a:t>Fifth level</a:t>
             </a:r>
-            <a:endParaRPr lang="en-US"/>
-          </a:p>
-        </p:txBody>
-      </p:sp>
-      <p:sp>
-        <p:nvSpPr>
-          <p:cNvPr id="4" name="Date Placeholder 3"/>
+            <a:endParaRPr kumimoji="0" lang="en-US"/>
+          </a:p>
+        </p:txBody>
+      </p:sp>
+      <p:sp>
+        <p:nvSpPr>
+          <p:cNvPr id="14" name="Date Placeholder 13"/>
           <p:cNvSpPr>
             <a:spLocks noGrp="1"/>
           </p:cNvSpPr>
@@ -3238,22 +4687,20 @@
         </p:nvSpPr>
         <p:spPr>
           <a:xfrm>
-            <a:off x="457200" y="6356350"/>
-            <a:ext cx="2133600" cy="365125"/>
+            <a:off x="4791456" y="6480969"/>
+            <a:ext cx="2133600" cy="301752"/>
           </a:xfrm>
           <a:prstGeom prst="rect">
             <a:avLst/>
           </a:prstGeom>
         </p:spPr>
         <p:txBody>
-          <a:bodyPr vert="horz" lIns="91440" tIns="45720" rIns="91440" bIns="45720" rtlCol="0" anchor="ctr"/>
+          <a:bodyPr vert="horz" anchor="b"/>
           <a:lstStyle>
-            <a:lvl1pPr algn="l">
-              <a:defRPr sz="1200">
+            <a:lvl1pPr algn="l" eaLnBrk="1" latinLnBrk="0" hangingPunct="1">
+              <a:defRPr kumimoji="0" sz="1000" b="0">
                 <a:solidFill>
-                  <a:schemeClr val="tx1">
-                    <a:tint val="75000"/>
-                  </a:schemeClr>
+                  <a:schemeClr val="tx1"/>
                 </a:solidFill>
               </a:defRPr>
             </a:lvl1pPr>
@@ -3261,7 +4708,7 @@
           <a:p>
             <a:fld id="{9E10B1AF-3A17-40B4-A458-11D1DC92B649}" type="datetimeFigureOut">
               <a:rPr lang="en-US" smtClean="0"/>
-              <a:t>11/22/2013</a:t>
+              <a:t>11/24/2013</a:t>
             </a:fld>
             <a:endParaRPr lang="en-US"/>
           </a:p>
@@ -3269,7 +4716,7 @@
       </p:sp>
       <p:sp>
         <p:nvSpPr>
-          <p:cNvPr id="5" name="Footer Placeholder 4"/>
+          <p:cNvPr id="3" name="Footer Placeholder 2"/>
           <p:cNvSpPr>
             <a:spLocks noGrp="1"/>
           </p:cNvSpPr>
@@ -3279,22 +4726,20 @@
         </p:nvSpPr>
         <p:spPr>
           <a:xfrm>
-            <a:off x="3124200" y="6356350"/>
-            <a:ext cx="2895600" cy="365125"/>
+            <a:off x="457200" y="6481890"/>
+            <a:ext cx="4260056" cy="300831"/>
           </a:xfrm>
           <a:prstGeom prst="rect">
             <a:avLst/>
           </a:prstGeom>
         </p:spPr>
         <p:txBody>
-          <a:bodyPr vert="horz" lIns="91440" tIns="45720" rIns="91440" bIns="45720" rtlCol="0" anchor="ctr"/>
+          <a:bodyPr vert="horz" anchor="b"/>
           <a:lstStyle>
-            <a:lvl1pPr algn="ctr">
-              <a:defRPr sz="1200">
+            <a:lvl1pPr algn="r" eaLnBrk="1" latinLnBrk="0" hangingPunct="1">
+              <a:defRPr kumimoji="0" sz="1000">
                 <a:solidFill>
-                  <a:schemeClr val="tx1">
-                    <a:tint val="75000"/>
-                  </a:schemeClr>
+                  <a:schemeClr val="tx1"/>
                 </a:solidFill>
               </a:defRPr>
             </a:lvl1pPr>
@@ -3306,7 +4751,7 @@
       </p:sp>
       <p:sp>
         <p:nvSpPr>
-          <p:cNvPr id="6" name="Slide Number Placeholder 5"/>
+          <p:cNvPr id="23" name="Slide Number Placeholder 22"/>
           <p:cNvSpPr>
             <a:spLocks noGrp="1"/>
           </p:cNvSpPr>
@@ -3316,22 +4761,20 @@
         </p:nvSpPr>
         <p:spPr>
           <a:xfrm>
-            <a:off x="6553200" y="6356350"/>
-            <a:ext cx="2133600" cy="365125"/>
+            <a:off x="7589520" y="6480969"/>
+            <a:ext cx="502920" cy="301752"/>
           </a:xfrm>
           <a:prstGeom prst="rect">
             <a:avLst/>
           </a:prstGeom>
         </p:spPr>
         <p:txBody>
-          <a:bodyPr vert="horz" lIns="91440" tIns="45720" rIns="91440" bIns="45720" rtlCol="0" anchor="ctr"/>
+          <a:bodyPr vert="horz" anchor="b"/>
           <a:lstStyle>
-            <a:lvl1pPr algn="r">
-              <a:defRPr sz="1200">
+            <a:lvl1pPr algn="ctr" eaLnBrk="1" latinLnBrk="0" hangingPunct="1">
+              <a:defRPr kumimoji="0" sz="1200">
                 <a:solidFill>
-                  <a:schemeClr val="tx1">
-                    <a:tint val="75000"/>
-                  </a:schemeClr>
+                  <a:schemeClr val="tx1"/>
                 </a:solidFill>
               </a:defRPr>
             </a:lvl1pPr>
@@ -3346,37 +4789,49 @@
         </p:txBody>
       </p:sp>
     </p:spTree>
-    <p:extLst>
-      <p:ext uri="{BB962C8B-B14F-4D97-AF65-F5344CB8AC3E}">
-        <p14:creationId xmlns:p14="http://schemas.microsoft.com/office/powerpoint/2010/main" val="1526132330"/>
-      </p:ext>
-    </p:extLst>
   </p:cSld>
-  <p:clrMap bg1="lt1" tx1="dk1" bg2="lt2" tx2="dk2" accent1="accent1" accent2="accent2" accent3="accent3" accent4="accent4" accent5="accent5" accent6="accent6" hlink="hlink" folHlink="folHlink"/>
+  <p:clrMap bg1="dk1" tx1="lt1" bg2="dk2" tx2="lt2" accent1="accent1" accent2="accent2" accent3="accent3" accent4="accent4" accent5="accent5" accent6="accent6" hlink="hlink" folHlink="folHlink"/>
   <p:sldLayoutIdLst>
-    <p:sldLayoutId id="2147483649" r:id="rId1"/>
-    <p:sldLayoutId id="2147483650" r:id="rId2"/>
-    <p:sldLayoutId id="2147483651" r:id="rId3"/>
-    <p:sldLayoutId id="2147483652" r:id="rId4"/>
-    <p:sldLayoutId id="2147483653" r:id="rId5"/>
-    <p:sldLayoutId id="2147483654" r:id="rId6"/>
-    <p:sldLayoutId id="2147483655" r:id="rId7"/>
-    <p:sldLayoutId id="2147483656" r:id="rId8"/>
-    <p:sldLayoutId id="2147483657" r:id="rId9"/>
-    <p:sldLayoutId id="2147483658" r:id="rId10"/>
-    <p:sldLayoutId id="2147483659" r:id="rId11"/>
+    <p:sldLayoutId id="2147483685" r:id="rId1"/>
+    <p:sldLayoutId id="2147483686" r:id="rId2"/>
+    <p:sldLayoutId id="2147483687" r:id="rId3"/>
+    <p:sldLayoutId id="2147483688" r:id="rId4"/>
+    <p:sldLayoutId id="2147483689" r:id="rId5"/>
+    <p:sldLayoutId id="2147483690" r:id="rId6"/>
+    <p:sldLayoutId id="2147483691" r:id="rId7"/>
+    <p:sldLayoutId id="2147483692" r:id="rId8"/>
+    <p:sldLayoutId id="2147483693" r:id="rId9"/>
+    <p:sldLayoutId id="2147483694" r:id="rId10"/>
+    <p:sldLayoutId id="2147483695" r:id="rId11"/>
   </p:sldLayoutIdLst>
   <p:txStyles>
     <p:titleStyle>
-      <a:lvl1pPr algn="ctr" defTabSz="914400" rtl="0" eaLnBrk="1" latinLnBrk="0" hangingPunct="1">
+      <a:lvl1pPr marL="484632" algn="l" rtl="0" eaLnBrk="1" latinLnBrk="0" hangingPunct="1">
         <a:spcBef>
           <a:spcPct val="0"/>
         </a:spcBef>
         <a:buNone/>
-        <a:defRPr sz="4400" kern="1200">
+        <a:defRPr kumimoji="0" sz="4200" kern="1200">
+          <a:ln w="6350">
+            <a:solidFill>
+              <a:schemeClr val="accent1">
+                <a:shade val="43000"/>
+              </a:schemeClr>
+            </a:solidFill>
+          </a:ln>
           <a:solidFill>
-            <a:schemeClr val="tx1"/>
+            <a:schemeClr val="accent1">
+              <a:tint val="83000"/>
+              <a:satMod val="150000"/>
+            </a:schemeClr>
           </a:solidFill>
+          <a:effectLst>
+            <a:outerShdw blurRad="26000" dist="26000" dir="14500000" algn="tl" rotWithShape="0">
+              <a:srgbClr val="000000">
+                <a:alpha val="40000"/>
+              </a:srgbClr>
+            </a:outerShdw>
+          </a:effectLst>
           <a:latin typeface="+mj-lt"/>
           <a:ea typeface="+mj-ea"/>
           <a:cs typeface="+mj-cs"/>
@@ -3384,13 +4839,17 @@
       </a:lvl1pPr>
     </p:titleStyle>
     <p:bodyStyle>
-      <a:lvl1pPr marL="342900" indent="-342900" algn="l" defTabSz="914400" rtl="0" eaLnBrk="1" latinLnBrk="0" hangingPunct="1">
+      <a:lvl1pPr marL="448056" indent="-384048" algn="l" rtl="0" eaLnBrk="1" latinLnBrk="0" hangingPunct="1">
         <a:spcBef>
           <a:spcPct val="20000"/>
         </a:spcBef>
-        <a:buFont typeface="Arial" panose="020B0604020202020204" pitchFamily="34" charset="0"/>
-        <a:buChar char="•"/>
-        <a:defRPr sz="3200" kern="1200">
+        <a:buClr>
+          <a:schemeClr val="accent1"/>
+        </a:buClr>
+        <a:buSzPct val="80000"/>
+        <a:buFont typeface="Wingdings 2"/>
+        <a:buChar char=""/>
+        <a:defRPr kumimoji="0" sz="3000" kern="1200">
           <a:solidFill>
             <a:schemeClr val="tx1"/>
           </a:solidFill>
@@ -3399,13 +4858,17 @@
           <a:cs typeface="+mn-cs"/>
         </a:defRPr>
       </a:lvl1pPr>
-      <a:lvl2pPr marL="742950" indent="-285750" algn="l" defTabSz="914400" rtl="0" eaLnBrk="1" latinLnBrk="0" hangingPunct="1">
+      <a:lvl2pPr marL="822960" indent="-285750" algn="l" rtl="0" eaLnBrk="1" latinLnBrk="0" hangingPunct="1">
         <a:spcBef>
           <a:spcPct val="20000"/>
         </a:spcBef>
-        <a:buFont typeface="Arial" panose="020B0604020202020204" pitchFamily="34" charset="0"/>
-        <a:buChar char="–"/>
-        <a:defRPr sz="2800" kern="1200">
+        <a:buClr>
+          <a:schemeClr val="accent1"/>
+        </a:buClr>
+        <a:buSzPct val="95000"/>
+        <a:buFont typeface="Verdana"/>
+        <a:buChar char="›"/>
+        <a:defRPr kumimoji="0" sz="2600" kern="1200">
           <a:solidFill>
             <a:schemeClr val="tx1"/>
           </a:solidFill>
@@ -3414,13 +4877,16 @@
           <a:cs typeface="+mn-cs"/>
         </a:defRPr>
       </a:lvl2pPr>
-      <a:lvl3pPr marL="1143000" indent="-228600" algn="l" defTabSz="914400" rtl="0" eaLnBrk="1" latinLnBrk="0" hangingPunct="1">
+      <a:lvl3pPr marL="1106424" indent="-228600" algn="l" rtl="0" eaLnBrk="1" latinLnBrk="0" hangingPunct="1">
         <a:spcBef>
           <a:spcPct val="20000"/>
         </a:spcBef>
-        <a:buFont typeface="Arial" panose="020B0604020202020204" pitchFamily="34" charset="0"/>
-        <a:buChar char="•"/>
-        <a:defRPr sz="2400" kern="1200">
+        <a:buClr>
+          <a:schemeClr val="accent1"/>
+        </a:buClr>
+        <a:buFont typeface="Wingdings 2"/>
+        <a:buChar char=""/>
+        <a:defRPr kumimoji="0" sz="2400" kern="1200">
           <a:solidFill>
             <a:schemeClr val="tx1"/>
           </a:solidFill>
@@ -3429,13 +4895,16 @@
           <a:cs typeface="+mn-cs"/>
         </a:defRPr>
       </a:lvl3pPr>
-      <a:lvl4pPr marL="1600200" indent="-228600" algn="l" defTabSz="914400" rtl="0" eaLnBrk="1" latinLnBrk="0" hangingPunct="1">
+      <a:lvl4pPr marL="1371600" indent="-210312" algn="l" rtl="0" eaLnBrk="1" latinLnBrk="0" hangingPunct="1">
         <a:spcBef>
           <a:spcPct val="20000"/>
         </a:spcBef>
-        <a:buFont typeface="Arial" panose="020B0604020202020204" pitchFamily="34" charset="0"/>
-        <a:buChar char="–"/>
-        <a:defRPr sz="2000" kern="1200">
+        <a:buClr>
+          <a:schemeClr val="accent1"/>
+        </a:buClr>
+        <a:buFont typeface="Wingdings 2"/>
+        <a:buChar char=""/>
+        <a:defRPr kumimoji="0" sz="2000" kern="1200">
           <a:solidFill>
             <a:schemeClr val="tx1"/>
           </a:solidFill>
@@ -3444,13 +4913,18 @@
           <a:cs typeface="+mn-cs"/>
         </a:defRPr>
       </a:lvl4pPr>
-      <a:lvl5pPr marL="2057400" indent="-228600" algn="l" defTabSz="914400" rtl="0" eaLnBrk="1" latinLnBrk="0" hangingPunct="1">
+      <a:lvl5pPr marL="1600200" indent="-210312" algn="l" rtl="0" eaLnBrk="1" latinLnBrk="0" hangingPunct="1">
         <a:spcBef>
           <a:spcPct val="20000"/>
         </a:spcBef>
-        <a:buFont typeface="Arial" panose="020B0604020202020204" pitchFamily="34" charset="0"/>
-        <a:buChar char="»"/>
-        <a:defRPr sz="2000" kern="1200">
+        <a:buClr>
+          <a:schemeClr val="accent1">
+            <a:tint val="75000"/>
+          </a:schemeClr>
+        </a:buClr>
+        <a:buFont typeface="Wingdings 2"/>
+        <a:buChar char=""/>
+        <a:defRPr kumimoji="0" sz="1900" kern="1200">
           <a:solidFill>
             <a:schemeClr val="tx1"/>
           </a:solidFill>
@@ -3459,13 +4933,18 @@
           <a:cs typeface="+mn-cs"/>
         </a:defRPr>
       </a:lvl5pPr>
-      <a:lvl6pPr marL="2514600" indent="-228600" algn="l" defTabSz="914400" rtl="0" eaLnBrk="1" latinLnBrk="0" hangingPunct="1">
+      <a:lvl6pPr marL="1828800" indent="-210312" algn="l" rtl="0" eaLnBrk="1" latinLnBrk="0" hangingPunct="1">
         <a:spcBef>
           <a:spcPct val="20000"/>
         </a:spcBef>
-        <a:buFont typeface="Arial" panose="020B0604020202020204" pitchFamily="34" charset="0"/>
-        <a:buChar char="•"/>
-        <a:defRPr sz="2000" kern="1200">
+        <a:buClr>
+          <a:schemeClr val="accent1">
+            <a:tint val="75000"/>
+          </a:schemeClr>
+        </a:buClr>
+        <a:buFont typeface="Wingdings 2"/>
+        <a:buChar char=""/>
+        <a:defRPr kumimoji="0" sz="1800" kern="1200">
           <a:solidFill>
             <a:schemeClr val="tx1"/>
           </a:solidFill>
@@ -3474,13 +4953,18 @@
           <a:cs typeface="+mn-cs"/>
         </a:defRPr>
       </a:lvl6pPr>
-      <a:lvl7pPr marL="2971800" indent="-228600" algn="l" defTabSz="914400" rtl="0" eaLnBrk="1" latinLnBrk="0" hangingPunct="1">
+      <a:lvl7pPr marL="2084832" indent="-210312" algn="l" rtl="0" eaLnBrk="1" latinLnBrk="0" hangingPunct="1">
         <a:spcBef>
           <a:spcPct val="20000"/>
         </a:spcBef>
-        <a:buFont typeface="Arial" panose="020B0604020202020204" pitchFamily="34" charset="0"/>
-        <a:buChar char="•"/>
-        <a:defRPr sz="2000" kern="1200">
+        <a:buClr>
+          <a:schemeClr val="accent1">
+            <a:tint val="75000"/>
+          </a:schemeClr>
+        </a:buClr>
+        <a:buFont typeface="Wingdings 2"/>
+        <a:buChar char=""/>
+        <a:defRPr kumimoji="0" sz="1600" kern="1200">
           <a:solidFill>
             <a:schemeClr val="tx1"/>
           </a:solidFill>
@@ -3489,13 +4973,18 @@
           <a:cs typeface="+mn-cs"/>
         </a:defRPr>
       </a:lvl7pPr>
-      <a:lvl8pPr marL="3429000" indent="-228600" algn="l" defTabSz="914400" rtl="0" eaLnBrk="1" latinLnBrk="0" hangingPunct="1">
+      <a:lvl8pPr marL="2286000" indent="-182880" algn="l" rtl="0" eaLnBrk="1" latinLnBrk="0" hangingPunct="1">
         <a:spcBef>
           <a:spcPct val="20000"/>
         </a:spcBef>
-        <a:buFont typeface="Arial" panose="020B0604020202020204" pitchFamily="34" charset="0"/>
-        <a:buChar char="•"/>
-        <a:defRPr sz="2000" kern="1200">
+        <a:buClr>
+          <a:schemeClr val="accent1">
+            <a:tint val="75000"/>
+          </a:schemeClr>
+        </a:buClr>
+        <a:buFont typeface="Wingdings 2"/>
+        <a:buChar char=""/>
+        <a:defRPr kumimoji="0" sz="1600" kern="1200">
           <a:solidFill>
             <a:schemeClr val="tx1"/>
           </a:solidFill>
@@ -3504,13 +4993,18 @@
           <a:cs typeface="+mn-cs"/>
         </a:defRPr>
       </a:lvl8pPr>
-      <a:lvl9pPr marL="3886200" indent="-228600" algn="l" defTabSz="914400" rtl="0" eaLnBrk="1" latinLnBrk="0" hangingPunct="1">
+      <a:lvl9pPr marL="2514600" indent="-182880" algn="l" rtl="0" eaLnBrk="1" latinLnBrk="0" hangingPunct="1">
         <a:spcBef>
           <a:spcPct val="20000"/>
         </a:spcBef>
-        <a:buFont typeface="Arial" panose="020B0604020202020204" pitchFamily="34" charset="0"/>
-        <a:buChar char="•"/>
-        <a:defRPr sz="2000" kern="1200">
+        <a:buClr>
+          <a:schemeClr val="accent1">
+            <a:tint val="75000"/>
+          </a:schemeClr>
+        </a:buClr>
+        <a:buFont typeface="Wingdings 2"/>
+        <a:buChar char=""/>
+        <a:defRPr kumimoji="0" sz="1600" kern="1200">
           <a:solidFill>
             <a:schemeClr val="tx1"/>
           </a:solidFill>
@@ -3521,11 +5015,8 @@
       </a:lvl9pPr>
     </p:bodyStyle>
     <p:otherStyle>
-      <a:defPPr>
-        <a:defRPr lang="en-US"/>
-      </a:defPPr>
-      <a:lvl1pPr marL="0" algn="l" defTabSz="914400" rtl="0" eaLnBrk="1" latinLnBrk="0" hangingPunct="1">
-        <a:defRPr sz="1800" kern="1200">
+      <a:lvl1pPr marL="0" algn="l" rtl="0" eaLnBrk="1" latinLnBrk="0" hangingPunct="1">
+        <a:defRPr kumimoji="0" kern="1200">
           <a:solidFill>
             <a:schemeClr val="tx1"/>
           </a:solidFill>
@@ -3534,8 +5025,8 @@
           <a:cs typeface="+mn-cs"/>
         </a:defRPr>
       </a:lvl1pPr>
-      <a:lvl2pPr marL="457200" algn="l" defTabSz="914400" rtl="0" eaLnBrk="1" latinLnBrk="0" hangingPunct="1">
-        <a:defRPr sz="1800" kern="1200">
+      <a:lvl2pPr marL="457200" algn="l" rtl="0" eaLnBrk="1" latinLnBrk="0" hangingPunct="1">
+        <a:defRPr kumimoji="0" kern="1200">
           <a:solidFill>
             <a:schemeClr val="tx1"/>
           </a:solidFill>
@@ -3544,8 +5035,8 @@
           <a:cs typeface="+mn-cs"/>
         </a:defRPr>
       </a:lvl2pPr>
-      <a:lvl3pPr marL="914400" algn="l" defTabSz="914400" rtl="0" eaLnBrk="1" latinLnBrk="0" hangingPunct="1">
-        <a:defRPr sz="1800" kern="1200">
+      <a:lvl3pPr marL="914400" algn="l" rtl="0" eaLnBrk="1" latinLnBrk="0" hangingPunct="1">
+        <a:defRPr kumimoji="0" kern="1200">
           <a:solidFill>
             <a:schemeClr val="tx1"/>
           </a:solidFill>
@@ -3554,8 +5045,8 @@
           <a:cs typeface="+mn-cs"/>
         </a:defRPr>
       </a:lvl3pPr>
-      <a:lvl4pPr marL="1371600" algn="l" defTabSz="914400" rtl="0" eaLnBrk="1" latinLnBrk="0" hangingPunct="1">
-        <a:defRPr sz="1800" kern="1200">
+      <a:lvl4pPr marL="1371600" algn="l" rtl="0" eaLnBrk="1" latinLnBrk="0" hangingPunct="1">
+        <a:defRPr kumimoji="0" kern="1200">
           <a:solidFill>
             <a:schemeClr val="tx1"/>
           </a:solidFill>
@@ -3564,8 +5055,8 @@
           <a:cs typeface="+mn-cs"/>
         </a:defRPr>
       </a:lvl4pPr>
-      <a:lvl5pPr marL="1828800" algn="l" defTabSz="914400" rtl="0" eaLnBrk="1" latinLnBrk="0" hangingPunct="1">
-        <a:defRPr sz="1800" kern="1200">
+      <a:lvl5pPr marL="1828800" algn="l" rtl="0" eaLnBrk="1" latinLnBrk="0" hangingPunct="1">
+        <a:defRPr kumimoji="0" kern="1200">
           <a:solidFill>
             <a:schemeClr val="tx1"/>
           </a:solidFill>
@@ -3574,8 +5065,8 @@
           <a:cs typeface="+mn-cs"/>
         </a:defRPr>
       </a:lvl5pPr>
-      <a:lvl6pPr marL="2286000" algn="l" defTabSz="914400" rtl="0" eaLnBrk="1" latinLnBrk="0" hangingPunct="1">
-        <a:defRPr sz="1800" kern="1200">
+      <a:lvl6pPr marL="2286000" algn="l" rtl="0" eaLnBrk="1" latinLnBrk="0" hangingPunct="1">
+        <a:defRPr kumimoji="0" kern="1200">
           <a:solidFill>
             <a:schemeClr val="tx1"/>
           </a:solidFill>
@@ -3584,8 +5075,8 @@
           <a:cs typeface="+mn-cs"/>
         </a:defRPr>
       </a:lvl6pPr>
-      <a:lvl7pPr marL="2743200" algn="l" defTabSz="914400" rtl="0" eaLnBrk="1" latinLnBrk="0" hangingPunct="1">
-        <a:defRPr sz="1800" kern="1200">
+      <a:lvl7pPr marL="2743200" algn="l" rtl="0" eaLnBrk="1" latinLnBrk="0" hangingPunct="1">
+        <a:defRPr kumimoji="0" kern="1200">
           <a:solidFill>
             <a:schemeClr val="tx1"/>
           </a:solidFill>
@@ -3594,8 +5085,8 @@
           <a:cs typeface="+mn-cs"/>
         </a:defRPr>
       </a:lvl7pPr>
-      <a:lvl8pPr marL="3200400" algn="l" defTabSz="914400" rtl="0" eaLnBrk="1" latinLnBrk="0" hangingPunct="1">
-        <a:defRPr sz="1800" kern="1200">
+      <a:lvl8pPr marL="3200400" algn="l" rtl="0" eaLnBrk="1" latinLnBrk="0" hangingPunct="1">
+        <a:defRPr kumimoji="0" kern="1200">
           <a:solidFill>
             <a:schemeClr val="tx1"/>
           </a:solidFill>
@@ -3604,8 +5095,8 @@
           <a:cs typeface="+mn-cs"/>
         </a:defRPr>
       </a:lvl8pPr>
-      <a:lvl9pPr marL="3657600" algn="l" defTabSz="914400" rtl="0" eaLnBrk="1" latinLnBrk="0" hangingPunct="1">
-        <a:defRPr sz="1800" kern="1200">
+      <a:lvl9pPr marL="3657600" algn="l" rtl="0" eaLnBrk="1" latinLnBrk="0" hangingPunct="1">
+        <a:defRPr kumimoji="0" kern="1200">
           <a:solidFill>
             <a:schemeClr val="tx1"/>
           </a:solidFill>
@@ -3653,7 +5144,7 @@
           <a:p>
             <a:r>
               <a:rPr lang="en-US" dirty="0" smtClean="0"/>
-              <a:t>Game Theory in Adversarial Search</a:t>
+              <a:t>Game Theory in Artificial Intelligence</a:t>
             </a:r>
             <a:endParaRPr lang="en-US" dirty="0"/>
           </a:p>
@@ -3671,12 +5162,33 @@
         </p:nvSpPr>
         <p:spPr/>
         <p:txBody>
-          <a:bodyPr/>
-          <a:lstStyle/>
-          <a:p>
-            <a:r>
-              <a:rPr lang="en-US" dirty="0" smtClean="0"/>
-              <a:t>And its application to backgammon</a:t>
+          <a:bodyPr>
+            <a:normAutofit fontScale="92500" lnSpcReduction="10000"/>
+          </a:bodyPr>
+          <a:lstStyle/>
+          <a:p>
+            <a:r>
+              <a:rPr lang="en-US" dirty="0" smtClean="0"/>
+              <a:t>As applied to backgammon</a:t>
+            </a:r>
+          </a:p>
+          <a:p>
+            <a:endParaRPr lang="en-US" dirty="0"/>
+          </a:p>
+          <a:p>
+            <a:r>
+              <a:rPr lang="en-US" dirty="0" smtClean="0"/>
+              <a:t>Presented by:</a:t>
+            </a:r>
+          </a:p>
+          <a:p>
+            <a:r>
+              <a:rPr lang="en-US" dirty="0" err="1" smtClean="0"/>
+              <a:t>Frenchie</a:t>
+            </a:r>
+            <a:r>
+              <a:rPr lang="en-US" dirty="0" smtClean="0"/>
+              <a:t> and Esteban</a:t>
             </a:r>
             <a:endParaRPr lang="en-US" dirty="0"/>
           </a:p>
@@ -3686,6 +5198,413 @@
     <p:extLst>
       <p:ext uri="{BB962C8B-B14F-4D97-AF65-F5344CB8AC3E}">
         <p14:creationId xmlns:p14="http://schemas.microsoft.com/office/powerpoint/2010/main" val="542474401"/>
+      </p:ext>
+    </p:extLst>
+  </p:cSld>
+  <p:clrMapOvr>
+    <a:masterClrMapping/>
+  </p:clrMapOvr>
+</p:sld>
+</file>
+
+<file path=ppt/slides/slide10.xml><?xml version="1.0" encoding="utf-8"?>
+<p:sld xmlns:a="http://schemas.openxmlformats.org/drawingml/2006/main" xmlns:r="http://schemas.openxmlformats.org/officeDocument/2006/relationships" xmlns:p="http://schemas.openxmlformats.org/presentationml/2006/main">
+  <p:cSld>
+    <p:spTree>
+      <p:nvGrpSpPr>
+        <p:cNvPr id="1" name=""/>
+        <p:cNvGrpSpPr/>
+        <p:nvPr/>
+      </p:nvGrpSpPr>
+      <p:grpSpPr>
+        <a:xfrm>
+          <a:off x="0" y="0"/>
+          <a:ext cx="0" cy="0"/>
+          <a:chOff x="0" y="0"/>
+          <a:chExt cx="0" cy="0"/>
+        </a:xfrm>
+      </p:grpSpPr>
+      <p:sp>
+        <p:nvSpPr>
+          <p:cNvPr id="2" name="Title 1"/>
+          <p:cNvSpPr>
+            <a:spLocks noGrp="1"/>
+          </p:cNvSpPr>
+          <p:nvPr>
+            <p:ph type="title"/>
+          </p:nvPr>
+        </p:nvSpPr>
+        <p:spPr/>
+        <p:txBody>
+          <a:bodyPr/>
+          <a:lstStyle/>
+          <a:p>
+            <a:r>
+              <a:rPr lang="en-US" dirty="0" smtClean="0"/>
+              <a:t>What are we doing?</a:t>
+            </a:r>
+            <a:endParaRPr lang="en-US" dirty="0"/>
+          </a:p>
+        </p:txBody>
+      </p:sp>
+      <p:sp>
+        <p:nvSpPr>
+          <p:cNvPr id="3" name="Content Placeholder 2"/>
+          <p:cNvSpPr>
+            <a:spLocks noGrp="1"/>
+          </p:cNvSpPr>
+          <p:nvPr>
+            <p:ph idx="1"/>
+          </p:nvPr>
+        </p:nvSpPr>
+        <p:spPr/>
+        <p:txBody>
+          <a:bodyPr/>
+          <a:lstStyle/>
+          <a:p>
+            <a:r>
+              <a:rPr lang="en-US" dirty="0" smtClean="0"/>
+              <a:t>Evaluation function (estimation)</a:t>
+            </a:r>
+          </a:p>
+          <a:p>
+            <a:pPr lvl="1"/>
+            <a:r>
+              <a:rPr lang="en-US" dirty="0" smtClean="0"/>
+              <a:t>Blot Danger</a:t>
+            </a:r>
+          </a:p>
+          <a:p>
+            <a:pPr lvl="1"/>
+            <a:r>
+              <a:rPr lang="en-US" dirty="0" smtClean="0"/>
+              <a:t>Blockading factor</a:t>
+            </a:r>
+          </a:p>
+          <a:p>
+            <a:pPr lvl="1"/>
+            <a:r>
+              <a:rPr lang="en-US" dirty="0" smtClean="0"/>
+              <a:t>Home Board factor</a:t>
+            </a:r>
+          </a:p>
+          <a:p>
+            <a:pPr lvl="1"/>
+            <a:r>
+              <a:rPr lang="en-US" dirty="0" smtClean="0"/>
+              <a:t>Bearing Off</a:t>
+            </a:r>
+          </a:p>
+          <a:p>
+            <a:pPr lvl="1"/>
+            <a:r>
+              <a:rPr lang="en-US" dirty="0" smtClean="0"/>
+              <a:t>Spacing of checkers</a:t>
+            </a:r>
+            <a:endParaRPr lang="en-US" dirty="0"/>
+          </a:p>
+          <a:p>
+            <a:r>
+              <a:rPr lang="en-US" dirty="0" smtClean="0"/>
+              <a:t>Other possible factors but they are very involved</a:t>
+            </a:r>
+          </a:p>
+        </p:txBody>
+      </p:sp>
+    </p:spTree>
+    <p:extLst>
+      <p:ext uri="{BB962C8B-B14F-4D97-AF65-F5344CB8AC3E}">
+        <p14:creationId xmlns:p14="http://schemas.microsoft.com/office/powerpoint/2010/main" val="3904322263"/>
+      </p:ext>
+    </p:extLst>
+  </p:cSld>
+  <p:clrMapOvr>
+    <a:masterClrMapping/>
+  </p:clrMapOvr>
+</p:sld>
+</file>
+
+<file path=ppt/slides/slide11.xml><?xml version="1.0" encoding="utf-8"?>
+<p:sld xmlns:a="http://schemas.openxmlformats.org/drawingml/2006/main" xmlns:r="http://schemas.openxmlformats.org/officeDocument/2006/relationships" xmlns:p="http://schemas.openxmlformats.org/presentationml/2006/main">
+  <p:cSld>
+    <p:spTree>
+      <p:nvGrpSpPr>
+        <p:cNvPr id="1" name=""/>
+        <p:cNvGrpSpPr/>
+        <p:nvPr/>
+      </p:nvGrpSpPr>
+      <p:grpSpPr>
+        <a:xfrm>
+          <a:off x="0" y="0"/>
+          <a:ext cx="0" cy="0"/>
+          <a:chOff x="0" y="0"/>
+          <a:chExt cx="0" cy="0"/>
+        </a:xfrm>
+      </p:grpSpPr>
+      <p:sp>
+        <p:nvSpPr>
+          <p:cNvPr id="2" name="Title 1"/>
+          <p:cNvSpPr>
+            <a:spLocks noGrp="1"/>
+          </p:cNvSpPr>
+          <p:nvPr>
+            <p:ph type="title"/>
+          </p:nvPr>
+        </p:nvSpPr>
+        <p:spPr/>
+        <p:txBody>
+          <a:bodyPr/>
+          <a:lstStyle/>
+          <a:p>
+            <a:r>
+              <a:rPr lang="en-US" dirty="0" smtClean="0"/>
+              <a:t>What have we done?</a:t>
+            </a:r>
+            <a:endParaRPr lang="en-US" dirty="0"/>
+          </a:p>
+        </p:txBody>
+      </p:sp>
+      <p:sp>
+        <p:nvSpPr>
+          <p:cNvPr id="3" name="Content Placeholder 2"/>
+          <p:cNvSpPr>
+            <a:spLocks noGrp="1"/>
+          </p:cNvSpPr>
+          <p:nvPr>
+            <p:ph idx="1"/>
+          </p:nvPr>
+        </p:nvSpPr>
+        <p:spPr/>
+        <p:txBody>
+          <a:bodyPr/>
+          <a:lstStyle/>
+          <a:p>
+            <a:r>
+              <a:rPr lang="en-US" dirty="0" smtClean="0"/>
+              <a:t>Enumerated all legal moves (given a roll and state)</a:t>
+            </a:r>
+          </a:p>
+          <a:p>
+            <a:r>
+              <a:rPr lang="en-US" dirty="0" smtClean="0"/>
+              <a:t>The game is playable (screenshot)</a:t>
+            </a:r>
+            <a:endParaRPr lang="en-US" dirty="0"/>
+          </a:p>
+        </p:txBody>
+      </p:sp>
+    </p:spTree>
+    <p:extLst>
+      <p:ext uri="{BB962C8B-B14F-4D97-AF65-F5344CB8AC3E}">
+        <p14:creationId xmlns:p14="http://schemas.microsoft.com/office/powerpoint/2010/main" val="3201889187"/>
+      </p:ext>
+    </p:extLst>
+  </p:cSld>
+  <p:clrMapOvr>
+    <a:masterClrMapping/>
+  </p:clrMapOvr>
+</p:sld>
+</file>
+
+<file path=ppt/slides/slide12.xml><?xml version="1.0" encoding="utf-8"?>
+<p:sld xmlns:a="http://schemas.openxmlformats.org/drawingml/2006/main" xmlns:r="http://schemas.openxmlformats.org/officeDocument/2006/relationships" xmlns:p="http://schemas.openxmlformats.org/presentationml/2006/main">
+  <p:cSld>
+    <p:spTree>
+      <p:nvGrpSpPr>
+        <p:cNvPr id="1" name=""/>
+        <p:cNvGrpSpPr/>
+        <p:nvPr/>
+      </p:nvGrpSpPr>
+      <p:grpSpPr>
+        <a:xfrm>
+          <a:off x="0" y="0"/>
+          <a:ext cx="0" cy="0"/>
+          <a:chOff x="0" y="0"/>
+          <a:chExt cx="0" cy="0"/>
+        </a:xfrm>
+      </p:grpSpPr>
+      <p:sp>
+        <p:nvSpPr>
+          <p:cNvPr id="2" name="Title 1"/>
+          <p:cNvSpPr>
+            <a:spLocks noGrp="1"/>
+          </p:cNvSpPr>
+          <p:nvPr>
+            <p:ph type="title"/>
+          </p:nvPr>
+        </p:nvSpPr>
+        <p:spPr/>
+        <p:txBody>
+          <a:bodyPr>
+            <a:normAutofit/>
+          </a:bodyPr>
+          <a:lstStyle/>
+          <a:p>
+            <a:r>
+              <a:rPr lang="en-US" dirty="0" smtClean="0"/>
+              <a:t>What’s left?</a:t>
+            </a:r>
+            <a:endParaRPr lang="en-US" dirty="0"/>
+          </a:p>
+        </p:txBody>
+      </p:sp>
+      <p:sp>
+        <p:nvSpPr>
+          <p:cNvPr id="3" name="Content Placeholder 2"/>
+          <p:cNvSpPr>
+            <a:spLocks noGrp="1"/>
+          </p:cNvSpPr>
+          <p:nvPr>
+            <p:ph idx="1"/>
+          </p:nvPr>
+        </p:nvSpPr>
+        <p:spPr/>
+        <p:txBody>
+          <a:bodyPr/>
+          <a:lstStyle/>
+          <a:p>
+            <a:r>
+              <a:rPr lang="en-US" dirty="0" smtClean="0"/>
+              <a:t>Implement the evaluation function</a:t>
+            </a:r>
+          </a:p>
+          <a:p>
+            <a:r>
+              <a:rPr lang="en-US" dirty="0" smtClean="0"/>
+              <a:t>Set up the AI</a:t>
+            </a:r>
+          </a:p>
+          <a:p>
+            <a:r>
+              <a:rPr lang="en-US" smtClean="0"/>
+              <a:t>Evaluation of the AI</a:t>
+            </a:r>
+            <a:endParaRPr lang="en-US" dirty="0" smtClean="0"/>
+          </a:p>
+        </p:txBody>
+      </p:sp>
+    </p:spTree>
+    <p:extLst>
+      <p:ext uri="{BB962C8B-B14F-4D97-AF65-F5344CB8AC3E}">
+        <p14:creationId xmlns:p14="http://schemas.microsoft.com/office/powerpoint/2010/main" val="769050548"/>
+      </p:ext>
+    </p:extLst>
+  </p:cSld>
+  <p:clrMapOvr>
+    <a:masterClrMapping/>
+  </p:clrMapOvr>
+</p:sld>
+</file>
+
+<file path=ppt/slides/slide13.xml><?xml version="1.0" encoding="utf-8"?>
+<p:sld xmlns:a="http://schemas.openxmlformats.org/drawingml/2006/main" xmlns:r="http://schemas.openxmlformats.org/officeDocument/2006/relationships" xmlns:p="http://schemas.openxmlformats.org/presentationml/2006/main">
+  <p:cSld>
+    <p:spTree>
+      <p:nvGrpSpPr>
+        <p:cNvPr id="1" name=""/>
+        <p:cNvGrpSpPr/>
+        <p:nvPr/>
+      </p:nvGrpSpPr>
+      <p:grpSpPr>
+        <a:xfrm>
+          <a:off x="0" y="0"/>
+          <a:ext cx="0" cy="0"/>
+          <a:chOff x="0" y="0"/>
+          <a:chExt cx="0" cy="0"/>
+        </a:xfrm>
+      </p:grpSpPr>
+      <p:sp>
+        <p:nvSpPr>
+          <p:cNvPr id="2" name="Title 1"/>
+          <p:cNvSpPr>
+            <a:spLocks noGrp="1"/>
+          </p:cNvSpPr>
+          <p:nvPr>
+            <p:ph type="title"/>
+          </p:nvPr>
+        </p:nvSpPr>
+        <p:spPr/>
+        <p:txBody>
+          <a:bodyPr>
+            <a:normAutofit/>
+          </a:bodyPr>
+          <a:lstStyle/>
+          <a:p>
+            <a:r>
+              <a:rPr lang="en-US" dirty="0" smtClean="0"/>
+              <a:t>References</a:t>
+            </a:r>
+            <a:endParaRPr lang="en-US" dirty="0"/>
+          </a:p>
+        </p:txBody>
+      </p:sp>
+      <p:sp>
+        <p:nvSpPr>
+          <p:cNvPr id="3" name="Content Placeholder 2"/>
+          <p:cNvSpPr>
+            <a:spLocks noGrp="1"/>
+          </p:cNvSpPr>
+          <p:nvPr>
+            <p:ph idx="1"/>
+          </p:nvPr>
+        </p:nvSpPr>
+        <p:spPr/>
+        <p:txBody>
+          <a:bodyPr/>
+          <a:lstStyle/>
+          <a:p>
+            <a:r>
+              <a:rPr lang="en-US" dirty="0" smtClean="0">
+                <a:hlinkClick r:id="rId3"/>
+              </a:rPr>
+              <a:t>www.bkgm.com</a:t>
+            </a:r>
+            <a:endParaRPr lang="en-US" dirty="0" smtClean="0"/>
+          </a:p>
+          <a:p>
+            <a:r>
+              <a:rPr lang="en-US" u="sng" dirty="0" smtClean="0"/>
+              <a:t>Artificial Intelligence A modern Approach</a:t>
+            </a:r>
+            <a:r>
+              <a:rPr lang="en-US" dirty="0" smtClean="0"/>
+              <a:t> – Stuart Russell and Peter </a:t>
+            </a:r>
+            <a:r>
+              <a:rPr lang="en-US" dirty="0" err="1" smtClean="0"/>
+              <a:t>Norvig</a:t>
+            </a:r>
+            <a:endParaRPr lang="en-US" dirty="0" smtClean="0"/>
+          </a:p>
+          <a:p>
+            <a:r>
+              <a:rPr lang="en-US" dirty="0" smtClean="0"/>
+              <a:t>“BKG</a:t>
+            </a:r>
+            <a:r>
+              <a:rPr lang="en-US" dirty="0"/>
+              <a:t>, a Program That Plays </a:t>
+            </a:r>
+            <a:r>
+              <a:rPr lang="en-US" dirty="0" smtClean="0"/>
+              <a:t>Backgammon” - </a:t>
+            </a:r>
+            <a:r>
+              <a:rPr lang="en-US" dirty="0"/>
+              <a:t>Hans J. </a:t>
+            </a:r>
+            <a:r>
+              <a:rPr lang="en-US" dirty="0" smtClean="0"/>
+              <a:t>Berliner</a:t>
+            </a:r>
+            <a:endParaRPr lang="en-US" dirty="0"/>
+          </a:p>
+        </p:txBody>
+      </p:sp>
+    </p:spTree>
+    <p:extLst>
+      <p:ext uri="{BB962C8B-B14F-4D97-AF65-F5344CB8AC3E}">
+        <p14:creationId xmlns:p14="http://schemas.microsoft.com/office/powerpoint/2010/main" val="1901370559"/>
       </p:ext>
     </p:extLst>
   </p:cSld>
@@ -3729,7 +5648,7 @@
           <a:p>
             <a:r>
               <a:rPr lang="en-US" dirty="0" smtClean="0"/>
-              <a:t>Introduction</a:t>
+              <a:t>What is AI?</a:t>
             </a:r>
             <a:endParaRPr lang="en-US" dirty="0"/>
           </a:p>
@@ -3745,80 +5664,378 @@
             <p:ph idx="1"/>
           </p:nvPr>
         </p:nvSpPr>
-        <p:spPr/>
-        <p:txBody>
-          <a:bodyPr>
-            <a:normAutofit fontScale="92500" lnSpcReduction="10000"/>
+        <p:spPr>
+          <a:xfrm>
+            <a:off x="457200" y="1600201"/>
+            <a:ext cx="8229600" cy="4114800"/>
+          </a:xfrm>
+        </p:spPr>
+        <p:txBody>
+          <a:bodyPr/>
+          <a:lstStyle/>
+          <a:p>
+            <a:r>
+              <a:rPr lang="en-US" dirty="0" smtClean="0"/>
+              <a:t>Definitions:</a:t>
+            </a:r>
+          </a:p>
+          <a:p>
+            <a:endParaRPr lang="en-US" dirty="0"/>
+          </a:p>
+        </p:txBody>
+      </p:sp>
+      <p:graphicFrame>
+        <p:nvGraphicFramePr>
+          <p:cNvPr id="5" name="Table 4"/>
+          <p:cNvGraphicFramePr>
+            <a:graphicFrameLocks noGrp="1"/>
+          </p:cNvGraphicFramePr>
+          <p:nvPr>
+            <p:extLst>
+              <p:ext uri="{D42A27DB-BD31-4B8C-83A1-F6EECF244321}">
+                <p14:modId xmlns:p14="http://schemas.microsoft.com/office/powerpoint/2010/main" val="3754442472"/>
+              </p:ext>
+            </p:extLst>
+          </p:nvPr>
+        </p:nvGraphicFramePr>
+        <p:xfrm>
+          <a:off x="762000" y="2286000"/>
+          <a:ext cx="7010400" cy="3749040"/>
+        </p:xfrm>
+        <a:graphic>
+          <a:graphicData uri="http://schemas.openxmlformats.org/drawingml/2006/table">
+            <a:tbl>
+              <a:tblPr firstRow="1" bandRow="1">
+                <a:tableStyleId>{5C22544A-7EE6-4342-B048-85BDC9FD1C3A}</a:tableStyleId>
+              </a:tblPr>
+              <a:tblGrid>
+                <a:gridCol w="3505200"/>
+                <a:gridCol w="3505200"/>
+              </a:tblGrid>
+              <a:tr h="370840">
+                <a:tc>
+                  <a:txBody>
+                    <a:bodyPr/>
+                    <a:lstStyle/>
+                    <a:p>
+                      <a:r>
+                        <a:rPr lang="en-US" dirty="0" smtClean="0"/>
+                        <a:t>Thinking</a:t>
+                      </a:r>
+                      <a:r>
+                        <a:rPr lang="en-US" baseline="0" dirty="0" smtClean="0"/>
+                        <a:t> Humanly</a:t>
+                      </a:r>
+                    </a:p>
+                    <a:p>
+                      <a:r>
+                        <a:rPr lang="en-US" b="0" baseline="0" dirty="0" smtClean="0"/>
+                        <a:t>“[The automation of] activities that we associate with human thinking, activities such as decision-making, problem solving, learning …” (Bellman, 1978)</a:t>
+                      </a:r>
+                      <a:endParaRPr lang="en-US" b="0" dirty="0"/>
+                    </a:p>
+                  </a:txBody>
+                  <a:tcPr/>
+                </a:tc>
+                <a:tc>
+                  <a:txBody>
+                    <a:bodyPr/>
+                    <a:lstStyle/>
+                    <a:p>
+                      <a:r>
+                        <a:rPr lang="en-US" b="1" dirty="0" smtClean="0"/>
+                        <a:t>Thinking Rationally</a:t>
+                      </a:r>
+                    </a:p>
+                    <a:p>
+                      <a:r>
+                        <a:rPr lang="en-US" b="0" dirty="0" smtClean="0"/>
+                        <a:t>“The study of the computations that make</a:t>
+                      </a:r>
+                      <a:r>
+                        <a:rPr lang="en-US" b="0" baseline="0" dirty="0" smtClean="0"/>
+                        <a:t> it possible to perceive, reason, and act.” (Winston, 1992)</a:t>
+                      </a:r>
+                      <a:endParaRPr lang="en-US" b="0" dirty="0"/>
+                    </a:p>
+                  </a:txBody>
+                  <a:tcPr/>
+                </a:tc>
+              </a:tr>
+              <a:tr h="370840">
+                <a:tc>
+                  <a:txBody>
+                    <a:bodyPr/>
+                    <a:lstStyle/>
+                    <a:p>
+                      <a:r>
+                        <a:rPr lang="en-US" b="1" dirty="0" smtClean="0"/>
+                        <a:t>Acting Humanly</a:t>
+                      </a:r>
+                    </a:p>
+                    <a:p>
+                      <a:r>
+                        <a:rPr lang="en-US" b="0" dirty="0" smtClean="0"/>
+                        <a:t>“The study of</a:t>
+                      </a:r>
+                      <a:r>
+                        <a:rPr lang="en-US" b="0" baseline="0" dirty="0" smtClean="0"/>
+                        <a:t> how to make computers do things at which,  at the moment, people are better.” (Rich and Knight, 1991)</a:t>
+                      </a:r>
+                      <a:endParaRPr lang="en-US" b="0" dirty="0"/>
+                    </a:p>
+                  </a:txBody>
+                  <a:tcPr/>
+                </a:tc>
+                <a:tc>
+                  <a:txBody>
+                    <a:bodyPr/>
+                    <a:lstStyle/>
+                    <a:p>
+                      <a:r>
+                        <a:rPr lang="en-US" b="1" dirty="0" smtClean="0"/>
+                        <a:t>Acting Rationally</a:t>
+                      </a:r>
+                    </a:p>
+                    <a:p>
+                      <a:r>
+                        <a:rPr lang="en-US" b="0" dirty="0" smtClean="0"/>
+                        <a:t>“Computational Intelligence is the study</a:t>
+                      </a:r>
+                      <a:r>
+                        <a:rPr lang="en-US" b="0" baseline="0" dirty="0" smtClean="0"/>
+                        <a:t> of the design of intelligent agents.” (Poole </a:t>
+                      </a:r>
+                      <a:r>
+                        <a:rPr lang="en-US" b="0" i="1" baseline="0" dirty="0" smtClean="0"/>
+                        <a:t>et al.</a:t>
+                      </a:r>
+                      <a:r>
+                        <a:rPr lang="en-US" b="0" i="0" baseline="0" dirty="0" smtClean="0"/>
+                        <a:t>, 1998)</a:t>
+                      </a:r>
+                      <a:endParaRPr lang="en-US" b="0" dirty="0"/>
+                    </a:p>
+                  </a:txBody>
+                  <a:tcPr/>
+                </a:tc>
+              </a:tr>
+            </a:tbl>
+          </a:graphicData>
+        </a:graphic>
+      </p:graphicFrame>
+      <p:sp>
+        <p:nvSpPr>
+          <p:cNvPr id="7" name="Content Placeholder 2"/>
+          <p:cNvSpPr txBox="1">
+            <a:spLocks/>
+          </p:cNvSpPr>
+          <p:nvPr/>
+        </p:nvSpPr>
+        <p:spPr>
+          <a:xfrm>
+            <a:off x="457200" y="6019800"/>
+            <a:ext cx="8229600" cy="685799"/>
+          </a:xfrm>
+          <a:prstGeom prst="rect">
+            <a:avLst/>
+          </a:prstGeom>
+        </p:spPr>
+        <p:txBody>
+          <a:bodyPr vert="horz" anchor="t">
+            <a:normAutofit/>
           </a:bodyPr>
-          <a:lstStyle/>
-          <a:p>
-            <a:r>
-              <a:rPr lang="en-US" dirty="0" smtClean="0"/>
-              <a:t>What is AI?</a:t>
-            </a:r>
-          </a:p>
-          <a:p>
-            <a:r>
-              <a:rPr lang="en-US" dirty="0" smtClean="0"/>
-              <a:t>Agents</a:t>
-            </a:r>
-          </a:p>
-          <a:p>
-            <a:pPr lvl="1"/>
-            <a:r>
-              <a:rPr lang="en-US" dirty="0" smtClean="0"/>
-              <a:t>Rational Agents</a:t>
-            </a:r>
-          </a:p>
-          <a:p>
-            <a:r>
-              <a:rPr lang="en-US" dirty="0" smtClean="0"/>
-              <a:t>Environments</a:t>
-            </a:r>
-          </a:p>
-          <a:p>
-            <a:r>
-              <a:rPr lang="en-US" dirty="0" err="1" smtClean="0"/>
-              <a:t>Multiagent</a:t>
-            </a:r>
-            <a:r>
-              <a:rPr lang="en-US" dirty="0" smtClean="0"/>
-              <a:t> competitive environment</a:t>
-            </a:r>
-          </a:p>
-          <a:p>
-            <a:pPr lvl="1"/>
-            <a:r>
-              <a:rPr lang="en-US" dirty="0" smtClean="0"/>
-              <a:t>Games</a:t>
-            </a:r>
-          </a:p>
-          <a:p>
-            <a:r>
-              <a:rPr lang="en-US" dirty="0" smtClean="0"/>
-              <a:t>Game Theory</a:t>
-            </a:r>
-          </a:p>
-          <a:p>
-            <a:pPr lvl="1"/>
-            <a:r>
-              <a:rPr lang="en-US" dirty="0" smtClean="0"/>
-              <a:t>Agents = players</a:t>
-            </a:r>
-          </a:p>
-          <a:p>
-            <a:pPr lvl="1"/>
-            <a:r>
-              <a:rPr lang="en-US" dirty="0" smtClean="0"/>
-              <a:t>Environment = state</a:t>
-            </a:r>
+          <a:lstStyle>
+            <a:lvl1pPr marL="448056" indent="-384048" algn="l" rtl="0" eaLnBrk="1" latinLnBrk="0" hangingPunct="1">
+              <a:spcBef>
+                <a:spcPct val="20000"/>
+              </a:spcBef>
+              <a:buClr>
+                <a:schemeClr val="accent1"/>
+              </a:buClr>
+              <a:buSzPct val="80000"/>
+              <a:buFont typeface="Wingdings 2"/>
+              <a:buChar char=""/>
+              <a:defRPr kumimoji="0" sz="3000" kern="1200">
+                <a:solidFill>
+                  <a:schemeClr val="tx1"/>
+                </a:solidFill>
+                <a:latin typeface="+mn-lt"/>
+                <a:ea typeface="+mn-ea"/>
+                <a:cs typeface="+mn-cs"/>
+              </a:defRPr>
+            </a:lvl1pPr>
+            <a:lvl2pPr marL="822960" indent="-285750" algn="l" rtl="0" eaLnBrk="1" latinLnBrk="0" hangingPunct="1">
+              <a:spcBef>
+                <a:spcPct val="20000"/>
+              </a:spcBef>
+              <a:buClr>
+                <a:schemeClr val="accent1"/>
+              </a:buClr>
+              <a:buSzPct val="95000"/>
+              <a:buFont typeface="Verdana"/>
+              <a:buChar char="›"/>
+              <a:defRPr kumimoji="0" sz="2600" kern="1200">
+                <a:solidFill>
+                  <a:schemeClr val="tx1"/>
+                </a:solidFill>
+                <a:latin typeface="+mn-lt"/>
+                <a:ea typeface="+mn-ea"/>
+                <a:cs typeface="+mn-cs"/>
+              </a:defRPr>
+            </a:lvl2pPr>
+            <a:lvl3pPr marL="1106424" indent="-228600" algn="l" rtl="0" eaLnBrk="1" latinLnBrk="0" hangingPunct="1">
+              <a:spcBef>
+                <a:spcPct val="20000"/>
+              </a:spcBef>
+              <a:buClr>
+                <a:schemeClr val="accent1"/>
+              </a:buClr>
+              <a:buFont typeface="Wingdings 2"/>
+              <a:buChar char=""/>
+              <a:defRPr kumimoji="0" sz="2400" kern="1200">
+                <a:solidFill>
+                  <a:schemeClr val="tx1"/>
+                </a:solidFill>
+                <a:latin typeface="+mn-lt"/>
+                <a:ea typeface="+mn-ea"/>
+                <a:cs typeface="+mn-cs"/>
+              </a:defRPr>
+            </a:lvl3pPr>
+            <a:lvl4pPr marL="1371600" indent="-210312" algn="l" rtl="0" eaLnBrk="1" latinLnBrk="0" hangingPunct="1">
+              <a:spcBef>
+                <a:spcPct val="20000"/>
+              </a:spcBef>
+              <a:buClr>
+                <a:schemeClr val="accent1"/>
+              </a:buClr>
+              <a:buFont typeface="Wingdings 2"/>
+              <a:buChar char=""/>
+              <a:defRPr kumimoji="0" sz="2000" kern="1200">
+                <a:solidFill>
+                  <a:schemeClr val="tx1"/>
+                </a:solidFill>
+                <a:latin typeface="+mn-lt"/>
+                <a:ea typeface="+mn-ea"/>
+                <a:cs typeface="+mn-cs"/>
+              </a:defRPr>
+            </a:lvl4pPr>
+            <a:lvl5pPr marL="1600200" indent="-210312" algn="l" rtl="0" eaLnBrk="1" latinLnBrk="0" hangingPunct="1">
+              <a:spcBef>
+                <a:spcPct val="20000"/>
+              </a:spcBef>
+              <a:buClr>
+                <a:schemeClr val="accent1">
+                  <a:tint val="75000"/>
+                </a:schemeClr>
+              </a:buClr>
+              <a:buFont typeface="Wingdings 2"/>
+              <a:buChar char=""/>
+              <a:defRPr kumimoji="0" sz="1900" kern="1200">
+                <a:solidFill>
+                  <a:schemeClr val="tx1"/>
+                </a:solidFill>
+                <a:latin typeface="+mn-lt"/>
+                <a:ea typeface="+mn-ea"/>
+                <a:cs typeface="+mn-cs"/>
+              </a:defRPr>
+            </a:lvl5pPr>
+            <a:lvl6pPr marL="1828800" indent="-210312" algn="l" rtl="0" eaLnBrk="1" latinLnBrk="0" hangingPunct="1">
+              <a:spcBef>
+                <a:spcPct val="20000"/>
+              </a:spcBef>
+              <a:buClr>
+                <a:schemeClr val="accent1">
+                  <a:tint val="75000"/>
+                </a:schemeClr>
+              </a:buClr>
+              <a:buFont typeface="Wingdings 2"/>
+              <a:buChar char=""/>
+              <a:defRPr kumimoji="0" sz="1800" kern="1200">
+                <a:solidFill>
+                  <a:schemeClr val="tx1"/>
+                </a:solidFill>
+                <a:latin typeface="+mn-lt"/>
+                <a:ea typeface="+mn-ea"/>
+                <a:cs typeface="+mn-cs"/>
+              </a:defRPr>
+            </a:lvl6pPr>
+            <a:lvl7pPr marL="2084832" indent="-210312" algn="l" rtl="0" eaLnBrk="1" latinLnBrk="0" hangingPunct="1">
+              <a:spcBef>
+                <a:spcPct val="20000"/>
+              </a:spcBef>
+              <a:buClr>
+                <a:schemeClr val="accent1">
+                  <a:tint val="75000"/>
+                </a:schemeClr>
+              </a:buClr>
+              <a:buFont typeface="Wingdings 2"/>
+              <a:buChar char=""/>
+              <a:defRPr kumimoji="0" sz="1600" kern="1200">
+                <a:solidFill>
+                  <a:schemeClr val="tx1"/>
+                </a:solidFill>
+                <a:latin typeface="+mn-lt"/>
+                <a:ea typeface="+mn-ea"/>
+                <a:cs typeface="+mn-cs"/>
+              </a:defRPr>
+            </a:lvl7pPr>
+            <a:lvl8pPr marL="2286000" indent="-182880" algn="l" rtl="0" eaLnBrk="1" latinLnBrk="0" hangingPunct="1">
+              <a:spcBef>
+                <a:spcPct val="20000"/>
+              </a:spcBef>
+              <a:buClr>
+                <a:schemeClr val="accent1">
+                  <a:tint val="75000"/>
+                </a:schemeClr>
+              </a:buClr>
+              <a:buFont typeface="Wingdings 2"/>
+              <a:buChar char=""/>
+              <a:defRPr kumimoji="0" sz="1600" kern="1200">
+                <a:solidFill>
+                  <a:schemeClr val="tx1"/>
+                </a:solidFill>
+                <a:latin typeface="+mn-lt"/>
+                <a:ea typeface="+mn-ea"/>
+                <a:cs typeface="+mn-cs"/>
+              </a:defRPr>
+            </a:lvl8pPr>
+            <a:lvl9pPr marL="2514600" indent="-182880" algn="l" rtl="0" eaLnBrk="1" latinLnBrk="0" hangingPunct="1">
+              <a:spcBef>
+                <a:spcPct val="20000"/>
+              </a:spcBef>
+              <a:buClr>
+                <a:schemeClr val="accent1">
+                  <a:tint val="75000"/>
+                </a:schemeClr>
+              </a:buClr>
+              <a:buFont typeface="Wingdings 2"/>
+              <a:buChar char=""/>
+              <a:defRPr kumimoji="0" sz="1600" kern="1200">
+                <a:solidFill>
+                  <a:schemeClr val="tx1"/>
+                </a:solidFill>
+                <a:latin typeface="+mn-lt"/>
+                <a:ea typeface="+mn-ea"/>
+                <a:cs typeface="+mn-cs"/>
+              </a:defRPr>
+            </a:lvl9pPr>
+          </a:lstStyle>
+          <a:p>
+            <a:r>
+              <a:rPr lang="en-US" dirty="0" smtClean="0"/>
+              <a:t>For our project: Acting Rationally</a:t>
+            </a:r>
+          </a:p>
+          <a:p>
+            <a:endParaRPr lang="en-US" dirty="0"/>
           </a:p>
         </p:txBody>
       </p:sp>
     </p:spTree>
     <p:extLst>
       <p:ext uri="{BB962C8B-B14F-4D97-AF65-F5344CB8AC3E}">
-        <p14:creationId xmlns:p14="http://schemas.microsoft.com/office/powerpoint/2010/main" val="16769560"/>
+        <p14:creationId xmlns:p14="http://schemas.microsoft.com/office/powerpoint/2010/main" val="360593545"/>
       </p:ext>
     </p:extLst>
   </p:cSld>
@@ -3862,7 +6079,7 @@
           <a:p>
             <a:r>
               <a:rPr lang="en-US" dirty="0" smtClean="0"/>
-              <a:t>Introduction</a:t>
+              <a:t>Game Theory in AI</a:t>
             </a:r>
             <a:endParaRPr lang="en-US" dirty="0"/>
           </a:p>
@@ -3880,29 +6097,59 @@
         </p:nvSpPr>
         <p:spPr/>
         <p:txBody>
-          <a:bodyPr/>
-          <a:lstStyle/>
-          <a:p>
-            <a:r>
-              <a:rPr lang="en-US" dirty="0" smtClean="0"/>
-              <a:t>Most are turn-taking, two-player, zero-sum games of perfect information</a:t>
-            </a:r>
-          </a:p>
-          <a:p>
-            <a:r>
-              <a:rPr lang="en-US" dirty="0" smtClean="0"/>
-              <a:t>Picture her: tic-tac toe.</a:t>
-            </a:r>
-          </a:p>
-          <a:p>
-            <a:endParaRPr lang="en-US" dirty="0"/>
+          <a:bodyPr>
+            <a:normAutofit/>
+          </a:bodyPr>
+          <a:lstStyle/>
+          <a:p>
+            <a:r>
+              <a:rPr lang="en-US" dirty="0" smtClean="0"/>
+              <a:t>Environments</a:t>
+            </a:r>
+          </a:p>
+          <a:p>
+            <a:r>
+              <a:rPr lang="en-US" dirty="0" err="1" smtClean="0"/>
+              <a:t>Multiagent</a:t>
+            </a:r>
+            <a:r>
+              <a:rPr lang="en-US" dirty="0" smtClean="0"/>
+              <a:t> competitive environment</a:t>
+            </a:r>
+          </a:p>
+          <a:p>
+            <a:pPr lvl="1"/>
+            <a:r>
+              <a:rPr lang="en-US" dirty="0" smtClean="0"/>
+              <a:t>Games</a:t>
+            </a:r>
+          </a:p>
+          <a:p>
+            <a:r>
+              <a:rPr lang="en-US" dirty="0" smtClean="0"/>
+              <a:t>Game Theory</a:t>
+            </a:r>
+          </a:p>
+          <a:p>
+            <a:pPr lvl="1"/>
+            <a:r>
+              <a:rPr lang="en-US" dirty="0" smtClean="0"/>
+              <a:t>Agents = players</a:t>
+            </a:r>
+          </a:p>
+          <a:p>
+            <a:pPr lvl="1"/>
+            <a:r>
+              <a:rPr lang="en-US" dirty="0" smtClean="0"/>
+              <a:t>Environment = state</a:t>
+            </a:r>
           </a:p>
         </p:txBody>
       </p:sp>
     </p:spTree>
     <p:extLst>
       <p:ext uri="{BB962C8B-B14F-4D97-AF65-F5344CB8AC3E}">
-        <p14:creationId xmlns:p14="http://schemas.microsoft.com/office/powerpoint/2010/main" val="3216810777"/>
+        <p14:creationId xmlns:p14="http://schemas.microsoft.com/office/powerpoint/2010/main" val="16769560"/>
       </p:ext>
     </p:extLst>
   </p:cSld>
@@ -3946,7 +6193,7 @@
           <a:p>
             <a:r>
               <a:rPr lang="en-US" dirty="0" smtClean="0"/>
-              <a:t>The project</a:t>
+              <a:t>Introduction</a:t>
             </a:r>
             <a:endParaRPr lang="en-US" dirty="0"/>
           </a:p>
@@ -3959,75 +6206,90 @@
             <a:spLocks noGrp="1"/>
           </p:cNvSpPr>
           <p:nvPr>
-            <p:ph sz="half" idx="1"/>
-          </p:nvPr>
-        </p:nvSpPr>
-        <p:spPr/>
-        <p:txBody>
-          <a:bodyPr/>
-          <a:lstStyle/>
-          <a:p>
-            <a:r>
-              <a:rPr lang="en-US" dirty="0" smtClean="0"/>
-              <a:t>Apply game theory to an AI for backgammon</a:t>
-            </a:r>
-          </a:p>
-          <a:p>
-            <a:r>
-              <a:rPr lang="en-US" dirty="0" smtClean="0"/>
-              <a:t>Backgammon Intro:</a:t>
-            </a:r>
-          </a:p>
-          <a:p>
-            <a:pPr lvl="1"/>
-            <a:r>
-              <a:rPr lang="en-US" dirty="0" smtClean="0"/>
-              <a:t>Goal: remove all your checkers from board</a:t>
-            </a:r>
-          </a:p>
-          <a:p>
-            <a:pPr lvl="1"/>
-            <a:r>
-              <a:rPr lang="en-US" dirty="0" smtClean="0"/>
-              <a:t>talk</a:t>
-            </a:r>
+            <p:ph idx="1"/>
+          </p:nvPr>
+        </p:nvSpPr>
+        <p:spPr/>
+        <p:txBody>
+          <a:bodyPr/>
+          <a:lstStyle/>
+          <a:p>
+            <a:r>
+              <a:rPr lang="en-US" dirty="0" smtClean="0"/>
+              <a:t>Most are turn-taking, two-player, zero-sum games of perfect information. (tic </a:t>
+            </a:r>
+            <a:r>
+              <a:rPr lang="en-US" dirty="0" err="1" smtClean="0"/>
+              <a:t>tac</a:t>
+            </a:r>
+            <a:r>
+              <a:rPr lang="en-US" dirty="0" smtClean="0"/>
+              <a:t> toe)</a:t>
+            </a:r>
+          </a:p>
+          <a:p>
             <a:endParaRPr lang="en-US" dirty="0"/>
           </a:p>
         </p:txBody>
       </p:sp>
       <p:pic>
         <p:nvPicPr>
-          <p:cNvPr id="5" name="Content Placeholder 4"/>
+          <p:cNvPr id="1026" name="Picture 2"/>
           <p:cNvPicPr>
-            <a:picLocks noGrp="1" noChangeAspect="1"/>
+            <a:picLocks noChangeAspect="1" noChangeArrowheads="1"/>
           </p:cNvPicPr>
-          <p:nvPr>
-            <p:ph sz="half" idx="2"/>
-          </p:nvPr>
+          <p:nvPr/>
         </p:nvPicPr>
         <p:blipFill>
-          <a:blip r:embed="rId2">
+          <a:blip r:embed="rId3">
             <a:extLst>
               <a:ext uri="{28A0092B-C50C-407E-A947-70E740481C1C}">
                 <a14:useLocalDpi xmlns:a14="http://schemas.microsoft.com/office/drawing/2010/main" val="0"/>
               </a:ext>
             </a:extLst>
           </a:blip>
+          <a:srcRect/>
           <a:stretch>
             <a:fillRect/>
           </a:stretch>
         </p:blipFill>
-        <p:spPr>
+        <p:spPr bwMode="auto">
           <a:xfrm>
-            <a:off x="5300662" y="2715419"/>
-            <a:ext cx="2733675" cy="2295525"/>
+            <a:off x="2819400" y="2971800"/>
+            <a:ext cx="5050056" cy="3594686"/>
           </a:xfrm>
+          <a:prstGeom prst="rect">
+            <a:avLst/>
+          </a:prstGeom>
+          <a:noFill/>
+          <a:ln>
+            <a:noFill/>
+          </a:ln>
+          <a:extLst>
+            <a:ext uri="{909E8E84-426E-40DD-AFC4-6F175D3DCCD1}">
+              <a14:hiddenFill xmlns:a14="http://schemas.microsoft.com/office/drawing/2010/main">
+                <a:solidFill>
+                  <a:schemeClr val="accent1"/>
+                </a:solidFill>
+              </a14:hiddenFill>
+            </a:ext>
+            <a:ext uri="{91240B29-F687-4F45-9708-019B960494DF}">
+              <a14:hiddenLine xmlns:a14="http://schemas.microsoft.com/office/drawing/2010/main" w="9525">
+                <a:solidFill>
+                  <a:schemeClr val="tx1"/>
+                </a:solidFill>
+                <a:miter lim="800000"/>
+                <a:headEnd/>
+                <a:tailEnd/>
+              </a14:hiddenLine>
+            </a:ext>
+          </a:extLst>
         </p:spPr>
       </p:pic>
     </p:spTree>
     <p:extLst>
       <p:ext uri="{BB962C8B-B14F-4D97-AF65-F5344CB8AC3E}">
-        <p14:creationId xmlns:p14="http://schemas.microsoft.com/office/powerpoint/2010/main" val="3548329383"/>
+        <p14:creationId xmlns:p14="http://schemas.microsoft.com/office/powerpoint/2010/main" val="3216810777"/>
       </p:ext>
     </p:extLst>
   </p:cSld>
@@ -4056,7 +6318,7 @@
       </p:grpSpPr>
       <p:sp>
         <p:nvSpPr>
-          <p:cNvPr id="5" name="Title 4"/>
+          <p:cNvPr id="2" name="Title 1"/>
           <p:cNvSpPr>
             <a:spLocks noGrp="1"/>
           </p:cNvSpPr>
@@ -4071,7 +6333,7 @@
           <a:p>
             <a:r>
               <a:rPr lang="en-US" dirty="0" smtClean="0"/>
-              <a:t>Game Formulation</a:t>
+              <a:t>The project</a:t>
             </a:r>
             <a:endParaRPr lang="en-US" dirty="0"/>
           </a:p>
@@ -4079,64 +6341,83 @@
       </p:sp>
       <p:sp>
         <p:nvSpPr>
-          <p:cNvPr id="6" name="Content Placeholder 5"/>
-          <p:cNvSpPr>
-            <a:spLocks noGrp="1"/>
-          </p:cNvSpPr>
-          <p:nvPr>
-            <p:ph idx="1"/>
-          </p:nvPr>
-        </p:nvSpPr>
-        <p:spPr/>
-        <p:txBody>
-          <a:bodyPr/>
-          <a:lstStyle/>
-          <a:p>
-            <a:r>
-              <a:rPr lang="en-US" dirty="0" smtClean="0"/>
-              <a:t>Turn-taking, two-player, zero-sum game with perfect information</a:t>
+          <p:cNvPr id="3" name="Content Placeholder 2"/>
+          <p:cNvSpPr>
+            <a:spLocks noGrp="1"/>
+          </p:cNvSpPr>
+          <p:nvPr>
+            <p:ph sz="half" idx="1"/>
+          </p:nvPr>
+        </p:nvSpPr>
+        <p:spPr/>
+        <p:txBody>
+          <a:bodyPr/>
+          <a:lstStyle/>
+          <a:p>
+            <a:r>
+              <a:rPr lang="en-US" dirty="0" smtClean="0"/>
+              <a:t>Apply game theory to an AI for backgammon</a:t>
+            </a:r>
+          </a:p>
+          <a:p>
+            <a:r>
+              <a:rPr lang="en-US" dirty="0" smtClean="0"/>
+              <a:t>Backgammon Intro:</a:t>
             </a:r>
           </a:p>
           <a:p>
             <a:pPr lvl="1"/>
             <a:r>
               <a:rPr lang="en-US" dirty="0" smtClean="0"/>
-              <a:t>Players: 2 players (AI and Human)</a:t>
+              <a:t>Goal: remove all your checkers from board</a:t>
             </a:r>
           </a:p>
           <a:p>
             <a:pPr lvl="1"/>
             <a:r>
               <a:rPr lang="en-US" dirty="0" smtClean="0"/>
-              <a:t>Strategies: Actions (set of checker moves based on dice roll)</a:t>
-            </a:r>
-          </a:p>
-          <a:p>
-            <a:pPr lvl="1"/>
-            <a:r>
-              <a:rPr lang="en-US" dirty="0" smtClean="0"/>
-              <a:t>Utility: -1 (Lose), 0 (Tie), 1 (Win)</a:t>
-            </a:r>
-          </a:p>
-          <a:p>
-            <a:r>
-              <a:rPr lang="en-US" dirty="0" smtClean="0"/>
-              <a:t>Is it deterministic?</a:t>
-            </a:r>
-          </a:p>
-          <a:p>
-            <a:pPr lvl="1"/>
-            <a:r>
-              <a:rPr lang="en-US" dirty="0" smtClean="0"/>
-              <a:t>NOOOOOOO</a:t>
-            </a:r>
-          </a:p>
-        </p:txBody>
-      </p:sp>
+              <a:t>Movement of the checkers</a:t>
+            </a:r>
+            <a:endParaRPr lang="en-US" dirty="0"/>
+          </a:p>
+        </p:txBody>
+      </p:sp>
+      <p:pic>
+        <p:nvPicPr>
+          <p:cNvPr id="5" name="Content Placeholder 4"/>
+          <p:cNvPicPr>
+            <a:picLocks noGrp="1" noChangeAspect="1"/>
+          </p:cNvPicPr>
+          <p:nvPr>
+            <p:ph sz="half" idx="2"/>
+          </p:nvPr>
+        </p:nvPicPr>
+        <p:blipFill>
+          <a:blip r:embed="rId3">
+            <a:extLst>
+              <a:ext uri="{28A0092B-C50C-407E-A947-70E740481C1C}">
+                <a14:useLocalDpi xmlns:a14="http://schemas.microsoft.com/office/drawing/2010/main" val="0"/>
+              </a:ext>
+            </a:extLst>
+          </a:blip>
+          <a:stretch>
+            <a:fillRect/>
+          </a:stretch>
+        </p:blipFill>
+        <p:spPr>
+          <a:xfrm>
+            <a:off x="5105400" y="2209800"/>
+            <a:ext cx="3154313" cy="2648744"/>
+          </a:xfrm>
+          <a:solidFill>
+            <a:schemeClr val="tx1"/>
+          </a:solidFill>
+        </p:spPr>
+      </p:pic>
     </p:spTree>
     <p:extLst>
       <p:ext uri="{BB962C8B-B14F-4D97-AF65-F5344CB8AC3E}">
-        <p14:creationId xmlns:p14="http://schemas.microsoft.com/office/powerpoint/2010/main" val="400629881"/>
+        <p14:creationId xmlns:p14="http://schemas.microsoft.com/office/powerpoint/2010/main" val="3548329383"/>
       </p:ext>
     </p:extLst>
   </p:cSld>
@@ -4165,7 +6446,7 @@
       </p:grpSpPr>
       <p:sp>
         <p:nvSpPr>
-          <p:cNvPr id="2" name="Title 1"/>
+          <p:cNvPr id="5" name="Title 4"/>
           <p:cNvSpPr>
             <a:spLocks noGrp="1"/>
           </p:cNvSpPr>
@@ -4180,7 +6461,7 @@
           <a:p>
             <a:r>
               <a:rPr lang="en-US" dirty="0" smtClean="0"/>
-              <a:t>Stochastic Games</a:t>
+              <a:t>Game Formulation</a:t>
             </a:r>
             <a:endParaRPr lang="en-US" dirty="0"/>
           </a:p>
@@ -4188,7 +6469,7 @@
       </p:sp>
       <p:sp>
         <p:nvSpPr>
-          <p:cNvPr id="3" name="Content Placeholder 2"/>
+          <p:cNvPr id="6" name="Content Placeholder 5"/>
           <p:cNvSpPr>
             <a:spLocks noGrp="1"/>
           </p:cNvSpPr>
@@ -4203,23 +6484,49 @@
           <a:p>
             <a:r>
               <a:rPr lang="en-US" dirty="0" smtClean="0"/>
-              <a:t>Stochastic games vs. deterministic games:</a:t>
+              <a:t>Turn-taking, two-player, zero-sum game with perfect information</a:t>
             </a:r>
           </a:p>
           <a:p>
             <a:pPr lvl="1"/>
             <a:r>
               <a:rPr lang="en-US" dirty="0" smtClean="0"/>
-              <a:t>(pic here)</a:t>
-            </a:r>
-            <a:endParaRPr lang="en-US" dirty="0"/>
+              <a:t>Players: 2 players (AI and Human)</a:t>
+            </a:r>
+          </a:p>
+          <a:p>
+            <a:pPr lvl="1"/>
+            <a:r>
+              <a:rPr lang="en-US" dirty="0" smtClean="0"/>
+              <a:t>Strategies: Actions (set of checker moves based on dice roll)</a:t>
+            </a:r>
+          </a:p>
+          <a:p>
+            <a:pPr lvl="1"/>
+            <a:r>
+              <a:rPr lang="en-US" dirty="0" smtClean="0"/>
+              <a:t>Utility: -1 (Lose), 1 (Win)</a:t>
+            </a:r>
+          </a:p>
+          <a:p>
+            <a:r>
+              <a:rPr lang="en-US" dirty="0" smtClean="0"/>
+              <a:t>Is it deterministic?</a:t>
+            </a:r>
+          </a:p>
+          <a:p>
+            <a:pPr lvl="1"/>
+            <a:r>
+              <a:rPr lang="en-US" dirty="0" smtClean="0"/>
+              <a:t>NOOOOOOO</a:t>
+            </a:r>
           </a:p>
         </p:txBody>
       </p:sp>
     </p:spTree>
     <p:extLst>
       <p:ext uri="{BB962C8B-B14F-4D97-AF65-F5344CB8AC3E}">
-        <p14:creationId xmlns:p14="http://schemas.microsoft.com/office/powerpoint/2010/main" val="930600906"/>
+        <p14:creationId xmlns:p14="http://schemas.microsoft.com/office/powerpoint/2010/main" val="400629881"/>
       </p:ext>
     </p:extLst>
   </p:cSld>
@@ -4263,7 +6570,7 @@
           <a:p>
             <a:r>
               <a:rPr lang="en-US" dirty="0" smtClean="0"/>
-              <a:t>Nash Equilibrium</a:t>
+              <a:t>Stochastic Games</a:t>
             </a:r>
             <a:endParaRPr lang="en-US" dirty="0"/>
           </a:p>
@@ -4286,48 +6593,23 @@
           <a:p>
             <a:r>
               <a:rPr lang="en-US" dirty="0" smtClean="0"/>
-              <a:t>We theoretically could backtrack… but</a:t>
+              <a:t>Stochastic games vs. deterministic games:</a:t>
             </a:r>
           </a:p>
           <a:p>
             <a:pPr lvl="1"/>
             <a:r>
               <a:rPr lang="en-US" dirty="0" smtClean="0"/>
-              <a:t>21 possible rolls with 2 dice</a:t>
-            </a:r>
-          </a:p>
-          <a:p>
-            <a:pPr lvl="1"/>
-            <a:r>
-              <a:rPr lang="en-US" dirty="0" smtClean="0"/>
-              <a:t>Given the dice roll, ≈ 20 legal moves on average </a:t>
-            </a:r>
-          </a:p>
-          <a:p>
-            <a:pPr lvl="1"/>
-            <a:r>
-              <a:rPr lang="en-US" dirty="0" smtClean="0"/>
-              <a:t>depth 4 = 20×(21×20)3 ≈ 1.2×109 </a:t>
-            </a:r>
-          </a:p>
-          <a:p>
-            <a:r>
-              <a:rPr lang="en-US" dirty="0" smtClean="0"/>
-              <a:t>Computationally expensive!!</a:t>
-            </a:r>
-          </a:p>
-          <a:p>
-            <a:r>
-              <a:rPr lang="en-US" dirty="0" smtClean="0"/>
-              <a:t>So what now?</a:t>
-            </a:r>
+              <a:t>(pic here)</a:t>
+            </a:r>
+            <a:endParaRPr lang="en-US" dirty="0"/>
           </a:p>
         </p:txBody>
       </p:sp>
     </p:spTree>
     <p:extLst>
       <p:ext uri="{BB962C8B-B14F-4D97-AF65-F5344CB8AC3E}">
-        <p14:creationId xmlns:p14="http://schemas.microsoft.com/office/powerpoint/2010/main" val="3304627069"/>
+        <p14:creationId xmlns:p14="http://schemas.microsoft.com/office/powerpoint/2010/main" val="930600906"/>
       </p:ext>
     </p:extLst>
   </p:cSld>
@@ -4371,7 +6653,7 @@
           <a:p>
             <a:r>
               <a:rPr lang="en-US" dirty="0" smtClean="0"/>
-              <a:t>Approaches/Past work</a:t>
+              <a:t>Nash Equilibrium</a:t>
             </a:r>
             <a:endParaRPr lang="en-US" dirty="0"/>
           </a:p>
@@ -4394,76 +6676,55 @@
           <a:p>
             <a:r>
               <a:rPr lang="en-US" dirty="0" smtClean="0"/>
-              <a:t>Approaches</a:t>
+              <a:t>We theoretically could backtrack… but</a:t>
             </a:r>
           </a:p>
           <a:p>
             <a:pPr lvl="1"/>
             <a:r>
               <a:rPr lang="en-US" dirty="0" smtClean="0"/>
-              <a:t>Monte Carlo pruning</a:t>
+              <a:t>21 possible rolls with 2 dice</a:t>
             </a:r>
           </a:p>
           <a:p>
             <a:pPr lvl="1"/>
             <a:r>
-              <a:rPr lang="en-US" dirty="0" err="1" smtClean="0"/>
-              <a:t>Minimax</a:t>
-            </a:r>
-            <a:r>
-              <a:rPr lang="en-US" dirty="0" smtClean="0"/>
-              <a:t> pruning</a:t>
-            </a:r>
-          </a:p>
-          <a:p>
-            <a:endParaRPr lang="en-US" dirty="0" smtClean="0"/>
-          </a:p>
-          <a:p>
-            <a:r>
-              <a:rPr lang="en-US" dirty="0" smtClean="0"/>
-              <a:t>Past Work</a:t>
-            </a:r>
-            <a:endParaRPr lang="en-US" dirty="0"/>
+              <a:rPr lang="en-US" dirty="0" smtClean="0"/>
+              <a:t>Given the dice roll, ≈ 20 legal moves on average </a:t>
+            </a:r>
+          </a:p>
+          <a:p>
+            <a:pPr lvl="2"/>
+            <a:r>
+              <a:rPr lang="en-US" dirty="0" smtClean="0"/>
+              <a:t>Rolling doubles!!!!</a:t>
+            </a:r>
           </a:p>
           <a:p>
             <a:pPr lvl="1"/>
             <a:r>
               <a:rPr lang="en-US" dirty="0" smtClean="0"/>
-              <a:t>Reinforcement learning with neural networks</a:t>
-            </a:r>
-          </a:p>
-          <a:p>
-            <a:pPr lvl="1"/>
-            <a:r>
-              <a:rPr lang="en-US" smtClean="0"/>
-              <a:t>TDGammon</a:t>
-            </a:r>
-            <a:endParaRPr lang="en-US" dirty="0" smtClean="0"/>
-          </a:p>
-          <a:p>
-            <a:pPr lvl="1"/>
-            <a:r>
-              <a:rPr lang="en-US" dirty="0" smtClean="0"/>
-              <a:t>BKG progra</a:t>
-            </a:r>
-            <a:r>
-              <a:rPr lang="en-US" dirty="0"/>
-              <a:t>m</a:t>
-            </a:r>
-            <a:endParaRPr lang="en-US" dirty="0" smtClean="0"/>
-          </a:p>
-          <a:p>
-            <a:pPr marL="0" indent="0">
-              <a:buNone/>
-            </a:pPr>
-            <a:endParaRPr lang="en-US" dirty="0"/>
+              <a:t>depth 4 = 20×(21×20)3 ≈ 1.2×109 </a:t>
+            </a:r>
+          </a:p>
+          <a:p>
+            <a:r>
+              <a:rPr lang="en-US" dirty="0" smtClean="0"/>
+              <a:t>Computationally expensive!!</a:t>
+            </a:r>
+          </a:p>
+          <a:p>
+            <a:r>
+              <a:rPr lang="en-US" dirty="0" smtClean="0"/>
+              <a:t>So what now?</a:t>
+            </a:r>
           </a:p>
         </p:txBody>
       </p:sp>
     </p:spTree>
     <p:extLst>
       <p:ext uri="{BB962C8B-B14F-4D97-AF65-F5344CB8AC3E}">
-        <p14:creationId xmlns:p14="http://schemas.microsoft.com/office/powerpoint/2010/main" val="434518544"/>
+        <p14:creationId xmlns:p14="http://schemas.microsoft.com/office/powerpoint/2010/main" val="3304627069"/>
       </p:ext>
     </p:extLst>
   </p:cSld>
@@ -4502,14 +6763,12 @@
         </p:nvSpPr>
         <p:spPr/>
         <p:txBody>
-          <a:bodyPr>
-            <a:normAutofit/>
-          </a:bodyPr>
-          <a:lstStyle/>
-          <a:p>
-            <a:r>
-              <a:rPr lang="en-US" dirty="0" smtClean="0"/>
-              <a:t>What now?</a:t>
+          <a:bodyPr/>
+          <a:lstStyle/>
+          <a:p>
+            <a:r>
+              <a:rPr lang="en-US" dirty="0" smtClean="0"/>
+              <a:t>Approaches/Past work</a:t>
             </a:r>
             <a:endParaRPr lang="en-US" dirty="0"/>
           </a:p>
@@ -4532,46 +6791,76 @@
           <a:p>
             <a:r>
               <a:rPr lang="en-US" dirty="0" smtClean="0"/>
-              <a:t>What we have done:</a:t>
+              <a:t>Approaches</a:t>
             </a:r>
           </a:p>
           <a:p>
             <a:pPr lvl="1"/>
             <a:r>
               <a:rPr lang="en-US" dirty="0" smtClean="0"/>
-              <a:t>Enumerating legal plays</a:t>
+              <a:t>Monte Carlo pruning</a:t>
             </a:r>
           </a:p>
           <a:p>
             <a:pPr lvl="1"/>
+            <a:r>
+              <a:rPr lang="en-US" dirty="0" err="1" smtClean="0"/>
+              <a:t>Minimax</a:t>
+            </a:r>
+            <a:r>
+              <a:rPr lang="en-US" dirty="0" smtClean="0"/>
+              <a:t> pruning</a:t>
+            </a:r>
+          </a:p>
+          <a:p>
+            <a:endParaRPr lang="en-US" dirty="0" smtClean="0"/>
+          </a:p>
+          <a:p>
+            <a:r>
+              <a:rPr lang="en-US" dirty="0" smtClean="0"/>
+              <a:t>Past Work</a:t>
+            </a:r>
             <a:endParaRPr lang="en-US" dirty="0"/>
           </a:p>
           <a:p>
-            <a:r>
-              <a:rPr lang="en-US" dirty="0" smtClean="0"/>
-              <a:t>What we need to do:</a:t>
-            </a:r>
-          </a:p>
-          <a:p>
             <a:pPr lvl="1"/>
             <a:r>
               <a:rPr lang="en-US" dirty="0" smtClean="0"/>
-              <a:t>Introduce the evaluation function</a:t>
+              <a:t>Reinforcement learning with neural networks</a:t>
             </a:r>
           </a:p>
           <a:p>
             <a:pPr lvl="1"/>
             <a:r>
-              <a:rPr lang="en-US" dirty="0" smtClean="0"/>
-              <a:t>Set up the AI</a:t>
-            </a:r>
+              <a:rPr lang="en-US" dirty="0" err="1" smtClean="0"/>
+              <a:t>TDGammon</a:t>
+            </a:r>
+            <a:endParaRPr lang="en-US" dirty="0" smtClean="0"/>
+          </a:p>
+          <a:p>
+            <a:pPr lvl="1"/>
+            <a:r>
+              <a:rPr lang="en-US" dirty="0" smtClean="0"/>
+              <a:t>BKG progra</a:t>
+            </a:r>
+            <a:r>
+              <a:rPr lang="en-US" dirty="0"/>
+              <a:t>m</a:t>
+            </a:r>
+            <a:endParaRPr lang="en-US" dirty="0" smtClean="0"/>
+          </a:p>
+          <a:p>
+            <a:pPr marL="0" indent="0">
+              <a:buNone/>
+            </a:pPr>
+            <a:endParaRPr lang="en-US" dirty="0"/>
           </a:p>
         </p:txBody>
       </p:sp>
     </p:spTree>
     <p:extLst>
       <p:ext uri="{BB962C8B-B14F-4D97-AF65-F5344CB8AC3E}">
-        <p14:creationId xmlns:p14="http://schemas.microsoft.com/office/powerpoint/2010/main" val="769050548"/>
+        <p14:creationId xmlns:p14="http://schemas.microsoft.com/office/powerpoint/2010/main" val="434518544"/>
       </p:ext>
     </p:extLst>
   </p:cSld>
@@ -4582,9 +6871,9 @@
 </file>
 
 <file path=ppt/theme/theme1.xml><?xml version="1.0" encoding="utf-8"?>
-<a:theme xmlns:a="http://schemas.openxmlformats.org/drawingml/2006/main" name="Office Theme">
+<a:theme xmlns:a="http://schemas.openxmlformats.org/drawingml/2006/main" name="Verve">
   <a:themeElements>
-    <a:clrScheme name="Office">
+    <a:clrScheme name="Aspect">
       <a:dk1>
         <a:sysClr val="windowText" lastClr="000000"/>
       </a:dk1>
@@ -4592,83 +6881,48 @@
         <a:sysClr val="window" lastClr="FFFFFF"/>
       </a:lt1>
       <a:dk2>
-        <a:srgbClr val="1F497D"/>
+        <a:srgbClr val="323232"/>
       </a:dk2>
       <a:lt2>
-        <a:srgbClr val="EEECE1"/>
+        <a:srgbClr val="E3DED1"/>
       </a:lt2>
       <a:accent1>
-        <a:srgbClr val="4F81BD"/>
+        <a:srgbClr val="F07F09"/>
       </a:accent1>
       <a:accent2>
-        <a:srgbClr val="C0504D"/>
+        <a:srgbClr val="9F2936"/>
       </a:accent2>
       <a:accent3>
-        <a:srgbClr val="9BBB59"/>
+        <a:srgbClr val="1B587C"/>
       </a:accent3>
       <a:accent4>
-        <a:srgbClr val="8064A2"/>
+        <a:srgbClr val="4E8542"/>
       </a:accent4>
       <a:accent5>
-        <a:srgbClr val="4BACC6"/>
+        <a:srgbClr val="604878"/>
       </a:accent5>
       <a:accent6>
-        <a:srgbClr val="F79646"/>
+        <a:srgbClr val="C19859"/>
       </a:accent6>
       <a:hlink>
-        <a:srgbClr val="0000FF"/>
+        <a:srgbClr val="6B9F25"/>
       </a:hlink>
       <a:folHlink>
-        <a:srgbClr val="800080"/>
+        <a:srgbClr val="B26B02"/>
       </a:folHlink>
     </a:clrScheme>
-    <a:fontScheme name="Office">
+    <a:fontScheme name="Verve">
       <a:majorFont>
-        <a:latin typeface="Calibri"/>
+        <a:latin typeface="Century Gothic"/>
         <a:ea typeface=""/>
         <a:cs typeface=""/>
-        <a:font script="Jpan" typeface="ＭＳ Ｐゴシック"/>
-        <a:font script="Hang" typeface="맑은 고딕"/>
-        <a:font script="Hans" typeface="宋体"/>
-        <a:font script="Hant" typeface="新細明體"/>
-        <a:font script="Arab" typeface="Times New Roman"/>
-        <a:font script="Hebr" typeface="Times New Roman"/>
-        <a:font script="Thai" typeface="Angsana New"/>
-        <a:font script="Ethi" typeface="Nyala"/>
-        <a:font script="Beng" typeface="Vrinda"/>
-        <a:font script="Gujr" typeface="Shruti"/>
-        <a:font script="Khmr" typeface="MoolBoran"/>
-        <a:font script="Knda" typeface="Tunga"/>
-        <a:font script="Guru" typeface="Raavi"/>
-        <a:font script="Cans" typeface="Euphemia"/>
-        <a:font script="Cher" typeface="Plantagenet Cherokee"/>
-        <a:font script="Yiii" typeface="Microsoft Yi Baiti"/>
-        <a:font script="Tibt" typeface="Microsoft Himalaya"/>
-        <a:font script="Thaa" typeface="MV Boli"/>
-        <a:font script="Deva" typeface="Mangal"/>
-        <a:font script="Telu" typeface="Gautami"/>
-        <a:font script="Taml" typeface="Latha"/>
-        <a:font script="Syrc" typeface="Estrangelo Edessa"/>
-        <a:font script="Orya" typeface="Kalinga"/>
-        <a:font script="Mlym" typeface="Kartika"/>
-        <a:font script="Laoo" typeface="DokChampa"/>
-        <a:font script="Sinh" typeface="Iskoola Pota"/>
-        <a:font script="Mong" typeface="Mongolian Baiti"/>
-        <a:font script="Viet" typeface="Times New Roman"/>
-        <a:font script="Uigh" typeface="Microsoft Uighur"/>
-        <a:font script="Geor" typeface="Sylfaen"/>
-      </a:majorFont>
-      <a:minorFont>
-        <a:latin typeface="Calibri"/>
-        <a:ea typeface=""/>
-        <a:cs typeface=""/>
-        <a:font script="Jpan" typeface="ＭＳ Ｐゴシック"/>
-        <a:font script="Hang" typeface="맑은 고딕"/>
-        <a:font script="Hans" typeface="宋体"/>
-        <a:font script="Hant" typeface="新細明體"/>
-        <a:font script="Arab" typeface="Arial"/>
-        <a:font script="Hebr" typeface="Arial"/>
-        <a:font script="Thai" typeface="Cordia New"/>
+        <a:font script="Jpan" typeface="HGｺﾞｼｯｸM"/>
+        <a:font script="Hang" typeface="HY중고딕"/>
+        <a:font script="Hans" typeface="幼圆"/>
+        <a:font script="Hant" typeface="微軟正黑體"/>
+        <a:font script="Arab" typeface="Tahoma"/>
+        <a:font script="Hebr" typeface="Gisha"/>
+        <a:font script="Thai" typeface="DilleniaUPC"/>
         <a:font script="Ethi" typeface="Nyala"/>
         <a:font script="Beng" typeface="Vrinda"/>
         <a:font script="Gujr" typeface="Shruti"/>
@@ -4689,12 +6943,47 @@
         <a:font script="Laoo" typeface="DokChampa"/>
         <a:font script="Sinh" typeface="Iskoola Pota"/>
         <a:font script="Mong" typeface="Mongolian Baiti"/>
-        <a:font script="Viet" typeface="Arial"/>
+        <a:font script="Viet" typeface="Tahoma"/>
+        <a:font script="Uigh" typeface="Microsoft Uighur"/>
+        <a:font script="Geor" typeface="Sylfaen"/>
+      </a:majorFont>
+      <a:minorFont>
+        <a:latin typeface="Century Gothic"/>
+        <a:ea typeface=""/>
+        <a:cs typeface=""/>
+        <a:font script="Jpan" typeface="ＭＳ ゴシック"/>
+        <a:font script="Hang" typeface="HY중고딕"/>
+        <a:font script="Hans" typeface="幼圆"/>
+        <a:font script="Hant" typeface="微軟正黑體"/>
+        <a:font script="Arab" typeface="Tahoma"/>
+        <a:font script="Hebr" typeface="Gisha"/>
+        <a:font script="Thai" typeface="DilleniaUPC"/>
+        <a:font script="Ethi" typeface="Nyala"/>
+        <a:font script="Beng" typeface="Vrinda"/>
+        <a:font script="Gujr" typeface="Shruti"/>
+        <a:font script="Khmr" typeface="DaunPenh"/>
+        <a:font script="Knda" typeface="Tunga"/>
+        <a:font script="Guru" typeface="Raavi"/>
+        <a:font script="Cans" typeface="Euphemia"/>
+        <a:font script="Cher" typeface="Plantagenet Cherokee"/>
+        <a:font script="Yiii" typeface="Microsoft Yi Baiti"/>
+        <a:font script="Tibt" typeface="Microsoft Himalaya"/>
+        <a:font script="Thaa" typeface="MV Boli"/>
+        <a:font script="Deva" typeface="Mangal"/>
+        <a:font script="Telu" typeface="Gautami"/>
+        <a:font script="Taml" typeface="Latha"/>
+        <a:font script="Syrc" typeface="Estrangelo Edessa"/>
+        <a:font script="Orya" typeface="Kalinga"/>
+        <a:font script="Mlym" typeface="Kartika"/>
+        <a:font script="Laoo" typeface="DokChampa"/>
+        <a:font script="Sinh" typeface="Iskoola Pota"/>
+        <a:font script="Mong" typeface="Mongolian Baiti"/>
+        <a:font script="Viet" typeface="Verdana"/>
         <a:font script="Uigh" typeface="Microsoft Uighur"/>
         <a:font script="Geor" typeface="Sylfaen"/>
       </a:minorFont>
     </a:fontScheme>
-    <a:fmtScheme name="Office">
+    <a:fmtScheme name="Verve">
       <a:fillStyleLst>
         <a:solidFill>
           <a:schemeClr val="phClr"/>
@@ -4703,55 +6992,58 @@
           <a:gsLst>
             <a:gs pos="0">
               <a:schemeClr val="phClr">
-                <a:tint val="50000"/>
+                <a:tint val="10000"/>
                 <a:satMod val="300000"/>
               </a:schemeClr>
             </a:gs>
-            <a:gs pos="35000">
+            <a:gs pos="34000">
               <a:schemeClr val="phClr">
-                <a:tint val="37000"/>
-                <a:satMod val="300000"/>
+                <a:tint val="13500"/>
+                <a:satMod val="250000"/>
               </a:schemeClr>
             </a:gs>
             <a:gs pos="100000">
               <a:schemeClr val="phClr">
-                <a:tint val="15000"/>
-                <a:satMod val="350000"/>
+                <a:tint val="60000"/>
+                <a:satMod val="200000"/>
               </a:schemeClr>
             </a:gs>
           </a:gsLst>
-          <a:lin ang="16200000" scaled="1"/>
+          <a:path path="circle">
+            <a:fillToRect l="50000" t="155000" r="50000" b="-55000"/>
+          </a:path>
         </a:gradFill>
         <a:gradFill rotWithShape="1">
           <a:gsLst>
             <a:gs pos="0">
               <a:schemeClr val="phClr">
-                <a:shade val="51000"/>
-                <a:satMod val="130000"/>
+                <a:tint val="60000"/>
+                <a:satMod val="160000"/>
               </a:schemeClr>
             </a:gs>
-            <a:gs pos="80000">
+            <a:gs pos="46000">
               <a:schemeClr val="phClr">
-                <a:shade val="93000"/>
-                <a:satMod val="130000"/>
+                <a:tint val="86000"/>
+                <a:satMod val="160000"/>
               </a:schemeClr>
             </a:gs>
             <a:gs pos="100000">
               <a:schemeClr val="phClr">
-                <a:shade val="94000"/>
-                <a:satMod val="135000"/>
+                <a:shade val="40000"/>
+                <a:satMod val="160000"/>
               </a:schemeClr>
             </a:gs>
           </a:gsLst>
-          <a:lin ang="16200000" scaled="0"/>
+          <a:path path="circle">
+            <a:fillToRect l="50000" t="155000" r="50000" b="-55000"/>
+          </a:path>
         </a:gradFill>
       </a:fillStyleLst>
       <a:lnStyleLst>
         <a:ln w="9525" cap="flat" cmpd="sng" algn="ctr">
           <a:solidFill>
             <a:schemeClr val="phClr">
-              <a:shade val="95000"/>
-              <a:satMod val="105000"/>
+              <a:satMod val="120000"/>
             </a:schemeClr>
           </a:solidFill>
           <a:prstDash val="solid"/>
@@ -4772,40 +7064,43 @@
       <a:effectStyleLst>
         <a:effectStyle>
           <a:effectLst>
-            <a:outerShdw blurRad="40000" dist="20000" dir="5400000" rotWithShape="0">
+            <a:outerShdw blurRad="63500" dist="25400" dir="14700000" algn="t" rotWithShape="0">
               <a:srgbClr val="000000">
-                <a:alpha val="38000"/>
+                <a:alpha val="50000"/>
               </a:srgbClr>
             </a:outerShdw>
           </a:effectLst>
         </a:effectStyle>
         <a:effectStyle>
           <a:effectLst>
-            <a:outerShdw blurRad="40000" dist="23000" dir="5400000" rotWithShape="0">
+            <a:outerShdw blurRad="50800" dist="38100" dir="14700000" algn="t" rotWithShape="0">
               <a:srgbClr val="000000">
-                <a:alpha val="35000"/>
+                <a:alpha val="60000"/>
               </a:srgbClr>
             </a:outerShdw>
           </a:effectLst>
         </a:effectStyle>
         <a:effectStyle>
           <a:effectLst>
-            <a:outerShdw blurRad="40000" dist="23000" dir="5400000" rotWithShape="0">
+            <a:outerShdw blurRad="50800" dist="38100" dir="14700000" algn="t" rotWithShape="0">
               <a:srgbClr val="000000">
-                <a:alpha val="35000"/>
+                <a:alpha val="60000"/>
               </a:srgbClr>
             </a:outerShdw>
           </a:effectLst>
           <a:scene3d>
-            <a:camera prst="orthographicFront">
+            <a:camera prst="orthographicFront" fov="0">
               <a:rot lat="0" lon="0" rev="0"/>
             </a:camera>
-            <a:lightRig rig="threePt" dir="t">
-              <a:rot lat="0" lon="0" rev="1200000"/>
+            <a:lightRig rig="contrasting" dir="t">
+              <a:rot lat="0" lon="0" rev="3600000"/>
             </a:lightRig>
           </a:scene3d>
-          <a:sp3d>
-            <a:bevelT w="63500" h="25400"/>
+          <a:sp3d prstMaterial="plastic">
+            <a:bevelT w="127000" h="38200" prst="relaxedInset"/>
+            <a:contourClr>
+              <a:schemeClr val="phClr"/>
+            </a:contourClr>
           </a:sp3d>
         </a:effectStyle>
       </a:effectStyleLst>
@@ -4817,47 +7112,40 @@
           <a:gsLst>
             <a:gs pos="0">
               <a:schemeClr val="phClr">
-                <a:tint val="40000"/>
-                <a:satMod val="350000"/>
+                <a:shade val="48000"/>
+                <a:satMod val="230000"/>
               </a:schemeClr>
             </a:gs>
-            <a:gs pos="40000">
+            <a:gs pos="60000">
               <a:schemeClr val="phClr">
-                <a:tint val="45000"/>
-                <a:shade val="99000"/>
-                <a:satMod val="350000"/>
+                <a:shade val="92000"/>
+                <a:satMod val="230000"/>
               </a:schemeClr>
             </a:gs>
             <a:gs pos="100000">
               <a:schemeClr val="phClr">
-                <a:shade val="20000"/>
-                <a:satMod val="255000"/>
+                <a:tint val="85000"/>
+                <a:satMod val="400000"/>
               </a:schemeClr>
             </a:gs>
           </a:gsLst>
-          <a:path path="circle">
-            <a:fillToRect l="50000" t="-80000" r="50000" b="180000"/>
-          </a:path>
+          <a:lin ang="5400000" scaled="0"/>
         </a:gradFill>
-        <a:gradFill rotWithShape="1">
-          <a:gsLst>
-            <a:gs pos="0">
+        <a:blipFill>
+          <a:blip xmlns:r="http://schemas.openxmlformats.org/officeDocument/2006/relationships" r:embed="rId1">
+            <a:duotone>
               <a:schemeClr val="phClr">
-                <a:tint val="80000"/>
-                <a:satMod val="300000"/>
+                <a:shade val="1200"/>
+                <a:satMod val="150000"/>
               </a:schemeClr>
-            </a:gs>
-            <a:gs pos="100000">
               <a:schemeClr val="phClr">
-                <a:shade val="30000"/>
-                <a:satMod val="200000"/>
+                <a:tint val="90000"/>
+                <a:satMod val="150000"/>
               </a:schemeClr>
-            </a:gs>
-          </a:gsLst>
-          <a:path path="circle">
-            <a:fillToRect l="50000" t="50000" r="50000" b="50000"/>
-          </a:path>
-        </a:gradFill>
+            </a:duotone>
+          </a:blip>
+          <a:tile tx="0" ty="0" sx="70000" sy="70000" flip="none" algn="tl"/>
+        </a:blipFill>
       </a:bgFillStyleLst>
     </a:fmtScheme>
   </a:themeElements>
